--- a/resources/keynote.pptx
+++ b/resources/keynote.pptx
@@ -5,20 +5,19 @@
     <p:sldMasterId id="2147483648" r:id="rId1"/>
   </p:sldMasterIdLst>
   <p:notesMasterIdLst>
-    <p:notesMasterId r:id="rId13"/>
+    <p:notesMasterId r:id="rId12"/>
   </p:notesMasterIdLst>
   <p:sldIdLst>
     <p:sldId id="256" r:id="rId2"/>
-    <p:sldId id="264" r:id="rId3"/>
-    <p:sldId id="272" r:id="rId4"/>
-    <p:sldId id="268" r:id="rId5"/>
-    <p:sldId id="269" r:id="rId6"/>
-    <p:sldId id="273" r:id="rId7"/>
-    <p:sldId id="274" r:id="rId8"/>
-    <p:sldId id="275" r:id="rId9"/>
-    <p:sldId id="276" r:id="rId10"/>
-    <p:sldId id="277" r:id="rId11"/>
-    <p:sldId id="270" r:id="rId12"/>
+    <p:sldId id="272" r:id="rId3"/>
+    <p:sldId id="268" r:id="rId4"/>
+    <p:sldId id="269" r:id="rId5"/>
+    <p:sldId id="273" r:id="rId6"/>
+    <p:sldId id="274" r:id="rId7"/>
+    <p:sldId id="275" r:id="rId8"/>
+    <p:sldId id="276" r:id="rId9"/>
+    <p:sldId id="277" r:id="rId10"/>
+    <p:sldId id="270" r:id="rId11"/>
   </p:sldIdLst>
   <p:sldSz cx="24384000" cy="13716000"/>
   <p:notesSz cx="6858000" cy="9144000"/>
@@ -851,115 +850,6 @@
   <p:cSld>
     <p:spTree>
       <p:nvGrpSpPr>
-        <p:cNvPr id="1" name="Shape 283"/>
-        <p:cNvGrpSpPr/>
-        <p:nvPr/>
-      </p:nvGrpSpPr>
-      <p:grpSpPr>
-        <a:xfrm>
-          <a:off x="0" y="0"/>
-          <a:ext cx="0" cy="0"/>
-          <a:chOff x="0" y="0"/>
-          <a:chExt cx="0" cy="0"/>
-        </a:xfrm>
-      </p:grpSpPr>
-      <p:sp>
-        <p:nvSpPr>
-          <p:cNvPr id="284" name="Google Shape;284;p14:notes"/>
-          <p:cNvSpPr txBox="1">
-            <a:spLocks noGrp="1"/>
-          </p:cNvSpPr>
-          <p:nvPr>
-            <p:ph type="body" idx="1"/>
-          </p:nvPr>
-        </p:nvSpPr>
-        <p:spPr>
-          <a:xfrm>
-            <a:off x="914400" y="4343400"/>
-            <a:ext cx="5029200" cy="4114800"/>
-          </a:xfrm>
-          <a:prstGeom prst="rect">
-            <a:avLst/>
-          </a:prstGeom>
-        </p:spPr>
-        <p:txBody>
-          <a:bodyPr spcFirstLastPara="1" wrap="square" lIns="91425" tIns="45700" rIns="91425" bIns="45700" anchor="t" anchorCtr="0">
-            <a:noAutofit/>
-          </a:bodyPr>
-          <a:lstStyle/>
-          <a:p>
-            <a:pPr marL="0" lvl="0" indent="0" algn="l" rtl="0">
-              <a:spcBef>
-                <a:spcPts val="0"/>
-              </a:spcBef>
-              <a:spcAft>
-                <a:spcPts val="0"/>
-              </a:spcAft>
-              <a:buNone/>
-            </a:pPr>
-            <a:endParaRPr/>
-          </a:p>
-        </p:txBody>
-      </p:sp>
-      <p:sp>
-        <p:nvSpPr>
-          <p:cNvPr id="285" name="Google Shape;285;p14:notes"/>
-          <p:cNvSpPr>
-            <a:spLocks noGrp="1" noRot="1" noChangeAspect="1"/>
-          </p:cNvSpPr>
-          <p:nvPr>
-            <p:ph type="sldImg" idx="2"/>
-          </p:nvPr>
-        </p:nvSpPr>
-        <p:spPr>
-          <a:xfrm>
-            <a:off x="381000" y="685800"/>
-            <a:ext cx="6096000" cy="3429000"/>
-          </a:xfrm>
-          <a:custGeom>
-            <a:avLst/>
-            <a:gdLst/>
-            <a:ahLst/>
-            <a:cxnLst/>
-            <a:rect l="l" t="t" r="r" b="b"/>
-            <a:pathLst>
-              <a:path w="120000" h="120000" extrusionOk="0">
-                <a:moveTo>
-                  <a:pt x="0" y="0"/>
-                </a:moveTo>
-                <a:lnTo>
-                  <a:pt x="120000" y="0"/>
-                </a:lnTo>
-                <a:lnTo>
-                  <a:pt x="120000" y="120000"/>
-                </a:lnTo>
-                <a:lnTo>
-                  <a:pt x="0" y="120000"/>
-                </a:lnTo>
-                <a:close/>
-              </a:path>
-            </a:pathLst>
-          </a:custGeom>
-        </p:spPr>
-      </p:sp>
-    </p:spTree>
-    <p:extLst>
-      <p:ext uri="{BB962C8B-B14F-4D97-AF65-F5344CB8AC3E}">
-        <p14:creationId xmlns:p14="http://schemas.microsoft.com/office/powerpoint/2010/main" val="1567452602"/>
-      </p:ext>
-    </p:extLst>
-  </p:cSld>
-  <p:clrMapOvr>
-    <a:masterClrMapping/>
-  </p:clrMapOvr>
-</p:notes>
-</file>
-
-<file path=ppt/notesSlides/notesSlide11.xml><?xml version="1.0" encoding="utf-8"?>
-<p:notes xmlns:a="http://schemas.openxmlformats.org/drawingml/2006/main" xmlns:r="http://schemas.openxmlformats.org/officeDocument/2006/relationships" xmlns:p="http://schemas.openxmlformats.org/presentationml/2006/main" showMasterSp="0" showMasterPhAnim="0">
-  <p:cSld>
-    <p:spTree>
-      <p:nvGrpSpPr>
         <p:cNvPr id="1" name="Shape 295"/>
         <p:cNvGrpSpPr/>
         <p:nvPr/>
@@ -1064,110 +954,6 @@
   <p:cSld>
     <p:spTree>
       <p:nvGrpSpPr>
-        <p:cNvPr id="1" name="Shape 195"/>
-        <p:cNvGrpSpPr/>
-        <p:nvPr/>
-      </p:nvGrpSpPr>
-      <p:grpSpPr>
-        <a:xfrm>
-          <a:off x="0" y="0"/>
-          <a:ext cx="0" cy="0"/>
-          <a:chOff x="0" y="0"/>
-          <a:chExt cx="0" cy="0"/>
-        </a:xfrm>
-      </p:grpSpPr>
-      <p:sp>
-        <p:nvSpPr>
-          <p:cNvPr id="196" name="Google Shape;196;p9:notes"/>
-          <p:cNvSpPr txBox="1">
-            <a:spLocks noGrp="1"/>
-          </p:cNvSpPr>
-          <p:nvPr>
-            <p:ph type="body" idx="1"/>
-          </p:nvPr>
-        </p:nvSpPr>
-        <p:spPr>
-          <a:xfrm>
-            <a:off x="914400" y="4343400"/>
-            <a:ext cx="5029200" cy="4114800"/>
-          </a:xfrm>
-          <a:prstGeom prst="rect">
-            <a:avLst/>
-          </a:prstGeom>
-        </p:spPr>
-        <p:txBody>
-          <a:bodyPr spcFirstLastPara="1" wrap="square" lIns="91425" tIns="45700" rIns="91425" bIns="45700" anchor="t" anchorCtr="0">
-            <a:noAutofit/>
-          </a:bodyPr>
-          <a:lstStyle/>
-          <a:p>
-            <a:pPr marL="0" lvl="0" indent="0" algn="l" rtl="0">
-              <a:spcBef>
-                <a:spcPts val="0"/>
-              </a:spcBef>
-              <a:spcAft>
-                <a:spcPts val="0"/>
-              </a:spcAft>
-              <a:buNone/>
-            </a:pPr>
-            <a:endParaRPr/>
-          </a:p>
-        </p:txBody>
-      </p:sp>
-      <p:sp>
-        <p:nvSpPr>
-          <p:cNvPr id="197" name="Google Shape;197;p9:notes"/>
-          <p:cNvSpPr>
-            <a:spLocks noGrp="1" noRot="1" noChangeAspect="1"/>
-          </p:cNvSpPr>
-          <p:nvPr>
-            <p:ph type="sldImg" idx="2"/>
-          </p:nvPr>
-        </p:nvSpPr>
-        <p:spPr>
-          <a:xfrm>
-            <a:off x="381000" y="685800"/>
-            <a:ext cx="6096000" cy="3429000"/>
-          </a:xfrm>
-          <a:custGeom>
-            <a:avLst/>
-            <a:gdLst/>
-            <a:ahLst/>
-            <a:cxnLst/>
-            <a:rect l="l" t="t" r="r" b="b"/>
-            <a:pathLst>
-              <a:path w="120000" h="120000" extrusionOk="0">
-                <a:moveTo>
-                  <a:pt x="0" y="0"/>
-                </a:moveTo>
-                <a:lnTo>
-                  <a:pt x="120000" y="0"/>
-                </a:lnTo>
-                <a:lnTo>
-                  <a:pt x="120000" y="120000"/>
-                </a:lnTo>
-                <a:lnTo>
-                  <a:pt x="0" y="120000"/>
-                </a:lnTo>
-                <a:close/>
-              </a:path>
-            </a:pathLst>
-          </a:custGeom>
-        </p:spPr>
-      </p:sp>
-    </p:spTree>
-  </p:cSld>
-  <p:clrMapOvr>
-    <a:masterClrMapping/>
-  </p:clrMapOvr>
-</p:notes>
-</file>
-
-<file path=ppt/notesSlides/notesSlide3.xml><?xml version="1.0" encoding="utf-8"?>
-<p:notes xmlns:a="http://schemas.openxmlformats.org/drawingml/2006/main" xmlns:r="http://schemas.openxmlformats.org/officeDocument/2006/relationships" xmlns:p="http://schemas.openxmlformats.org/presentationml/2006/main" showMasterSp="0" showMasterPhAnim="0">
-  <p:cSld>
-    <p:spTree>
-      <p:nvGrpSpPr>
         <p:cNvPr id="1" name="Shape 263"/>
         <p:cNvGrpSpPr/>
         <p:nvPr/>
@@ -1272,7 +1058,7 @@
 </p:notes>
 </file>
 
-<file path=ppt/notesSlides/notesSlide4.xml><?xml version="1.0" encoding="utf-8"?>
+<file path=ppt/notesSlides/notesSlide3.xml><?xml version="1.0" encoding="utf-8"?>
 <p:notes xmlns:a="http://schemas.openxmlformats.org/drawingml/2006/main" xmlns:r="http://schemas.openxmlformats.org/officeDocument/2006/relationships" xmlns:p="http://schemas.openxmlformats.org/presentationml/2006/main" showMasterSp="0" showMasterPhAnim="0">
   <p:cSld>
     <p:spTree>
@@ -1330,6 +1116,110 @@
       <p:sp>
         <p:nvSpPr>
           <p:cNvPr id="276" name="Google Shape;276;p13:notes"/>
+          <p:cNvSpPr>
+            <a:spLocks noGrp="1" noRot="1" noChangeAspect="1"/>
+          </p:cNvSpPr>
+          <p:nvPr>
+            <p:ph type="sldImg" idx="2"/>
+          </p:nvPr>
+        </p:nvSpPr>
+        <p:spPr>
+          <a:xfrm>
+            <a:off x="381000" y="685800"/>
+            <a:ext cx="6096000" cy="3429000"/>
+          </a:xfrm>
+          <a:custGeom>
+            <a:avLst/>
+            <a:gdLst/>
+            <a:ahLst/>
+            <a:cxnLst/>
+            <a:rect l="l" t="t" r="r" b="b"/>
+            <a:pathLst>
+              <a:path w="120000" h="120000" extrusionOk="0">
+                <a:moveTo>
+                  <a:pt x="0" y="0"/>
+                </a:moveTo>
+                <a:lnTo>
+                  <a:pt x="120000" y="0"/>
+                </a:lnTo>
+                <a:lnTo>
+                  <a:pt x="120000" y="120000"/>
+                </a:lnTo>
+                <a:lnTo>
+                  <a:pt x="0" y="120000"/>
+                </a:lnTo>
+                <a:close/>
+              </a:path>
+            </a:pathLst>
+          </a:custGeom>
+        </p:spPr>
+      </p:sp>
+    </p:spTree>
+  </p:cSld>
+  <p:clrMapOvr>
+    <a:masterClrMapping/>
+  </p:clrMapOvr>
+</p:notes>
+</file>
+
+<file path=ppt/notesSlides/notesSlide4.xml><?xml version="1.0" encoding="utf-8"?>
+<p:notes xmlns:a="http://schemas.openxmlformats.org/drawingml/2006/main" xmlns:r="http://schemas.openxmlformats.org/officeDocument/2006/relationships" xmlns:p="http://schemas.openxmlformats.org/presentationml/2006/main" showMasterSp="0" showMasterPhAnim="0">
+  <p:cSld>
+    <p:spTree>
+      <p:nvGrpSpPr>
+        <p:cNvPr id="1" name="Shape 283"/>
+        <p:cNvGrpSpPr/>
+        <p:nvPr/>
+      </p:nvGrpSpPr>
+      <p:grpSpPr>
+        <a:xfrm>
+          <a:off x="0" y="0"/>
+          <a:ext cx="0" cy="0"/>
+          <a:chOff x="0" y="0"/>
+          <a:chExt cx="0" cy="0"/>
+        </a:xfrm>
+      </p:grpSpPr>
+      <p:sp>
+        <p:nvSpPr>
+          <p:cNvPr id="284" name="Google Shape;284;p14:notes"/>
+          <p:cNvSpPr txBox="1">
+            <a:spLocks noGrp="1"/>
+          </p:cNvSpPr>
+          <p:nvPr>
+            <p:ph type="body" idx="1"/>
+          </p:nvPr>
+        </p:nvSpPr>
+        <p:spPr>
+          <a:xfrm>
+            <a:off x="914400" y="4343400"/>
+            <a:ext cx="5029200" cy="4114800"/>
+          </a:xfrm>
+          <a:prstGeom prst="rect">
+            <a:avLst/>
+          </a:prstGeom>
+        </p:spPr>
+        <p:txBody>
+          <a:bodyPr spcFirstLastPara="1" wrap="square" lIns="91425" tIns="45700" rIns="91425" bIns="45700" anchor="t" anchorCtr="0">
+            <a:noAutofit/>
+          </a:bodyPr>
+          <a:lstStyle/>
+          <a:p>
+            <a:pPr marL="0" lvl="0" indent="0" algn="l" rtl="0">
+              <a:spcBef>
+                <a:spcPts val="0"/>
+              </a:spcBef>
+              <a:spcAft>
+                <a:spcPts val="0"/>
+              </a:spcAft>
+              <a:buNone/>
+            </a:pPr>
+            <a:endParaRPr/>
+          </a:p>
+        </p:txBody>
+      </p:sp>
+      <p:sp>
+        <p:nvSpPr>
+          <p:cNvPr id="285" name="Google Shape;285;p14:notes"/>
           <p:cNvSpPr>
             <a:spLocks noGrp="1" noRot="1" noChangeAspect="1"/>
           </p:cNvSpPr>
@@ -1473,110 +1363,6 @@
         </p:spPr>
       </p:sp>
     </p:spTree>
-  </p:cSld>
-  <p:clrMapOvr>
-    <a:masterClrMapping/>
-  </p:clrMapOvr>
-</p:notes>
-</file>
-
-<file path=ppt/notesSlides/notesSlide6.xml><?xml version="1.0" encoding="utf-8"?>
-<p:notes xmlns:a="http://schemas.openxmlformats.org/drawingml/2006/main" xmlns:r="http://schemas.openxmlformats.org/officeDocument/2006/relationships" xmlns:p="http://schemas.openxmlformats.org/presentationml/2006/main" showMasterSp="0" showMasterPhAnim="0">
-  <p:cSld>
-    <p:spTree>
-      <p:nvGrpSpPr>
-        <p:cNvPr id="1" name="Shape 283"/>
-        <p:cNvGrpSpPr/>
-        <p:nvPr/>
-      </p:nvGrpSpPr>
-      <p:grpSpPr>
-        <a:xfrm>
-          <a:off x="0" y="0"/>
-          <a:ext cx="0" cy="0"/>
-          <a:chOff x="0" y="0"/>
-          <a:chExt cx="0" cy="0"/>
-        </a:xfrm>
-      </p:grpSpPr>
-      <p:sp>
-        <p:nvSpPr>
-          <p:cNvPr id="284" name="Google Shape;284;p14:notes"/>
-          <p:cNvSpPr txBox="1">
-            <a:spLocks noGrp="1"/>
-          </p:cNvSpPr>
-          <p:nvPr>
-            <p:ph type="body" idx="1"/>
-          </p:nvPr>
-        </p:nvSpPr>
-        <p:spPr>
-          <a:xfrm>
-            <a:off x="914400" y="4343400"/>
-            <a:ext cx="5029200" cy="4114800"/>
-          </a:xfrm>
-          <a:prstGeom prst="rect">
-            <a:avLst/>
-          </a:prstGeom>
-        </p:spPr>
-        <p:txBody>
-          <a:bodyPr spcFirstLastPara="1" wrap="square" lIns="91425" tIns="45700" rIns="91425" bIns="45700" anchor="t" anchorCtr="0">
-            <a:noAutofit/>
-          </a:bodyPr>
-          <a:lstStyle/>
-          <a:p>
-            <a:pPr marL="0" lvl="0" indent="0" algn="l" rtl="0">
-              <a:spcBef>
-                <a:spcPts val="0"/>
-              </a:spcBef>
-              <a:spcAft>
-                <a:spcPts val="0"/>
-              </a:spcAft>
-              <a:buNone/>
-            </a:pPr>
-            <a:endParaRPr/>
-          </a:p>
-        </p:txBody>
-      </p:sp>
-      <p:sp>
-        <p:nvSpPr>
-          <p:cNvPr id="285" name="Google Shape;285;p14:notes"/>
-          <p:cNvSpPr>
-            <a:spLocks noGrp="1" noRot="1" noChangeAspect="1"/>
-          </p:cNvSpPr>
-          <p:nvPr>
-            <p:ph type="sldImg" idx="2"/>
-          </p:nvPr>
-        </p:nvSpPr>
-        <p:spPr>
-          <a:xfrm>
-            <a:off x="381000" y="685800"/>
-            <a:ext cx="6096000" cy="3429000"/>
-          </a:xfrm>
-          <a:custGeom>
-            <a:avLst/>
-            <a:gdLst/>
-            <a:ahLst/>
-            <a:cxnLst/>
-            <a:rect l="l" t="t" r="r" b="b"/>
-            <a:pathLst>
-              <a:path w="120000" h="120000" extrusionOk="0">
-                <a:moveTo>
-                  <a:pt x="0" y="0"/>
-                </a:moveTo>
-                <a:lnTo>
-                  <a:pt x="120000" y="0"/>
-                </a:lnTo>
-                <a:lnTo>
-                  <a:pt x="120000" y="120000"/>
-                </a:lnTo>
-                <a:lnTo>
-                  <a:pt x="0" y="120000"/>
-                </a:lnTo>
-                <a:close/>
-              </a:path>
-            </a:pathLst>
-          </a:custGeom>
-        </p:spPr>
-      </p:sp>
-    </p:spTree>
     <p:extLst>
       <p:ext uri="{BB962C8B-B14F-4D97-AF65-F5344CB8AC3E}">
         <p14:creationId xmlns:p14="http://schemas.microsoft.com/office/powerpoint/2010/main" val="2241028245"/>
@@ -1589,7 +1375,7 @@
 </p:notes>
 </file>
 
-<file path=ppt/notesSlides/notesSlide7.xml><?xml version="1.0" encoding="utf-8"?>
+<file path=ppt/notesSlides/notesSlide6.xml><?xml version="1.0" encoding="utf-8"?>
 <p:notes xmlns:a="http://schemas.openxmlformats.org/drawingml/2006/main" xmlns:r="http://schemas.openxmlformats.org/officeDocument/2006/relationships" xmlns:p="http://schemas.openxmlformats.org/presentationml/2006/main" showMasterSp="0" showMasterPhAnim="0">
   <p:cSld>
     <p:spTree>
@@ -1698,7 +1484,7 @@
 </p:notes>
 </file>
 
-<file path=ppt/notesSlides/notesSlide8.xml><?xml version="1.0" encoding="utf-8"?>
+<file path=ppt/notesSlides/notesSlide7.xml><?xml version="1.0" encoding="utf-8"?>
 <p:notes xmlns:a="http://schemas.openxmlformats.org/drawingml/2006/main" xmlns:r="http://schemas.openxmlformats.org/officeDocument/2006/relationships" xmlns:p="http://schemas.openxmlformats.org/presentationml/2006/main" showMasterSp="0" showMasterPhAnim="0">
   <p:cSld>
     <p:spTree>
@@ -1807,7 +1593,7 @@
 </p:notes>
 </file>
 
-<file path=ppt/notesSlides/notesSlide9.xml><?xml version="1.0" encoding="utf-8"?>
+<file path=ppt/notesSlides/notesSlide8.xml><?xml version="1.0" encoding="utf-8"?>
 <p:notes xmlns:a="http://schemas.openxmlformats.org/drawingml/2006/main" xmlns:r="http://schemas.openxmlformats.org/officeDocument/2006/relationships" xmlns:p="http://schemas.openxmlformats.org/presentationml/2006/main" showMasterSp="0" showMasterPhAnim="0">
   <p:cSld>
     <p:spTree>
@@ -1907,6 +1693,115 @@
     <p:extLst>
       <p:ext uri="{BB962C8B-B14F-4D97-AF65-F5344CB8AC3E}">
         <p14:creationId xmlns:p14="http://schemas.microsoft.com/office/powerpoint/2010/main" val="3058698680"/>
+      </p:ext>
+    </p:extLst>
+  </p:cSld>
+  <p:clrMapOvr>
+    <a:masterClrMapping/>
+  </p:clrMapOvr>
+</p:notes>
+</file>
+
+<file path=ppt/notesSlides/notesSlide9.xml><?xml version="1.0" encoding="utf-8"?>
+<p:notes xmlns:a="http://schemas.openxmlformats.org/drawingml/2006/main" xmlns:r="http://schemas.openxmlformats.org/officeDocument/2006/relationships" xmlns:p="http://schemas.openxmlformats.org/presentationml/2006/main" showMasterSp="0" showMasterPhAnim="0">
+  <p:cSld>
+    <p:spTree>
+      <p:nvGrpSpPr>
+        <p:cNvPr id="1" name="Shape 283"/>
+        <p:cNvGrpSpPr/>
+        <p:nvPr/>
+      </p:nvGrpSpPr>
+      <p:grpSpPr>
+        <a:xfrm>
+          <a:off x="0" y="0"/>
+          <a:ext cx="0" cy="0"/>
+          <a:chOff x="0" y="0"/>
+          <a:chExt cx="0" cy="0"/>
+        </a:xfrm>
+      </p:grpSpPr>
+      <p:sp>
+        <p:nvSpPr>
+          <p:cNvPr id="284" name="Google Shape;284;p14:notes"/>
+          <p:cNvSpPr txBox="1">
+            <a:spLocks noGrp="1"/>
+          </p:cNvSpPr>
+          <p:nvPr>
+            <p:ph type="body" idx="1"/>
+          </p:nvPr>
+        </p:nvSpPr>
+        <p:spPr>
+          <a:xfrm>
+            <a:off x="914400" y="4343400"/>
+            <a:ext cx="5029200" cy="4114800"/>
+          </a:xfrm>
+          <a:prstGeom prst="rect">
+            <a:avLst/>
+          </a:prstGeom>
+        </p:spPr>
+        <p:txBody>
+          <a:bodyPr spcFirstLastPara="1" wrap="square" lIns="91425" tIns="45700" rIns="91425" bIns="45700" anchor="t" anchorCtr="0">
+            <a:noAutofit/>
+          </a:bodyPr>
+          <a:lstStyle/>
+          <a:p>
+            <a:pPr marL="0" lvl="0" indent="0" algn="l" rtl="0">
+              <a:spcBef>
+                <a:spcPts val="0"/>
+              </a:spcBef>
+              <a:spcAft>
+                <a:spcPts val="0"/>
+              </a:spcAft>
+              <a:buNone/>
+            </a:pPr>
+            <a:endParaRPr/>
+          </a:p>
+        </p:txBody>
+      </p:sp>
+      <p:sp>
+        <p:nvSpPr>
+          <p:cNvPr id="285" name="Google Shape;285;p14:notes"/>
+          <p:cNvSpPr>
+            <a:spLocks noGrp="1" noRot="1" noChangeAspect="1"/>
+          </p:cNvSpPr>
+          <p:nvPr>
+            <p:ph type="sldImg" idx="2"/>
+          </p:nvPr>
+        </p:nvSpPr>
+        <p:spPr>
+          <a:xfrm>
+            <a:off x="381000" y="685800"/>
+            <a:ext cx="6096000" cy="3429000"/>
+          </a:xfrm>
+          <a:custGeom>
+            <a:avLst/>
+            <a:gdLst/>
+            <a:ahLst/>
+            <a:cxnLst/>
+            <a:rect l="l" t="t" r="r" b="b"/>
+            <a:pathLst>
+              <a:path w="120000" h="120000" extrusionOk="0">
+                <a:moveTo>
+                  <a:pt x="0" y="0"/>
+                </a:moveTo>
+                <a:lnTo>
+                  <a:pt x="120000" y="0"/>
+                </a:lnTo>
+                <a:lnTo>
+                  <a:pt x="120000" y="120000"/>
+                </a:lnTo>
+                <a:lnTo>
+                  <a:pt x="0" y="120000"/>
+                </a:lnTo>
+                <a:close/>
+              </a:path>
+            </a:pathLst>
+          </a:custGeom>
+        </p:spPr>
+      </p:sp>
+    </p:spTree>
+    <p:extLst>
+      <p:ext uri="{BB962C8B-B14F-4D97-AF65-F5344CB8AC3E}">
+        <p14:creationId xmlns:p14="http://schemas.microsoft.com/office/powerpoint/2010/main" val="1567452602"/>
       </p:ext>
     </p:extLst>
   </p:cSld>
@@ -12728,6 +12623,3473 @@
 <file path=ppt/slides/slide10.xml><?xml version="1.0" encoding="utf-8"?>
 <p:sld xmlns:a="http://schemas.openxmlformats.org/drawingml/2006/main" xmlns:r="http://schemas.openxmlformats.org/officeDocument/2006/relationships" xmlns:p="http://schemas.openxmlformats.org/presentationml/2006/main">
   <p:cSld>
+    <p:bg>
+      <p:bgPr>
+        <a:solidFill>
+          <a:srgbClr val="4B0489"/>
+        </a:solidFill>
+        <a:effectLst/>
+      </p:bgPr>
+    </p:bg>
+    <p:spTree>
+      <p:nvGrpSpPr>
+        <p:cNvPr id="1" name="Shape 298"/>
+        <p:cNvGrpSpPr/>
+        <p:nvPr/>
+      </p:nvGrpSpPr>
+      <p:grpSpPr>
+        <a:xfrm>
+          <a:off x="0" y="0"/>
+          <a:ext cx="0" cy="0"/>
+          <a:chOff x="0" y="0"/>
+          <a:chExt cx="0" cy="0"/>
+        </a:xfrm>
+      </p:grpSpPr>
+      <p:sp>
+        <p:nvSpPr>
+          <p:cNvPr id="299" name="Google Shape;299;p15"/>
+          <p:cNvSpPr txBox="1"/>
+          <p:nvPr/>
+        </p:nvSpPr>
+        <p:spPr>
+          <a:xfrm>
+            <a:off x="1143000" y="3509105"/>
+            <a:ext cx="19705706" cy="2606458"/>
+          </a:xfrm>
+          <a:prstGeom prst="rect">
+            <a:avLst/>
+          </a:prstGeom>
+          <a:noFill/>
+          <a:ln>
+            <a:noFill/>
+          </a:ln>
+        </p:spPr>
+        <p:txBody>
+          <a:bodyPr spcFirstLastPara="1" wrap="square" lIns="71425" tIns="71425" rIns="71425" bIns="71425" anchor="ctr" anchorCtr="0">
+            <a:spAutoFit/>
+          </a:bodyPr>
+          <a:lstStyle/>
+          <a:p>
+            <a:pPr marL="0" marR="0" lvl="0" indent="0" algn="l" rtl="0">
+              <a:lnSpc>
+                <a:spcPct val="80000"/>
+              </a:lnSpc>
+              <a:spcBef>
+                <a:spcPts val="0"/>
+              </a:spcBef>
+              <a:spcAft>
+                <a:spcPts val="0"/>
+              </a:spcAft>
+              <a:buClr>
+                <a:srgbClr val="FFFFFF"/>
+              </a:buClr>
+              <a:buSzPts val="10000"/>
+              <a:buFont typeface="Arial"/>
+              <a:buNone/>
+            </a:pPr>
+            <a:r>
+              <a:rPr lang="en-US" sz="10000" b="0" i="0" u="none" strike="noStrike" cap="none">
+                <a:solidFill>
+                  <a:srgbClr val="FFFFFF"/>
+                </a:solidFill>
+                <a:latin typeface="Helvetica Neue" panose="02000503000000020004" pitchFamily="2" charset="0"/>
+                <a:ea typeface="Helvetica Neue" panose="02000503000000020004" pitchFamily="2" charset="0"/>
+                <a:cs typeface="Helvetica Neue" panose="02000503000000020004" pitchFamily="2" charset="0"/>
+                <a:sym typeface="Arial"/>
+              </a:rPr>
+              <a:t>Ответы</a:t>
+            </a:r>
+            <a:endParaRPr sz="1400" b="0" i="0" u="none" strike="noStrike" cap="none">
+              <a:solidFill>
+                <a:srgbClr val="000000"/>
+              </a:solidFill>
+              <a:latin typeface="Helvetica Neue" panose="02000503000000020004" pitchFamily="2" charset="0"/>
+              <a:ea typeface="Helvetica Neue" panose="02000503000000020004" pitchFamily="2" charset="0"/>
+              <a:cs typeface="Helvetica Neue" panose="02000503000000020004" pitchFamily="2" charset="0"/>
+              <a:sym typeface="Helvetica Neue"/>
+            </a:endParaRPr>
+          </a:p>
+          <a:p>
+            <a:pPr marL="0" marR="0" lvl="0" indent="0" algn="l" rtl="0">
+              <a:lnSpc>
+                <a:spcPct val="80000"/>
+              </a:lnSpc>
+              <a:spcBef>
+                <a:spcPts val="0"/>
+              </a:spcBef>
+              <a:spcAft>
+                <a:spcPts val="0"/>
+              </a:spcAft>
+              <a:buClr>
+                <a:srgbClr val="FFFFFF"/>
+              </a:buClr>
+              <a:buSzPts val="10000"/>
+              <a:buFont typeface="Arial"/>
+              <a:buNone/>
+            </a:pPr>
+            <a:r>
+              <a:rPr lang="en-US" sz="10000" b="0" i="0" u="none" strike="noStrike" cap="none">
+                <a:solidFill>
+                  <a:srgbClr val="FFFFFF"/>
+                </a:solidFill>
+                <a:latin typeface="Helvetica Neue" panose="02000503000000020004" pitchFamily="2" charset="0"/>
+                <a:ea typeface="Helvetica Neue" panose="02000503000000020004" pitchFamily="2" charset="0"/>
+                <a:cs typeface="Helvetica Neue" panose="02000503000000020004" pitchFamily="2" charset="0"/>
+                <a:sym typeface="Arial"/>
+              </a:rPr>
+              <a:t>на вопросы</a:t>
+            </a:r>
+            <a:endParaRPr>
+              <a:latin typeface="Helvetica Neue" panose="02000503000000020004" pitchFamily="2" charset="0"/>
+              <a:ea typeface="Helvetica Neue" panose="02000503000000020004" pitchFamily="2" charset="0"/>
+              <a:cs typeface="Helvetica Neue" panose="02000503000000020004" pitchFamily="2" charset="0"/>
+            </a:endParaRPr>
+          </a:p>
+        </p:txBody>
+      </p:sp>
+      <p:pic>
+        <p:nvPicPr>
+          <p:cNvPr id="302" name="Google Shape;302;p15" descr="skillbox White.png"/>
+          <p:cNvPicPr preferRelativeResize="0"/>
+          <p:nvPr/>
+        </p:nvPicPr>
+        <p:blipFill rotWithShape="1">
+          <a:blip r:embed="rId3">
+            <a:alphaModFix/>
+          </a:blip>
+          <a:srcRect/>
+          <a:stretch/>
+        </p:blipFill>
+        <p:spPr>
+          <a:xfrm>
+            <a:off x="1283893" y="1341577"/>
+            <a:ext cx="2032002" cy="457202"/>
+          </a:xfrm>
+          <a:prstGeom prst="rect">
+            <a:avLst/>
+          </a:prstGeom>
+          <a:noFill/>
+          <a:ln>
+            <a:noFill/>
+          </a:ln>
+        </p:spPr>
+      </p:pic>
+      <p:pic>
+        <p:nvPicPr>
+          <p:cNvPr id="6" name="Picture 5">
+            <a:extLst>
+              <a:ext uri="{FF2B5EF4-FFF2-40B4-BE49-F238E27FC236}">
+                <a16:creationId xmlns:a16="http://schemas.microsoft.com/office/drawing/2014/main" id="{BA72C12D-0CC2-814E-863F-F0EF9963EE83}"/>
+              </a:ext>
+            </a:extLst>
+          </p:cNvPr>
+          <p:cNvPicPr>
+            <a:picLocks noChangeAspect="1"/>
+          </p:cNvPicPr>
+          <p:nvPr/>
+        </p:nvPicPr>
+        <p:blipFill>
+          <a:blip r:embed="rId4">
+            <a:extLst>
+              <a:ext uri="{28A0092B-C50C-407E-A947-70E740481C1C}">
+                <a14:useLocalDpi xmlns:a14="http://schemas.microsoft.com/office/drawing/2010/main" val="0"/>
+              </a:ext>
+            </a:extLst>
+          </a:blip>
+          <a:stretch>
+            <a:fillRect/>
+          </a:stretch>
+        </p:blipFill>
+        <p:spPr>
+          <a:xfrm>
+            <a:off x="3773496" y="1222971"/>
+            <a:ext cx="2395001" cy="770614"/>
+          </a:xfrm>
+          <a:prstGeom prst="rect">
+            <a:avLst/>
+          </a:prstGeom>
+        </p:spPr>
+      </p:pic>
+      <p:sp>
+        <p:nvSpPr>
+          <p:cNvPr id="8" name="Google Shape;308;p16">
+            <a:extLst>
+              <a:ext uri="{FF2B5EF4-FFF2-40B4-BE49-F238E27FC236}">
+                <a16:creationId xmlns:a16="http://schemas.microsoft.com/office/drawing/2014/main" id="{41BF0AE0-9F5F-4645-81CC-234F486F9419}"/>
+              </a:ext>
+            </a:extLst>
+          </p:cNvPr>
+          <p:cNvSpPr txBox="1"/>
+          <p:nvPr/>
+        </p:nvSpPr>
+        <p:spPr>
+          <a:xfrm>
+            <a:off x="3354044" y="1232484"/>
+            <a:ext cx="381303" cy="656590"/>
+          </a:xfrm>
+          <a:prstGeom prst="rect">
+            <a:avLst/>
+          </a:prstGeom>
+          <a:noFill/>
+          <a:ln>
+            <a:noFill/>
+          </a:ln>
+        </p:spPr>
+        <p:txBody>
+          <a:bodyPr spcFirstLastPara="1" wrap="square" lIns="50800" tIns="50800" rIns="50800" bIns="50800" anchor="ctr" anchorCtr="0">
+            <a:spAutoFit/>
+          </a:bodyPr>
+          <a:lstStyle/>
+          <a:p>
+            <a:pPr marL="0" marR="0" lvl="0" indent="0" algn="ctr" rtl="0">
+              <a:lnSpc>
+                <a:spcPct val="100000"/>
+              </a:lnSpc>
+              <a:spcBef>
+                <a:spcPts val="0"/>
+              </a:spcBef>
+              <a:spcAft>
+                <a:spcPts val="0"/>
+              </a:spcAft>
+              <a:buClr>
+                <a:srgbClr val="FFFFFF"/>
+              </a:buClr>
+              <a:buSzPts val="3600"/>
+              <a:buFont typeface="Open Sans Light"/>
+              <a:buNone/>
+            </a:pPr>
+            <a:r>
+              <a:rPr lang="en-US" sz="3600" b="0" i="0" u="none" strike="noStrike" cap="none" dirty="0">
+                <a:solidFill>
+                  <a:srgbClr val="FFFFFF"/>
+                </a:solidFill>
+                <a:latin typeface="Helvetica Neue" panose="02000503000000020004" pitchFamily="2" charset="0"/>
+                <a:ea typeface="Helvetica Neue" panose="02000503000000020004" pitchFamily="2" charset="0"/>
+                <a:cs typeface="Helvetica Neue" panose="02000503000000020004" pitchFamily="2" charset="0"/>
+                <a:sym typeface="Open Sans Light"/>
+              </a:rPr>
+              <a:t>+</a:t>
+            </a:r>
+            <a:endParaRPr dirty="0">
+              <a:latin typeface="Helvetica Neue" panose="02000503000000020004" pitchFamily="2" charset="0"/>
+              <a:ea typeface="Helvetica Neue" panose="02000503000000020004" pitchFamily="2" charset="0"/>
+              <a:cs typeface="Helvetica Neue" panose="02000503000000020004" pitchFamily="2" charset="0"/>
+            </a:endParaRPr>
+          </a:p>
+        </p:txBody>
+      </p:sp>
+    </p:spTree>
+  </p:cSld>
+  <p:clrMapOvr>
+    <a:masterClrMapping/>
+  </p:clrMapOvr>
+</p:sld>
+</file>
+
+<file path=ppt/slides/slide2.xml><?xml version="1.0" encoding="utf-8"?>
+<p:sld xmlns:a="http://schemas.openxmlformats.org/drawingml/2006/main" xmlns:r="http://schemas.openxmlformats.org/officeDocument/2006/relationships" xmlns:p="http://schemas.openxmlformats.org/presentationml/2006/main">
+  <p:cSld>
+    <p:bg>
+      <p:bgPr>
+        <a:solidFill>
+          <a:srgbClr val="4B0489"/>
+        </a:solidFill>
+        <a:effectLst/>
+      </p:bgPr>
+    </p:bg>
+    <p:spTree>
+      <p:nvGrpSpPr>
+        <p:cNvPr id="1" name="Shape 266"/>
+        <p:cNvGrpSpPr/>
+        <p:nvPr/>
+      </p:nvGrpSpPr>
+      <p:grpSpPr>
+        <a:xfrm>
+          <a:off x="0" y="0"/>
+          <a:ext cx="0" cy="0"/>
+          <a:chOff x="0" y="0"/>
+          <a:chExt cx="0" cy="0"/>
+        </a:xfrm>
+      </p:grpSpPr>
+      <p:sp>
+        <p:nvSpPr>
+          <p:cNvPr id="267" name="Google Shape;267;p12"/>
+          <p:cNvSpPr txBox="1"/>
+          <p:nvPr/>
+        </p:nvSpPr>
+        <p:spPr>
+          <a:xfrm>
+            <a:off x="15097998" y="6348716"/>
+            <a:ext cx="5429185" cy="1390099"/>
+          </a:xfrm>
+          <a:prstGeom prst="rect">
+            <a:avLst/>
+          </a:prstGeom>
+          <a:noFill/>
+          <a:ln>
+            <a:noFill/>
+          </a:ln>
+        </p:spPr>
+        <p:txBody>
+          <a:bodyPr spcFirstLastPara="1" wrap="square" lIns="71425" tIns="71425" rIns="71425" bIns="71425" anchor="ctr" anchorCtr="0">
+            <a:spAutoFit/>
+          </a:bodyPr>
+          <a:lstStyle/>
+          <a:p>
+            <a:pPr marL="0" marR="0" lvl="0" indent="0" algn="l" rtl="0">
+              <a:lnSpc>
+                <a:spcPct val="253333"/>
+              </a:lnSpc>
+              <a:spcBef>
+                <a:spcPts val="0"/>
+              </a:spcBef>
+              <a:spcAft>
+                <a:spcPts val="0"/>
+              </a:spcAft>
+              <a:buClr>
+                <a:srgbClr val="EDF7FF"/>
+              </a:buClr>
+              <a:buSzPts val="3200"/>
+              <a:buFont typeface="Arial"/>
+              <a:buNone/>
+            </a:pPr>
+            <a:r>
+              <a:rPr lang="en-US" sz="3200" b="0" i="0" u="none" strike="noStrike" cap="none">
+                <a:solidFill>
+                  <a:srgbClr val="EDF7FF"/>
+                </a:solidFill>
+                <a:latin typeface="Helvetica Neue" panose="02000503000000020004" pitchFamily="2" charset="0"/>
+                <a:ea typeface="Helvetica Neue" panose="02000503000000020004" pitchFamily="2" charset="0"/>
+                <a:cs typeface="Helvetica Neue" panose="02000503000000020004" pitchFamily="2" charset="0"/>
+                <a:sym typeface="Arial"/>
+              </a:rPr>
+              <a:t>Есть вопрос?</a:t>
+            </a:r>
+            <a:endParaRPr>
+              <a:latin typeface="Helvetica Neue" panose="02000503000000020004" pitchFamily="2" charset="0"/>
+              <a:ea typeface="Helvetica Neue" panose="02000503000000020004" pitchFamily="2" charset="0"/>
+              <a:cs typeface="Helvetica Neue" panose="02000503000000020004" pitchFamily="2" charset="0"/>
+            </a:endParaRPr>
+          </a:p>
+        </p:txBody>
+      </p:sp>
+      <p:sp>
+        <p:nvSpPr>
+          <p:cNvPr id="268" name="Google Shape;268;p12"/>
+          <p:cNvSpPr txBox="1"/>
+          <p:nvPr/>
+        </p:nvSpPr>
+        <p:spPr>
+          <a:xfrm>
+            <a:off x="15097998" y="7611756"/>
+            <a:ext cx="6889617" cy="1473840"/>
+          </a:xfrm>
+          <a:prstGeom prst="rect">
+            <a:avLst/>
+          </a:prstGeom>
+          <a:noFill/>
+          <a:ln>
+            <a:noFill/>
+          </a:ln>
+        </p:spPr>
+        <p:txBody>
+          <a:bodyPr spcFirstLastPara="1" wrap="square" lIns="71425" tIns="71425" rIns="71425" bIns="71425" anchor="t" anchorCtr="0">
+            <a:spAutoFit/>
+          </a:bodyPr>
+          <a:lstStyle/>
+          <a:p>
+            <a:pPr marL="0" marR="0" lvl="0" indent="0" algn="l" rtl="0">
+              <a:lnSpc>
+                <a:spcPct val="120000"/>
+              </a:lnSpc>
+              <a:spcBef>
+                <a:spcPts val="0"/>
+              </a:spcBef>
+              <a:spcAft>
+                <a:spcPts val="0"/>
+              </a:spcAft>
+              <a:buClr>
+                <a:srgbClr val="FFFFFF"/>
+              </a:buClr>
+              <a:buSzPts val="2400"/>
+              <a:buFont typeface="Arial"/>
+              <a:buNone/>
+            </a:pPr>
+            <a:r>
+              <a:rPr lang="en-US" sz="2400" b="0" i="0" u="none" strike="noStrike" cap="none">
+                <a:solidFill>
+                  <a:srgbClr val="FFFFFF"/>
+                </a:solidFill>
+                <a:latin typeface="Helvetica Neue" panose="02000503000000020004" pitchFamily="2" charset="0"/>
+                <a:ea typeface="Helvetica Neue" panose="02000503000000020004" pitchFamily="2" charset="0"/>
+                <a:cs typeface="Helvetica Neue" panose="02000503000000020004" pitchFamily="2" charset="0"/>
+                <a:sym typeface="Arial"/>
+              </a:rPr>
+              <a:t>Задайте его в комментариях —</a:t>
+            </a:r>
+            <a:endParaRPr>
+              <a:latin typeface="Helvetica Neue" panose="02000503000000020004" pitchFamily="2" charset="0"/>
+              <a:ea typeface="Helvetica Neue" panose="02000503000000020004" pitchFamily="2" charset="0"/>
+              <a:cs typeface="Helvetica Neue" panose="02000503000000020004" pitchFamily="2" charset="0"/>
+            </a:endParaRPr>
+          </a:p>
+          <a:p>
+            <a:pPr marL="0" marR="0" lvl="0" indent="0" algn="l" rtl="0">
+              <a:lnSpc>
+                <a:spcPct val="120000"/>
+              </a:lnSpc>
+              <a:spcBef>
+                <a:spcPts val="0"/>
+              </a:spcBef>
+              <a:spcAft>
+                <a:spcPts val="0"/>
+              </a:spcAft>
+              <a:buClr>
+                <a:srgbClr val="FFFFFF"/>
+              </a:buClr>
+              <a:buSzPts val="2400"/>
+              <a:buFont typeface="Arial"/>
+              <a:buNone/>
+            </a:pPr>
+            <a:r>
+              <a:rPr lang="en-US" sz="2400" b="0" i="0" u="none" strike="noStrike" cap="none">
+                <a:solidFill>
+                  <a:srgbClr val="FFFFFF"/>
+                </a:solidFill>
+                <a:latin typeface="Helvetica Neue" panose="02000503000000020004" pitchFamily="2" charset="0"/>
+                <a:ea typeface="Helvetica Neue" panose="02000503000000020004" pitchFamily="2" charset="0"/>
+                <a:cs typeface="Helvetica Neue" panose="02000503000000020004" pitchFamily="2" charset="0"/>
+                <a:sym typeface="Arial"/>
+              </a:rPr>
+              <a:t>в конце мастер-класса</a:t>
+            </a:r>
+            <a:endParaRPr>
+              <a:latin typeface="Helvetica Neue" panose="02000503000000020004" pitchFamily="2" charset="0"/>
+              <a:ea typeface="Helvetica Neue" panose="02000503000000020004" pitchFamily="2" charset="0"/>
+              <a:cs typeface="Helvetica Neue" panose="02000503000000020004" pitchFamily="2" charset="0"/>
+            </a:endParaRPr>
+          </a:p>
+          <a:p>
+            <a:pPr marL="0" marR="0" lvl="0" indent="0" algn="l" rtl="0">
+              <a:lnSpc>
+                <a:spcPct val="120000"/>
+              </a:lnSpc>
+              <a:spcBef>
+                <a:spcPts val="0"/>
+              </a:spcBef>
+              <a:spcAft>
+                <a:spcPts val="0"/>
+              </a:spcAft>
+              <a:buClr>
+                <a:srgbClr val="FFFFFF"/>
+              </a:buClr>
+              <a:buSzPts val="2400"/>
+              <a:buFont typeface="Arial"/>
+              <a:buNone/>
+            </a:pPr>
+            <a:r>
+              <a:rPr lang="en-US" sz="2400" b="0" i="0" u="none" strike="noStrike" cap="none">
+                <a:solidFill>
+                  <a:srgbClr val="FFFFFF"/>
+                </a:solidFill>
+                <a:latin typeface="Helvetica Neue" panose="02000503000000020004" pitchFamily="2" charset="0"/>
+                <a:ea typeface="Helvetica Neue" panose="02000503000000020004" pitchFamily="2" charset="0"/>
+                <a:cs typeface="Helvetica Neue" panose="02000503000000020004" pitchFamily="2" charset="0"/>
+                <a:sym typeface="Arial"/>
+              </a:rPr>
+              <a:t>мы ответим на него</a:t>
+            </a:r>
+            <a:endParaRPr>
+              <a:latin typeface="Helvetica Neue" panose="02000503000000020004" pitchFamily="2" charset="0"/>
+              <a:ea typeface="Helvetica Neue" panose="02000503000000020004" pitchFamily="2" charset="0"/>
+              <a:cs typeface="Helvetica Neue" panose="02000503000000020004" pitchFamily="2" charset="0"/>
+            </a:endParaRPr>
+          </a:p>
+        </p:txBody>
+      </p:sp>
+      <p:sp>
+        <p:nvSpPr>
+          <p:cNvPr id="269" name="Google Shape;269;p12"/>
+          <p:cNvSpPr txBox="1"/>
+          <p:nvPr/>
+        </p:nvSpPr>
+        <p:spPr>
+          <a:xfrm>
+            <a:off x="1152974" y="2760386"/>
+            <a:ext cx="16375421" cy="1375351"/>
+          </a:xfrm>
+          <a:prstGeom prst="rect">
+            <a:avLst/>
+          </a:prstGeom>
+          <a:noFill/>
+          <a:ln>
+            <a:noFill/>
+          </a:ln>
+        </p:spPr>
+        <p:txBody>
+          <a:bodyPr spcFirstLastPara="1" wrap="square" lIns="71425" tIns="71425" rIns="71425" bIns="71425" anchor="ctr" anchorCtr="0">
+            <a:spAutoFit/>
+          </a:bodyPr>
+          <a:lstStyle/>
+          <a:p>
+            <a:pPr marL="0" marR="0" lvl="0" indent="0" algn="l" rtl="0">
+              <a:lnSpc>
+                <a:spcPct val="100000"/>
+              </a:lnSpc>
+              <a:spcBef>
+                <a:spcPts val="0"/>
+              </a:spcBef>
+              <a:spcAft>
+                <a:spcPts val="0"/>
+              </a:spcAft>
+              <a:buClr>
+                <a:srgbClr val="FFFFFF"/>
+              </a:buClr>
+              <a:buSzPts val="8000"/>
+              <a:buFont typeface="Arial"/>
+              <a:buNone/>
+            </a:pPr>
+            <a:r>
+              <a:rPr lang="en-US" sz="8000" b="0" i="0" u="none" strike="noStrike" cap="none">
+                <a:solidFill>
+                  <a:srgbClr val="FFFFFF"/>
+                </a:solidFill>
+                <a:latin typeface="Helvetica Neue" panose="02000503000000020004" pitchFamily="2" charset="0"/>
+                <a:ea typeface="Helvetica Neue" panose="02000503000000020004" pitchFamily="2" charset="0"/>
+                <a:cs typeface="Helvetica Neue" panose="02000503000000020004" pitchFamily="2" charset="0"/>
+                <a:sym typeface="Arial"/>
+              </a:rPr>
+              <a:t>Сегодня вы узнаете</a:t>
+            </a:r>
+            <a:endParaRPr>
+              <a:latin typeface="Helvetica Neue" panose="02000503000000020004" pitchFamily="2" charset="0"/>
+              <a:ea typeface="Helvetica Neue" panose="02000503000000020004" pitchFamily="2" charset="0"/>
+              <a:cs typeface="Helvetica Neue" panose="02000503000000020004" pitchFamily="2" charset="0"/>
+            </a:endParaRPr>
+          </a:p>
+        </p:txBody>
+      </p:sp>
+      <p:sp>
+        <p:nvSpPr>
+          <p:cNvPr id="270" name="Google Shape;270;p12"/>
+          <p:cNvSpPr txBox="1"/>
+          <p:nvPr/>
+        </p:nvSpPr>
+        <p:spPr>
+          <a:xfrm>
+            <a:off x="1195305" y="4820077"/>
+            <a:ext cx="11038548" cy="4376173"/>
+          </a:xfrm>
+          <a:prstGeom prst="rect">
+            <a:avLst/>
+          </a:prstGeom>
+          <a:noFill/>
+          <a:ln>
+            <a:noFill/>
+          </a:ln>
+        </p:spPr>
+        <p:txBody>
+          <a:bodyPr spcFirstLastPara="1" wrap="square" lIns="71425" tIns="71425" rIns="71425" bIns="71425" anchor="t" anchorCtr="0">
+            <a:spAutoFit/>
+          </a:bodyPr>
+          <a:lstStyle/>
+          <a:p>
+            <a:pPr marL="457200" lvl="0" indent="-457200">
+              <a:lnSpc>
+                <a:spcPct val="250000"/>
+              </a:lnSpc>
+              <a:buClr>
+                <a:srgbClr val="FFFFFF"/>
+              </a:buClr>
+              <a:buSzPts val="2400"/>
+              <a:buFont typeface="Arial"/>
+              <a:buChar char="•"/>
+            </a:pPr>
+            <a:r>
+              <a:rPr lang="ru-RU" sz="2400" dirty="0">
+                <a:solidFill>
+                  <a:srgbClr val="FFFFFF"/>
+                </a:solidFill>
+                <a:latin typeface="Helvetica Neue" panose="02000503000000020004" pitchFamily="2" charset="0"/>
+                <a:ea typeface="Helvetica Neue" panose="02000503000000020004" pitchFamily="2" charset="0"/>
+                <a:cs typeface="Helvetica Neue" panose="02000503000000020004" pitchFamily="2" charset="0"/>
+              </a:rPr>
+              <a:t>Что такое язык Python </a:t>
+            </a:r>
+          </a:p>
+          <a:p>
+            <a:pPr marL="457200" lvl="0" indent="-457200">
+              <a:lnSpc>
+                <a:spcPct val="250000"/>
+              </a:lnSpc>
+              <a:buClr>
+                <a:srgbClr val="FFFFFF"/>
+              </a:buClr>
+              <a:buSzPts val="2400"/>
+              <a:buFont typeface="Arial"/>
+              <a:buChar char="•"/>
+            </a:pPr>
+            <a:r>
+              <a:rPr lang="ru-RU" sz="2400" dirty="0">
+                <a:solidFill>
+                  <a:srgbClr val="FFFFFF"/>
+                </a:solidFill>
+                <a:latin typeface="Helvetica Neue" panose="02000503000000020004" pitchFamily="2" charset="0"/>
+                <a:ea typeface="Helvetica Neue" panose="02000503000000020004" pitchFamily="2" charset="0"/>
+                <a:cs typeface="Helvetica Neue" panose="02000503000000020004" pitchFamily="2" charset="0"/>
+              </a:rPr>
+              <a:t>Как устроен код </a:t>
+            </a:r>
+          </a:p>
+          <a:p>
+            <a:pPr marL="457200" lvl="0" indent="-457200">
+              <a:lnSpc>
+                <a:spcPct val="250000"/>
+              </a:lnSpc>
+              <a:buClr>
+                <a:srgbClr val="FFFFFF"/>
+              </a:buClr>
+              <a:buSzPts val="2400"/>
+              <a:buFont typeface="Arial"/>
+              <a:buChar char="•"/>
+            </a:pPr>
+            <a:r>
+              <a:rPr lang="ru-RU" sz="2400" dirty="0">
+                <a:solidFill>
+                  <a:srgbClr val="FFFFFF"/>
+                </a:solidFill>
+                <a:latin typeface="Helvetica Neue" panose="02000503000000020004" pitchFamily="2" charset="0"/>
+                <a:ea typeface="Helvetica Neue" panose="02000503000000020004" pitchFamily="2" charset="0"/>
+                <a:cs typeface="Helvetica Neue" panose="02000503000000020004" pitchFamily="2" charset="0"/>
+              </a:rPr>
+              <a:t>Основные конструкции в программировании</a:t>
+            </a:r>
+          </a:p>
+          <a:p>
+            <a:pPr marL="457200" lvl="0" indent="-457200">
+              <a:lnSpc>
+                <a:spcPct val="250000"/>
+              </a:lnSpc>
+              <a:buClr>
+                <a:srgbClr val="FFFFFF"/>
+              </a:buClr>
+              <a:buSzPts val="2400"/>
+              <a:buFont typeface="Arial"/>
+              <a:buChar char="•"/>
+            </a:pPr>
+            <a:r>
+              <a:rPr lang="ru-RU" sz="2400" dirty="0">
+                <a:solidFill>
+                  <a:srgbClr val="FFFFFF"/>
+                </a:solidFill>
+                <a:latin typeface="Helvetica Neue" panose="02000503000000020004" pitchFamily="2" charset="0"/>
+                <a:ea typeface="Helvetica Neue" panose="02000503000000020004" pitchFamily="2" charset="0"/>
+                <a:cs typeface="Helvetica Neue" panose="02000503000000020004" pitchFamily="2" charset="0"/>
+              </a:rPr>
+              <a:t>Как устроены голосовые помощники</a:t>
+            </a:r>
+          </a:p>
+          <a:p>
+            <a:pPr marL="457200" lvl="0" indent="-457200">
+              <a:lnSpc>
+                <a:spcPct val="250000"/>
+              </a:lnSpc>
+              <a:buClr>
+                <a:srgbClr val="FFFFFF"/>
+              </a:buClr>
+              <a:buSzPts val="2400"/>
+              <a:buFont typeface="Arial"/>
+              <a:buChar char="•"/>
+            </a:pPr>
+            <a:endParaRPr dirty="0">
+              <a:latin typeface="Helvetica Neue" panose="02000503000000020004" pitchFamily="2" charset="0"/>
+              <a:ea typeface="Helvetica Neue" panose="02000503000000020004" pitchFamily="2" charset="0"/>
+              <a:cs typeface="Helvetica Neue" panose="02000503000000020004" pitchFamily="2" charset="0"/>
+            </a:endParaRPr>
+          </a:p>
+        </p:txBody>
+      </p:sp>
+      <p:pic>
+        <p:nvPicPr>
+          <p:cNvPr id="273" name="Google Shape;273;p12" descr="skillbox White.png"/>
+          <p:cNvPicPr preferRelativeResize="0"/>
+          <p:nvPr/>
+        </p:nvPicPr>
+        <p:blipFill rotWithShape="1">
+          <a:blip r:embed="rId3">
+            <a:alphaModFix/>
+          </a:blip>
+          <a:srcRect/>
+          <a:stretch/>
+        </p:blipFill>
+        <p:spPr>
+          <a:xfrm>
+            <a:off x="1283893" y="1341577"/>
+            <a:ext cx="2032002" cy="457202"/>
+          </a:xfrm>
+          <a:prstGeom prst="rect">
+            <a:avLst/>
+          </a:prstGeom>
+          <a:noFill/>
+          <a:ln>
+            <a:noFill/>
+          </a:ln>
+        </p:spPr>
+      </p:pic>
+      <p:pic>
+        <p:nvPicPr>
+          <p:cNvPr id="9" name="Picture 8">
+            <a:extLst>
+              <a:ext uri="{FF2B5EF4-FFF2-40B4-BE49-F238E27FC236}">
+                <a16:creationId xmlns:a16="http://schemas.microsoft.com/office/drawing/2014/main" id="{6E423AB6-8FCE-5B4F-AAC1-F8899CAA7371}"/>
+              </a:ext>
+            </a:extLst>
+          </p:cNvPr>
+          <p:cNvPicPr>
+            <a:picLocks noChangeAspect="1"/>
+          </p:cNvPicPr>
+          <p:nvPr/>
+        </p:nvPicPr>
+        <p:blipFill>
+          <a:blip r:embed="rId4">
+            <a:extLst>
+              <a:ext uri="{28A0092B-C50C-407E-A947-70E740481C1C}">
+                <a14:useLocalDpi xmlns:a14="http://schemas.microsoft.com/office/drawing/2010/main" val="0"/>
+              </a:ext>
+            </a:extLst>
+          </a:blip>
+          <a:stretch>
+            <a:fillRect/>
+          </a:stretch>
+        </p:blipFill>
+        <p:spPr>
+          <a:xfrm>
+            <a:off x="3773496" y="1222971"/>
+            <a:ext cx="2395001" cy="770614"/>
+          </a:xfrm>
+          <a:prstGeom prst="rect">
+            <a:avLst/>
+          </a:prstGeom>
+        </p:spPr>
+      </p:pic>
+      <p:sp>
+        <p:nvSpPr>
+          <p:cNvPr id="10" name="Google Shape;308;p16">
+            <a:extLst>
+              <a:ext uri="{FF2B5EF4-FFF2-40B4-BE49-F238E27FC236}">
+                <a16:creationId xmlns:a16="http://schemas.microsoft.com/office/drawing/2014/main" id="{C6EF4A28-8763-3F4A-9C5B-FC174DC50CE6}"/>
+              </a:ext>
+            </a:extLst>
+          </p:cNvPr>
+          <p:cNvSpPr txBox="1"/>
+          <p:nvPr/>
+        </p:nvSpPr>
+        <p:spPr>
+          <a:xfrm>
+            <a:off x="3354044" y="1232484"/>
+            <a:ext cx="381303" cy="656590"/>
+          </a:xfrm>
+          <a:prstGeom prst="rect">
+            <a:avLst/>
+          </a:prstGeom>
+          <a:noFill/>
+          <a:ln>
+            <a:noFill/>
+          </a:ln>
+        </p:spPr>
+        <p:txBody>
+          <a:bodyPr spcFirstLastPara="1" wrap="square" lIns="50800" tIns="50800" rIns="50800" bIns="50800" anchor="ctr" anchorCtr="0">
+            <a:spAutoFit/>
+          </a:bodyPr>
+          <a:lstStyle/>
+          <a:p>
+            <a:pPr marL="0" marR="0" lvl="0" indent="0" algn="ctr" rtl="0">
+              <a:lnSpc>
+                <a:spcPct val="100000"/>
+              </a:lnSpc>
+              <a:spcBef>
+                <a:spcPts val="0"/>
+              </a:spcBef>
+              <a:spcAft>
+                <a:spcPts val="0"/>
+              </a:spcAft>
+              <a:buClr>
+                <a:srgbClr val="FFFFFF"/>
+              </a:buClr>
+              <a:buSzPts val="3600"/>
+              <a:buFont typeface="Open Sans Light"/>
+              <a:buNone/>
+            </a:pPr>
+            <a:r>
+              <a:rPr lang="en-US" sz="3600" b="0" i="0" u="none" strike="noStrike" cap="none" dirty="0">
+                <a:solidFill>
+                  <a:srgbClr val="FFFFFF"/>
+                </a:solidFill>
+                <a:latin typeface="Helvetica Neue" panose="02000503000000020004" pitchFamily="2" charset="0"/>
+                <a:ea typeface="Helvetica Neue" panose="02000503000000020004" pitchFamily="2" charset="0"/>
+                <a:cs typeface="Helvetica Neue" panose="02000503000000020004" pitchFamily="2" charset="0"/>
+                <a:sym typeface="Open Sans Light"/>
+              </a:rPr>
+              <a:t>+</a:t>
+            </a:r>
+            <a:endParaRPr dirty="0">
+              <a:latin typeface="Helvetica Neue" panose="02000503000000020004" pitchFamily="2" charset="0"/>
+              <a:ea typeface="Helvetica Neue" panose="02000503000000020004" pitchFamily="2" charset="0"/>
+              <a:cs typeface="Helvetica Neue" panose="02000503000000020004" pitchFamily="2" charset="0"/>
+            </a:endParaRPr>
+          </a:p>
+        </p:txBody>
+      </p:sp>
+    </p:spTree>
+    <p:extLst>
+      <p:ext uri="{BB962C8B-B14F-4D97-AF65-F5344CB8AC3E}">
+        <p14:creationId xmlns:p14="http://schemas.microsoft.com/office/powerpoint/2010/main" val="1085627038"/>
+      </p:ext>
+    </p:extLst>
+  </p:cSld>
+  <p:clrMapOvr>
+    <a:masterClrMapping/>
+  </p:clrMapOvr>
+</p:sld>
+</file>
+
+<file path=ppt/slides/slide3.xml><?xml version="1.0" encoding="utf-8"?>
+<p:sld xmlns:a="http://schemas.openxmlformats.org/drawingml/2006/main" xmlns:r="http://schemas.openxmlformats.org/officeDocument/2006/relationships" xmlns:p="http://schemas.openxmlformats.org/presentationml/2006/main">
+  <p:cSld>
+    <p:bg>
+      <p:bgPr>
+        <a:solidFill>
+          <a:srgbClr val="4B0489"/>
+        </a:solidFill>
+        <a:effectLst/>
+      </p:bgPr>
+    </p:bg>
+    <p:spTree>
+      <p:nvGrpSpPr>
+        <p:cNvPr id="1" name="Shape 277"/>
+        <p:cNvGrpSpPr/>
+        <p:nvPr/>
+      </p:nvGrpSpPr>
+      <p:grpSpPr>
+        <a:xfrm>
+          <a:off x="0" y="0"/>
+          <a:ext cx="0" cy="0"/>
+          <a:chOff x="0" y="0"/>
+          <a:chExt cx="0" cy="0"/>
+        </a:xfrm>
+      </p:grpSpPr>
+      <p:sp>
+        <p:nvSpPr>
+          <p:cNvPr id="278" name="Google Shape;278;p13"/>
+          <p:cNvSpPr txBox="1"/>
+          <p:nvPr/>
+        </p:nvSpPr>
+        <p:spPr>
+          <a:xfrm>
+            <a:off x="1210963" y="2911088"/>
+            <a:ext cx="1903031" cy="584685"/>
+          </a:xfrm>
+          <a:prstGeom prst="rect">
+            <a:avLst/>
+          </a:prstGeom>
+          <a:noFill/>
+          <a:ln>
+            <a:noFill/>
+          </a:ln>
+        </p:spPr>
+        <p:txBody>
+          <a:bodyPr spcFirstLastPara="1" wrap="square" lIns="45675" tIns="45675" rIns="45675" bIns="45675" anchor="t" anchorCtr="0">
+            <a:spAutoFit/>
+          </a:bodyPr>
+          <a:lstStyle/>
+          <a:p>
+            <a:pPr marL="0" marR="0" lvl="0" indent="0" algn="l" rtl="0">
+              <a:lnSpc>
+                <a:spcPct val="100000"/>
+              </a:lnSpc>
+              <a:spcBef>
+                <a:spcPts val="0"/>
+              </a:spcBef>
+              <a:spcAft>
+                <a:spcPts val="0"/>
+              </a:spcAft>
+              <a:buClr>
+                <a:srgbClr val="FD5E5E"/>
+              </a:buClr>
+              <a:buSzPts val="3200"/>
+              <a:buFont typeface="Arial"/>
+              <a:buNone/>
+            </a:pPr>
+            <a:r>
+              <a:rPr lang="en-US" sz="3200" b="0" i="0" u="none" strike="noStrike" cap="none">
+                <a:solidFill>
+                  <a:srgbClr val="FD5E5E"/>
+                </a:solidFill>
+                <a:latin typeface="Helvetica Neue" panose="02000503000000020004" pitchFamily="2" charset="0"/>
+                <a:ea typeface="Helvetica Neue" panose="02000503000000020004" pitchFamily="2" charset="0"/>
+                <a:cs typeface="Helvetica Neue" panose="02000503000000020004" pitchFamily="2" charset="0"/>
+                <a:sym typeface="Arial"/>
+              </a:rPr>
+              <a:t>Часть I</a:t>
+            </a:r>
+            <a:endParaRPr>
+              <a:latin typeface="Helvetica Neue" panose="02000503000000020004" pitchFamily="2" charset="0"/>
+              <a:ea typeface="Helvetica Neue" panose="02000503000000020004" pitchFamily="2" charset="0"/>
+              <a:cs typeface="Helvetica Neue" panose="02000503000000020004" pitchFamily="2" charset="0"/>
+            </a:endParaRPr>
+          </a:p>
+        </p:txBody>
+      </p:sp>
+      <p:sp>
+        <p:nvSpPr>
+          <p:cNvPr id="279" name="Google Shape;279;p13"/>
+          <p:cNvSpPr txBox="1"/>
+          <p:nvPr/>
+        </p:nvSpPr>
+        <p:spPr>
+          <a:xfrm>
+            <a:off x="1104900" y="4119361"/>
+            <a:ext cx="13667414" cy="1683128"/>
+          </a:xfrm>
+          <a:prstGeom prst="rect">
+            <a:avLst/>
+          </a:prstGeom>
+          <a:noFill/>
+          <a:ln>
+            <a:noFill/>
+          </a:ln>
+        </p:spPr>
+        <p:txBody>
+          <a:bodyPr spcFirstLastPara="1" wrap="square" lIns="71425" tIns="71425" rIns="71425" bIns="71425" anchor="ctr" anchorCtr="0">
+            <a:spAutoFit/>
+          </a:bodyPr>
+          <a:lstStyle/>
+          <a:p>
+            <a:pPr marL="0" marR="0" lvl="0" indent="0" algn="l" rtl="0">
+              <a:lnSpc>
+                <a:spcPct val="100000"/>
+              </a:lnSpc>
+              <a:spcBef>
+                <a:spcPts val="0"/>
+              </a:spcBef>
+              <a:spcAft>
+                <a:spcPts val="0"/>
+              </a:spcAft>
+              <a:buClr>
+                <a:srgbClr val="FFFFFF"/>
+              </a:buClr>
+              <a:buSzPts val="10000"/>
+              <a:buFont typeface="Arial"/>
+              <a:buNone/>
+            </a:pPr>
+            <a:r>
+              <a:rPr lang="ru-RU" sz="10000" b="0" i="0" u="none" strike="noStrike" cap="none" dirty="0">
+                <a:solidFill>
+                  <a:srgbClr val="FFFFFF"/>
+                </a:solidFill>
+                <a:latin typeface="Helvetica Neue" panose="02000503000000020004" pitchFamily="2" charset="0"/>
+                <a:ea typeface="Helvetica Neue" panose="02000503000000020004" pitchFamily="2" charset="0"/>
+                <a:cs typeface="Helvetica Neue" panose="02000503000000020004" pitchFamily="2" charset="0"/>
+                <a:sym typeface="Arial"/>
+              </a:rPr>
+              <a:t>Почему </a:t>
+            </a:r>
+            <a:r>
+              <a:rPr lang="en-US" sz="10000" b="0" i="0" u="none" strike="noStrike" cap="none" dirty="0">
+                <a:solidFill>
+                  <a:srgbClr val="FFFFFF"/>
+                </a:solidFill>
+                <a:latin typeface="Helvetica Neue" panose="02000503000000020004" pitchFamily="2" charset="0"/>
+                <a:ea typeface="Helvetica Neue" panose="02000503000000020004" pitchFamily="2" charset="0"/>
+                <a:cs typeface="Helvetica Neue" panose="02000503000000020004" pitchFamily="2" charset="0"/>
+                <a:sym typeface="Arial"/>
+              </a:rPr>
+              <a:t>Python</a:t>
+            </a:r>
+            <a:r>
+              <a:rPr lang="ru-RU" sz="10000" b="0" i="0" u="none" strike="noStrike" cap="none" dirty="0">
+                <a:solidFill>
+                  <a:srgbClr val="FFFFFF"/>
+                </a:solidFill>
+                <a:latin typeface="Helvetica Neue" panose="02000503000000020004" pitchFamily="2" charset="0"/>
+                <a:ea typeface="Helvetica Neue" panose="02000503000000020004" pitchFamily="2" charset="0"/>
+                <a:cs typeface="Helvetica Neue" panose="02000503000000020004" pitchFamily="2" charset="0"/>
+                <a:sym typeface="Arial"/>
+              </a:rPr>
+              <a:t>?</a:t>
+            </a:r>
+            <a:endParaRPr dirty="0">
+              <a:latin typeface="Helvetica Neue" panose="02000503000000020004" pitchFamily="2" charset="0"/>
+              <a:ea typeface="Helvetica Neue" panose="02000503000000020004" pitchFamily="2" charset="0"/>
+              <a:cs typeface="Helvetica Neue" panose="02000503000000020004" pitchFamily="2" charset="0"/>
+            </a:endParaRPr>
+          </a:p>
+        </p:txBody>
+      </p:sp>
+      <p:pic>
+        <p:nvPicPr>
+          <p:cNvPr id="282" name="Google Shape;282;p13" descr="skillbox White.png"/>
+          <p:cNvPicPr preferRelativeResize="0"/>
+          <p:nvPr/>
+        </p:nvPicPr>
+        <p:blipFill rotWithShape="1">
+          <a:blip r:embed="rId3">
+            <a:alphaModFix/>
+          </a:blip>
+          <a:srcRect/>
+          <a:stretch/>
+        </p:blipFill>
+        <p:spPr>
+          <a:xfrm>
+            <a:off x="1283893" y="1341577"/>
+            <a:ext cx="2032002" cy="457202"/>
+          </a:xfrm>
+          <a:prstGeom prst="rect">
+            <a:avLst/>
+          </a:prstGeom>
+          <a:noFill/>
+          <a:ln>
+            <a:noFill/>
+          </a:ln>
+        </p:spPr>
+      </p:pic>
+      <p:pic>
+        <p:nvPicPr>
+          <p:cNvPr id="7" name="Picture 6">
+            <a:extLst>
+              <a:ext uri="{FF2B5EF4-FFF2-40B4-BE49-F238E27FC236}">
+                <a16:creationId xmlns:a16="http://schemas.microsoft.com/office/drawing/2014/main" id="{5E9A0A62-450A-2F4A-990C-3E18C63F460F}"/>
+              </a:ext>
+            </a:extLst>
+          </p:cNvPr>
+          <p:cNvPicPr>
+            <a:picLocks noChangeAspect="1"/>
+          </p:cNvPicPr>
+          <p:nvPr/>
+        </p:nvPicPr>
+        <p:blipFill>
+          <a:blip r:embed="rId4">
+            <a:extLst>
+              <a:ext uri="{28A0092B-C50C-407E-A947-70E740481C1C}">
+                <a14:useLocalDpi xmlns:a14="http://schemas.microsoft.com/office/drawing/2010/main" val="0"/>
+              </a:ext>
+            </a:extLst>
+          </a:blip>
+          <a:stretch>
+            <a:fillRect/>
+          </a:stretch>
+        </p:blipFill>
+        <p:spPr>
+          <a:xfrm>
+            <a:off x="3773496" y="1222971"/>
+            <a:ext cx="2395001" cy="770614"/>
+          </a:xfrm>
+          <a:prstGeom prst="rect">
+            <a:avLst/>
+          </a:prstGeom>
+        </p:spPr>
+      </p:pic>
+      <p:sp>
+        <p:nvSpPr>
+          <p:cNvPr id="8" name="Google Shape;308;p16">
+            <a:extLst>
+              <a:ext uri="{FF2B5EF4-FFF2-40B4-BE49-F238E27FC236}">
+                <a16:creationId xmlns:a16="http://schemas.microsoft.com/office/drawing/2014/main" id="{C4DC42C2-E856-5E42-B898-008B052D8B7D}"/>
+              </a:ext>
+            </a:extLst>
+          </p:cNvPr>
+          <p:cNvSpPr txBox="1"/>
+          <p:nvPr/>
+        </p:nvSpPr>
+        <p:spPr>
+          <a:xfrm>
+            <a:off x="3354044" y="1232484"/>
+            <a:ext cx="381303" cy="656590"/>
+          </a:xfrm>
+          <a:prstGeom prst="rect">
+            <a:avLst/>
+          </a:prstGeom>
+          <a:noFill/>
+          <a:ln>
+            <a:noFill/>
+          </a:ln>
+        </p:spPr>
+        <p:txBody>
+          <a:bodyPr spcFirstLastPara="1" wrap="square" lIns="50800" tIns="50800" rIns="50800" bIns="50800" anchor="ctr" anchorCtr="0">
+            <a:spAutoFit/>
+          </a:bodyPr>
+          <a:lstStyle/>
+          <a:p>
+            <a:pPr marL="0" marR="0" lvl="0" indent="0" algn="ctr" rtl="0">
+              <a:lnSpc>
+                <a:spcPct val="100000"/>
+              </a:lnSpc>
+              <a:spcBef>
+                <a:spcPts val="0"/>
+              </a:spcBef>
+              <a:spcAft>
+                <a:spcPts val="0"/>
+              </a:spcAft>
+              <a:buClr>
+                <a:srgbClr val="FFFFFF"/>
+              </a:buClr>
+              <a:buSzPts val="3600"/>
+              <a:buFont typeface="Open Sans Light"/>
+              <a:buNone/>
+            </a:pPr>
+            <a:r>
+              <a:rPr lang="en-US" sz="3600" b="0" i="0" u="none" strike="noStrike" cap="none" dirty="0">
+                <a:solidFill>
+                  <a:srgbClr val="FFFFFF"/>
+                </a:solidFill>
+                <a:latin typeface="Helvetica Neue" panose="02000503000000020004" pitchFamily="2" charset="0"/>
+                <a:ea typeface="Helvetica Neue" panose="02000503000000020004" pitchFamily="2" charset="0"/>
+                <a:cs typeface="Helvetica Neue" panose="02000503000000020004" pitchFamily="2" charset="0"/>
+                <a:sym typeface="Open Sans Light"/>
+              </a:rPr>
+              <a:t>+</a:t>
+            </a:r>
+            <a:endParaRPr dirty="0">
+              <a:latin typeface="Helvetica Neue" panose="02000503000000020004" pitchFamily="2" charset="0"/>
+              <a:ea typeface="Helvetica Neue" panose="02000503000000020004" pitchFamily="2" charset="0"/>
+              <a:cs typeface="Helvetica Neue" panose="02000503000000020004" pitchFamily="2" charset="0"/>
+            </a:endParaRPr>
+          </a:p>
+        </p:txBody>
+      </p:sp>
+    </p:spTree>
+  </p:cSld>
+  <p:clrMapOvr>
+    <a:masterClrMapping/>
+  </p:clrMapOvr>
+</p:sld>
+</file>
+
+<file path=ppt/slides/slide4.xml><?xml version="1.0" encoding="utf-8"?>
+<p:sld xmlns:a="http://schemas.openxmlformats.org/drawingml/2006/main" xmlns:r="http://schemas.openxmlformats.org/officeDocument/2006/relationships" xmlns:p="http://schemas.openxmlformats.org/presentationml/2006/main">
+  <p:cSld>
+    <p:spTree>
+      <p:nvGrpSpPr>
+        <p:cNvPr id="1" name="Shape 286"/>
+        <p:cNvGrpSpPr/>
+        <p:nvPr/>
+      </p:nvGrpSpPr>
+      <p:grpSpPr>
+        <a:xfrm>
+          <a:off x="0" y="0"/>
+          <a:ext cx="0" cy="0"/>
+          <a:chOff x="0" y="0"/>
+          <a:chExt cx="0" cy="0"/>
+        </a:xfrm>
+      </p:grpSpPr>
+      <p:sp>
+        <p:nvSpPr>
+          <p:cNvPr id="287" name="Google Shape;287;p14"/>
+          <p:cNvSpPr txBox="1"/>
+          <p:nvPr/>
+        </p:nvSpPr>
+        <p:spPr>
+          <a:xfrm>
+            <a:off x="1178373" y="5245258"/>
+            <a:ext cx="12216835" cy="636688"/>
+          </a:xfrm>
+          <a:prstGeom prst="rect">
+            <a:avLst/>
+          </a:prstGeom>
+          <a:noFill/>
+          <a:ln>
+            <a:noFill/>
+          </a:ln>
+        </p:spPr>
+        <p:txBody>
+          <a:bodyPr spcFirstLastPara="1" wrap="square" lIns="71425" tIns="71425" rIns="71425" bIns="71425" anchor="t" anchorCtr="0">
+            <a:spAutoFit/>
+          </a:bodyPr>
+          <a:lstStyle/>
+          <a:p>
+            <a:pPr marL="0" marR="0" lvl="0" indent="0" algn="l" rtl="0">
+              <a:lnSpc>
+                <a:spcPct val="100000"/>
+              </a:lnSpc>
+              <a:spcBef>
+                <a:spcPts val="0"/>
+              </a:spcBef>
+              <a:spcAft>
+                <a:spcPts val="0"/>
+              </a:spcAft>
+              <a:buClr>
+                <a:srgbClr val="000000"/>
+              </a:buClr>
+              <a:buSzPts val="3200"/>
+              <a:buFont typeface="Arial"/>
+              <a:buNone/>
+            </a:pPr>
+            <a:r>
+              <a:rPr lang="ru-RU" sz="3200" b="0" i="0" u="none" strike="noStrike" cap="none" dirty="0">
+                <a:solidFill>
+                  <a:srgbClr val="000000"/>
+                </a:solidFill>
+                <a:latin typeface="Helvetica Neue" panose="02000503000000020004" pitchFamily="2" charset="0"/>
+                <a:ea typeface="Helvetica Neue" panose="02000503000000020004" pitchFamily="2" charset="0"/>
+                <a:cs typeface="Helvetica Neue" panose="02000503000000020004" pitchFamily="2" charset="0"/>
+                <a:sym typeface="Arial"/>
+              </a:rPr>
+              <a:t>Простой, современный, открытый</a:t>
+            </a:r>
+            <a:endParaRPr dirty="0">
+              <a:latin typeface="Helvetica Neue" panose="02000503000000020004" pitchFamily="2" charset="0"/>
+              <a:ea typeface="Helvetica Neue" panose="02000503000000020004" pitchFamily="2" charset="0"/>
+              <a:cs typeface="Helvetica Neue" panose="02000503000000020004" pitchFamily="2" charset="0"/>
+            </a:endParaRPr>
+          </a:p>
+        </p:txBody>
+      </p:sp>
+      <p:sp>
+        <p:nvSpPr>
+          <p:cNvPr id="288" name="Google Shape;288;p14"/>
+          <p:cNvSpPr txBox="1"/>
+          <p:nvPr/>
+        </p:nvSpPr>
+        <p:spPr>
+          <a:xfrm>
+            <a:off x="1195306" y="6708076"/>
+            <a:ext cx="9372498" cy="4674718"/>
+          </a:xfrm>
+          <a:prstGeom prst="rect">
+            <a:avLst/>
+          </a:prstGeom>
+          <a:noFill/>
+          <a:ln>
+            <a:noFill/>
+          </a:ln>
+        </p:spPr>
+        <p:txBody>
+          <a:bodyPr spcFirstLastPara="1" wrap="square" lIns="71425" tIns="71425" rIns="71425" bIns="71425" anchor="t" anchorCtr="0">
+            <a:spAutoFit/>
+          </a:bodyPr>
+          <a:lstStyle/>
+          <a:p>
+            <a:pPr marL="228600" marR="0" lvl="0" indent="-228600" algn="l" rtl="0">
+              <a:lnSpc>
+                <a:spcPct val="200000"/>
+              </a:lnSpc>
+              <a:spcBef>
+                <a:spcPts val="0"/>
+              </a:spcBef>
+              <a:spcAft>
+                <a:spcPts val="0"/>
+              </a:spcAft>
+              <a:buClr>
+                <a:srgbClr val="657195"/>
+              </a:buClr>
+              <a:buSzPts val="2400"/>
+              <a:buFont typeface="Helvetica Neue"/>
+              <a:buChar char="•"/>
+            </a:pPr>
+            <a:r>
+              <a:rPr lang="ru-RU" sz="3200" b="0" i="0" u="none" strike="noStrike" cap="none" dirty="0">
+                <a:solidFill>
+                  <a:srgbClr val="657195"/>
+                </a:solidFill>
+                <a:latin typeface="Helvetica Neue" panose="02000503000000020004" pitchFamily="2" charset="0"/>
+                <a:ea typeface="Helvetica Neue" panose="02000503000000020004" pitchFamily="2" charset="0"/>
+                <a:cs typeface="Helvetica Neue" panose="02000503000000020004" pitchFamily="2" charset="0"/>
+                <a:sym typeface="Arial"/>
+              </a:rPr>
+              <a:t>Создавался, чтобы упростить код</a:t>
+            </a:r>
+            <a:endParaRPr sz="1800" dirty="0">
+              <a:latin typeface="Helvetica Neue" panose="02000503000000020004" pitchFamily="2" charset="0"/>
+              <a:ea typeface="Helvetica Neue" panose="02000503000000020004" pitchFamily="2" charset="0"/>
+              <a:cs typeface="Helvetica Neue" panose="02000503000000020004" pitchFamily="2" charset="0"/>
+            </a:endParaRPr>
+          </a:p>
+          <a:p>
+            <a:pPr marL="228600" marR="0" lvl="0" indent="-228600" algn="l" rtl="0">
+              <a:lnSpc>
+                <a:spcPct val="200000"/>
+              </a:lnSpc>
+              <a:spcBef>
+                <a:spcPts val="0"/>
+              </a:spcBef>
+              <a:spcAft>
+                <a:spcPts val="0"/>
+              </a:spcAft>
+              <a:buClr>
+                <a:srgbClr val="657195"/>
+              </a:buClr>
+              <a:buSzPts val="2400"/>
+              <a:buFont typeface="Helvetica Neue"/>
+              <a:buChar char="•"/>
+            </a:pPr>
+            <a:r>
+              <a:rPr lang="ru-RU" sz="3200" b="0" i="0" u="none" strike="noStrike" cap="none" dirty="0">
+                <a:solidFill>
+                  <a:srgbClr val="657195"/>
+                </a:solidFill>
+                <a:latin typeface="Helvetica Neue" panose="02000503000000020004" pitchFamily="2" charset="0"/>
+                <a:ea typeface="Helvetica Neue" panose="02000503000000020004" pitchFamily="2" charset="0"/>
+                <a:cs typeface="Helvetica Neue" panose="02000503000000020004" pitchFamily="2" charset="0"/>
+                <a:sym typeface="Arial"/>
+              </a:rPr>
+              <a:t>Легкий в обучении</a:t>
+            </a:r>
+            <a:endParaRPr sz="1800" dirty="0">
+              <a:latin typeface="Helvetica Neue" panose="02000503000000020004" pitchFamily="2" charset="0"/>
+              <a:ea typeface="Helvetica Neue" panose="02000503000000020004" pitchFamily="2" charset="0"/>
+              <a:cs typeface="Helvetica Neue" panose="02000503000000020004" pitchFamily="2" charset="0"/>
+            </a:endParaRPr>
+          </a:p>
+          <a:p>
+            <a:pPr marL="106679" marR="0" lvl="0" indent="0" algn="l" rtl="0">
+              <a:lnSpc>
+                <a:spcPct val="200000"/>
+              </a:lnSpc>
+              <a:spcBef>
+                <a:spcPts val="0"/>
+              </a:spcBef>
+              <a:spcAft>
+                <a:spcPts val="0"/>
+              </a:spcAft>
+              <a:buClr>
+                <a:srgbClr val="657195"/>
+              </a:buClr>
+              <a:buSzPts val="2400"/>
+              <a:buFont typeface="Helvetica Neue"/>
+              <a:buNone/>
+            </a:pPr>
+            <a:endParaRPr sz="3200" b="0" i="0" u="none" strike="noStrike" cap="none" dirty="0">
+              <a:solidFill>
+                <a:srgbClr val="657195"/>
+              </a:solidFill>
+              <a:latin typeface="Helvetica Neue" panose="02000503000000020004" pitchFamily="2" charset="0"/>
+              <a:ea typeface="Helvetica Neue" panose="02000503000000020004" pitchFamily="2" charset="0"/>
+              <a:cs typeface="Helvetica Neue" panose="02000503000000020004" pitchFamily="2" charset="0"/>
+              <a:sym typeface="Arial"/>
+            </a:endParaRPr>
+          </a:p>
+          <a:p>
+            <a:pPr marL="228600" marR="0" lvl="0" indent="-228600" algn="l" rtl="0">
+              <a:lnSpc>
+                <a:spcPct val="120000"/>
+              </a:lnSpc>
+              <a:spcBef>
+                <a:spcPts val="0"/>
+              </a:spcBef>
+              <a:spcAft>
+                <a:spcPts val="0"/>
+              </a:spcAft>
+              <a:buClr>
+                <a:srgbClr val="657195"/>
+              </a:buClr>
+              <a:buSzPts val="2400"/>
+              <a:buFont typeface="Helvetica Neue"/>
+              <a:buChar char="•"/>
+            </a:pPr>
+            <a:r>
+              <a:rPr lang="ru-RU" sz="3200" b="0" i="0" u="none" strike="noStrike" cap="none" dirty="0">
+                <a:solidFill>
+                  <a:srgbClr val="657195"/>
+                </a:solidFill>
+                <a:latin typeface="Helvetica Neue" panose="02000503000000020004" pitchFamily="2" charset="0"/>
+                <a:ea typeface="Helvetica Neue" panose="02000503000000020004" pitchFamily="2" charset="0"/>
+                <a:cs typeface="Helvetica Neue" panose="02000503000000020004" pitchFamily="2" charset="0"/>
+                <a:sym typeface="Arial"/>
+              </a:rPr>
+              <a:t>Богатый функционал «из коробки»</a:t>
+            </a:r>
+            <a:endParaRPr sz="1800" dirty="0">
+              <a:latin typeface="Helvetica Neue" panose="02000503000000020004" pitchFamily="2" charset="0"/>
+              <a:ea typeface="Helvetica Neue" panose="02000503000000020004" pitchFamily="2" charset="0"/>
+              <a:cs typeface="Helvetica Neue" panose="02000503000000020004" pitchFamily="2" charset="0"/>
+            </a:endParaRPr>
+          </a:p>
+          <a:p>
+            <a:pPr marL="228600" marR="0" lvl="0" indent="-228600" algn="l" rtl="0">
+              <a:lnSpc>
+                <a:spcPct val="200000"/>
+              </a:lnSpc>
+              <a:spcBef>
+                <a:spcPts val="0"/>
+              </a:spcBef>
+              <a:spcAft>
+                <a:spcPts val="0"/>
+              </a:spcAft>
+              <a:buClr>
+                <a:srgbClr val="657195"/>
+              </a:buClr>
+              <a:buSzPts val="2400"/>
+              <a:buFont typeface="Helvetica Neue"/>
+              <a:buChar char="•"/>
+            </a:pPr>
+            <a:r>
+              <a:rPr lang="ru-RU" sz="3200" b="0" i="0" u="none" strike="noStrike" cap="none" dirty="0">
+                <a:solidFill>
+                  <a:srgbClr val="657195"/>
+                </a:solidFill>
+                <a:latin typeface="Helvetica Neue" panose="02000503000000020004" pitchFamily="2" charset="0"/>
+                <a:ea typeface="Helvetica Neue" panose="02000503000000020004" pitchFamily="2" charset="0"/>
+                <a:cs typeface="Helvetica Neue" panose="02000503000000020004" pitchFamily="2" charset="0"/>
+                <a:sym typeface="Arial"/>
+              </a:rPr>
+              <a:t>Легко применить во многих сферах</a:t>
+            </a:r>
+            <a:endParaRPr sz="1800" dirty="0">
+              <a:latin typeface="Helvetica Neue" panose="02000503000000020004" pitchFamily="2" charset="0"/>
+              <a:ea typeface="Helvetica Neue" panose="02000503000000020004" pitchFamily="2" charset="0"/>
+              <a:cs typeface="Helvetica Neue" panose="02000503000000020004" pitchFamily="2" charset="0"/>
+            </a:endParaRPr>
+          </a:p>
+        </p:txBody>
+      </p:sp>
+      <p:sp>
+        <p:nvSpPr>
+          <p:cNvPr id="290" name="Google Shape;290;p14"/>
+          <p:cNvSpPr txBox="1"/>
+          <p:nvPr/>
+        </p:nvSpPr>
+        <p:spPr>
+          <a:xfrm>
+            <a:off x="1178374" y="2333206"/>
+            <a:ext cx="16375421" cy="2852679"/>
+          </a:xfrm>
+          <a:prstGeom prst="rect">
+            <a:avLst/>
+          </a:prstGeom>
+          <a:noFill/>
+          <a:ln>
+            <a:noFill/>
+          </a:ln>
+        </p:spPr>
+        <p:txBody>
+          <a:bodyPr spcFirstLastPara="1" wrap="square" lIns="71425" tIns="71425" rIns="71425" bIns="71425" anchor="ctr" anchorCtr="0">
+            <a:spAutoFit/>
+          </a:bodyPr>
+          <a:lstStyle/>
+          <a:p>
+            <a:pPr marL="0" marR="0" lvl="0" indent="0" algn="l" rtl="0">
+              <a:lnSpc>
+                <a:spcPct val="220000"/>
+              </a:lnSpc>
+              <a:spcBef>
+                <a:spcPts val="0"/>
+              </a:spcBef>
+              <a:spcAft>
+                <a:spcPts val="0"/>
+              </a:spcAft>
+              <a:buClr>
+                <a:srgbClr val="000000"/>
+              </a:buClr>
+              <a:buSzPts val="8000"/>
+              <a:buFont typeface="Arial"/>
+              <a:buNone/>
+            </a:pPr>
+            <a:r>
+              <a:rPr lang="ru-RU" sz="8000" b="0" i="0" u="none" strike="noStrike" cap="none" dirty="0">
+                <a:solidFill>
+                  <a:srgbClr val="000000"/>
+                </a:solidFill>
+                <a:latin typeface="Helvetica Neue" panose="02000503000000020004" pitchFamily="2" charset="0"/>
+                <a:ea typeface="Helvetica Neue" panose="02000503000000020004" pitchFamily="2" charset="0"/>
+                <a:cs typeface="Helvetica Neue" panose="02000503000000020004" pitchFamily="2" charset="0"/>
+                <a:sym typeface="Arial"/>
+              </a:rPr>
+              <a:t>Что такого в </a:t>
+            </a:r>
+            <a:r>
+              <a:rPr lang="en-US" sz="8000" b="0" i="0" u="none" strike="noStrike" cap="none" dirty="0">
+                <a:solidFill>
+                  <a:srgbClr val="000000"/>
+                </a:solidFill>
+                <a:latin typeface="Helvetica Neue" panose="02000503000000020004" pitchFamily="2" charset="0"/>
+                <a:ea typeface="Helvetica Neue" panose="02000503000000020004" pitchFamily="2" charset="0"/>
+                <a:cs typeface="Helvetica Neue" panose="02000503000000020004" pitchFamily="2" charset="0"/>
+                <a:sym typeface="Arial"/>
+              </a:rPr>
+              <a:t>Python?</a:t>
+            </a:r>
+            <a:endParaRPr dirty="0">
+              <a:latin typeface="Helvetica Neue" panose="02000503000000020004" pitchFamily="2" charset="0"/>
+              <a:ea typeface="Helvetica Neue" panose="02000503000000020004" pitchFamily="2" charset="0"/>
+              <a:cs typeface="Helvetica Neue" panose="02000503000000020004" pitchFamily="2" charset="0"/>
+            </a:endParaRPr>
+          </a:p>
+        </p:txBody>
+      </p:sp>
+      <p:pic>
+        <p:nvPicPr>
+          <p:cNvPr id="293" name="Google Shape;293;p14" descr="skillbox black.png"/>
+          <p:cNvPicPr preferRelativeResize="0"/>
+          <p:nvPr/>
+        </p:nvPicPr>
+        <p:blipFill rotWithShape="1">
+          <a:blip r:embed="rId3">
+            <a:alphaModFix/>
+          </a:blip>
+          <a:srcRect/>
+          <a:stretch/>
+        </p:blipFill>
+        <p:spPr>
+          <a:xfrm>
+            <a:off x="1266959" y="1306593"/>
+            <a:ext cx="2032002" cy="457202"/>
+          </a:xfrm>
+          <a:prstGeom prst="rect">
+            <a:avLst/>
+          </a:prstGeom>
+          <a:noFill/>
+          <a:ln>
+            <a:noFill/>
+          </a:ln>
+        </p:spPr>
+      </p:pic>
+      <p:pic>
+        <p:nvPicPr>
+          <p:cNvPr id="294" name="Google Shape;294;p14" descr="Group 2.png"/>
+          <p:cNvPicPr preferRelativeResize="0"/>
+          <p:nvPr/>
+        </p:nvPicPr>
+        <p:blipFill rotWithShape="1">
+          <a:blip r:embed="rId4">
+            <a:alphaModFix/>
+          </a:blip>
+          <a:srcRect/>
+          <a:stretch/>
+        </p:blipFill>
+        <p:spPr>
+          <a:xfrm>
+            <a:off x="21058384" y="1278077"/>
+            <a:ext cx="2057402" cy="533402"/>
+          </a:xfrm>
+          <a:prstGeom prst="rect">
+            <a:avLst/>
+          </a:prstGeom>
+          <a:noFill/>
+          <a:ln>
+            <a:noFill/>
+          </a:ln>
+        </p:spPr>
+      </p:pic>
+      <p:pic>
+        <p:nvPicPr>
+          <p:cNvPr id="10" name="Picture 9">
+            <a:extLst>
+              <a:ext uri="{FF2B5EF4-FFF2-40B4-BE49-F238E27FC236}">
+                <a16:creationId xmlns:a16="http://schemas.microsoft.com/office/drawing/2014/main" id="{3878F09D-E766-E34E-9886-32D50FEEE38D}"/>
+              </a:ext>
+            </a:extLst>
+          </p:cNvPr>
+          <p:cNvPicPr>
+            <a:picLocks noChangeAspect="1"/>
+          </p:cNvPicPr>
+          <p:nvPr/>
+        </p:nvPicPr>
+        <p:blipFill>
+          <a:blip r:embed="rId5">
+            <a:extLst>
+              <a:ext uri="{28A0092B-C50C-407E-A947-70E740481C1C}">
+                <a14:useLocalDpi xmlns:a14="http://schemas.microsoft.com/office/drawing/2010/main" val="0"/>
+              </a:ext>
+            </a:extLst>
+          </a:blip>
+          <a:stretch>
+            <a:fillRect/>
+          </a:stretch>
+        </p:blipFill>
+        <p:spPr>
+          <a:xfrm>
+            <a:off x="3757549" y="1223468"/>
+            <a:ext cx="2395003" cy="770614"/>
+          </a:xfrm>
+          <a:prstGeom prst="rect">
+            <a:avLst/>
+          </a:prstGeom>
+        </p:spPr>
+      </p:pic>
+      <p:sp>
+        <p:nvSpPr>
+          <p:cNvPr id="11" name="Google Shape;308;p16">
+            <a:extLst>
+              <a:ext uri="{FF2B5EF4-FFF2-40B4-BE49-F238E27FC236}">
+                <a16:creationId xmlns:a16="http://schemas.microsoft.com/office/drawing/2014/main" id="{6D8B495C-A9FD-914F-80D3-14D357A2EAB5}"/>
+              </a:ext>
+            </a:extLst>
+          </p:cNvPr>
+          <p:cNvSpPr txBox="1"/>
+          <p:nvPr/>
+        </p:nvSpPr>
+        <p:spPr>
+          <a:xfrm>
+            <a:off x="3354044" y="1232484"/>
+            <a:ext cx="381303" cy="656590"/>
+          </a:xfrm>
+          <a:prstGeom prst="rect">
+            <a:avLst/>
+          </a:prstGeom>
+          <a:noFill/>
+          <a:ln>
+            <a:noFill/>
+          </a:ln>
+        </p:spPr>
+        <p:txBody>
+          <a:bodyPr spcFirstLastPara="1" wrap="square" lIns="50800" tIns="50800" rIns="50800" bIns="50800" anchor="ctr" anchorCtr="0">
+            <a:spAutoFit/>
+          </a:bodyPr>
+          <a:lstStyle/>
+          <a:p>
+            <a:pPr marL="0" marR="0" lvl="0" indent="0" algn="ctr" rtl="0">
+              <a:lnSpc>
+                <a:spcPct val="100000"/>
+              </a:lnSpc>
+              <a:spcBef>
+                <a:spcPts val="0"/>
+              </a:spcBef>
+              <a:spcAft>
+                <a:spcPts val="0"/>
+              </a:spcAft>
+              <a:buClr>
+                <a:srgbClr val="FFFFFF"/>
+              </a:buClr>
+              <a:buSzPts val="3600"/>
+              <a:buFont typeface="Open Sans Light"/>
+              <a:buNone/>
+            </a:pPr>
+            <a:r>
+              <a:rPr lang="en-US" sz="3600" b="0" i="0" u="none" strike="noStrike" cap="none" dirty="0">
+                <a:solidFill>
+                  <a:schemeClr val="tx1"/>
+                </a:solidFill>
+                <a:latin typeface="Helvetica Neue" panose="02000503000000020004" pitchFamily="2" charset="0"/>
+                <a:ea typeface="Helvetica Neue" panose="02000503000000020004" pitchFamily="2" charset="0"/>
+                <a:cs typeface="Helvetica Neue" panose="02000503000000020004" pitchFamily="2" charset="0"/>
+                <a:sym typeface="Open Sans Light"/>
+              </a:rPr>
+              <a:t>+</a:t>
+            </a:r>
+            <a:endParaRPr dirty="0">
+              <a:solidFill>
+                <a:schemeClr val="tx1"/>
+              </a:solidFill>
+              <a:latin typeface="Helvetica Neue" panose="02000503000000020004" pitchFamily="2" charset="0"/>
+              <a:ea typeface="Helvetica Neue" panose="02000503000000020004" pitchFamily="2" charset="0"/>
+              <a:cs typeface="Helvetica Neue" panose="02000503000000020004" pitchFamily="2" charset="0"/>
+            </a:endParaRPr>
+          </a:p>
+        </p:txBody>
+      </p:sp>
+    </p:spTree>
+  </p:cSld>
+  <p:clrMapOvr>
+    <a:masterClrMapping/>
+  </p:clrMapOvr>
+</p:sld>
+</file>
+
+<file path=ppt/slides/slide5.xml><?xml version="1.0" encoding="utf-8"?>
+<p:sld xmlns:a="http://schemas.openxmlformats.org/drawingml/2006/main" xmlns:r="http://schemas.openxmlformats.org/officeDocument/2006/relationships" xmlns:p="http://schemas.openxmlformats.org/presentationml/2006/main">
+  <p:cSld>
+    <p:spTree>
+      <p:nvGrpSpPr>
+        <p:cNvPr id="1" name="Shape 286"/>
+        <p:cNvGrpSpPr/>
+        <p:nvPr/>
+      </p:nvGrpSpPr>
+      <p:grpSpPr>
+        <a:xfrm>
+          <a:off x="0" y="0"/>
+          <a:ext cx="0" cy="0"/>
+          <a:chOff x="0" y="0"/>
+          <a:chExt cx="0" cy="0"/>
+        </a:xfrm>
+      </p:grpSpPr>
+      <p:sp>
+        <p:nvSpPr>
+          <p:cNvPr id="287" name="Google Shape;287;p14"/>
+          <p:cNvSpPr txBox="1"/>
+          <p:nvPr/>
+        </p:nvSpPr>
+        <p:spPr>
+          <a:xfrm>
+            <a:off x="1178373" y="5245258"/>
+            <a:ext cx="12216835" cy="636688"/>
+          </a:xfrm>
+          <a:prstGeom prst="rect">
+            <a:avLst/>
+          </a:prstGeom>
+          <a:noFill/>
+          <a:ln>
+            <a:noFill/>
+          </a:ln>
+        </p:spPr>
+        <p:txBody>
+          <a:bodyPr spcFirstLastPara="1" wrap="square" lIns="71425" tIns="71425" rIns="71425" bIns="71425" anchor="t" anchorCtr="0">
+            <a:spAutoFit/>
+          </a:bodyPr>
+          <a:lstStyle/>
+          <a:p>
+            <a:pPr marL="0" marR="0" lvl="0" indent="0" algn="l" rtl="0">
+              <a:lnSpc>
+                <a:spcPct val="100000"/>
+              </a:lnSpc>
+              <a:spcBef>
+                <a:spcPts val="0"/>
+              </a:spcBef>
+              <a:spcAft>
+                <a:spcPts val="0"/>
+              </a:spcAft>
+              <a:buClr>
+                <a:srgbClr val="000000"/>
+              </a:buClr>
+              <a:buSzPts val="3200"/>
+              <a:buFont typeface="Arial"/>
+              <a:buNone/>
+            </a:pPr>
+            <a:r>
+              <a:rPr lang="ru-RU" sz="3200" b="0" i="0" u="none" strike="noStrike" cap="none" dirty="0">
+                <a:solidFill>
+                  <a:srgbClr val="000000"/>
+                </a:solidFill>
+                <a:latin typeface="Helvetica Neue" panose="02000503000000020004" pitchFamily="2" charset="0"/>
+                <a:ea typeface="Helvetica Neue" panose="02000503000000020004" pitchFamily="2" charset="0"/>
+                <a:cs typeface="Helvetica Neue" panose="02000503000000020004" pitchFamily="2" charset="0"/>
+                <a:sym typeface="Arial"/>
+              </a:rPr>
+              <a:t>Практически везде…</a:t>
+            </a:r>
+            <a:endParaRPr dirty="0">
+              <a:latin typeface="Helvetica Neue" panose="02000503000000020004" pitchFamily="2" charset="0"/>
+              <a:ea typeface="Helvetica Neue" panose="02000503000000020004" pitchFamily="2" charset="0"/>
+              <a:cs typeface="Helvetica Neue" panose="02000503000000020004" pitchFamily="2" charset="0"/>
+            </a:endParaRPr>
+          </a:p>
+        </p:txBody>
+      </p:sp>
+      <p:sp>
+        <p:nvSpPr>
+          <p:cNvPr id="288" name="Google Shape;288;p14"/>
+          <p:cNvSpPr txBox="1"/>
+          <p:nvPr/>
+        </p:nvSpPr>
+        <p:spPr>
+          <a:xfrm>
+            <a:off x="1195306" y="6708076"/>
+            <a:ext cx="9372498" cy="4674718"/>
+          </a:xfrm>
+          <a:prstGeom prst="rect">
+            <a:avLst/>
+          </a:prstGeom>
+          <a:noFill/>
+          <a:ln>
+            <a:noFill/>
+          </a:ln>
+        </p:spPr>
+        <p:txBody>
+          <a:bodyPr spcFirstLastPara="1" wrap="square" lIns="71425" tIns="71425" rIns="71425" bIns="71425" anchor="t" anchorCtr="0">
+            <a:spAutoFit/>
+          </a:bodyPr>
+          <a:lstStyle/>
+          <a:p>
+            <a:pPr marL="228600" marR="0" lvl="0" indent="-228600" algn="l" rtl="0">
+              <a:lnSpc>
+                <a:spcPct val="200000"/>
+              </a:lnSpc>
+              <a:spcBef>
+                <a:spcPts val="0"/>
+              </a:spcBef>
+              <a:spcAft>
+                <a:spcPts val="0"/>
+              </a:spcAft>
+              <a:buClr>
+                <a:srgbClr val="657195"/>
+              </a:buClr>
+              <a:buSzPts val="2400"/>
+              <a:buFont typeface="Helvetica Neue"/>
+              <a:buChar char="•"/>
+            </a:pPr>
+            <a:r>
+              <a:rPr lang="en-US" sz="3200" b="0" i="0" u="none" strike="noStrike" cap="none" dirty="0">
+                <a:solidFill>
+                  <a:srgbClr val="657195"/>
+                </a:solidFill>
+                <a:latin typeface="Helvetica Neue" panose="02000503000000020004" pitchFamily="2" charset="0"/>
+                <a:ea typeface="Helvetica Neue" panose="02000503000000020004" pitchFamily="2" charset="0"/>
+                <a:cs typeface="Helvetica Neue" panose="02000503000000020004" pitchFamily="2" charset="0"/>
+                <a:sym typeface="Arial"/>
+              </a:rPr>
+              <a:t>Desktop-</a:t>
+            </a:r>
+            <a:r>
+              <a:rPr lang="ru-RU" sz="3200" b="0" i="0" u="none" strike="noStrike" cap="none" dirty="0">
+                <a:solidFill>
+                  <a:srgbClr val="657195"/>
+                </a:solidFill>
+                <a:latin typeface="Helvetica Neue" panose="02000503000000020004" pitchFamily="2" charset="0"/>
+                <a:ea typeface="Helvetica Neue" panose="02000503000000020004" pitchFamily="2" charset="0"/>
+                <a:cs typeface="Helvetica Neue" panose="02000503000000020004" pitchFamily="2" charset="0"/>
+                <a:sym typeface="Arial"/>
+              </a:rPr>
+              <a:t>программы</a:t>
+            </a:r>
+            <a:endParaRPr sz="1800" dirty="0">
+              <a:latin typeface="Helvetica Neue" panose="02000503000000020004" pitchFamily="2" charset="0"/>
+              <a:ea typeface="Helvetica Neue" panose="02000503000000020004" pitchFamily="2" charset="0"/>
+              <a:cs typeface="Helvetica Neue" panose="02000503000000020004" pitchFamily="2" charset="0"/>
+            </a:endParaRPr>
+          </a:p>
+          <a:p>
+            <a:pPr marL="228600" marR="0" lvl="0" indent="-228600" algn="l" rtl="0">
+              <a:lnSpc>
+                <a:spcPct val="200000"/>
+              </a:lnSpc>
+              <a:spcBef>
+                <a:spcPts val="0"/>
+              </a:spcBef>
+              <a:spcAft>
+                <a:spcPts val="0"/>
+              </a:spcAft>
+              <a:buClr>
+                <a:srgbClr val="657195"/>
+              </a:buClr>
+              <a:buSzPts val="2400"/>
+              <a:buFont typeface="Helvetica Neue"/>
+              <a:buChar char="•"/>
+            </a:pPr>
+            <a:r>
+              <a:rPr lang="ru-RU" sz="3200" b="0" i="0" u="none" strike="noStrike" cap="none" dirty="0">
+                <a:solidFill>
+                  <a:srgbClr val="657195"/>
+                </a:solidFill>
+                <a:latin typeface="Helvetica Neue" panose="02000503000000020004" pitchFamily="2" charset="0"/>
+                <a:ea typeface="Helvetica Neue" panose="02000503000000020004" pitchFamily="2" charset="0"/>
+                <a:cs typeface="Helvetica Neue" panose="02000503000000020004" pitchFamily="2" charset="0"/>
+                <a:sym typeface="Arial"/>
+              </a:rPr>
+              <a:t>Веб-сайты и приложения</a:t>
+            </a:r>
+            <a:endParaRPr sz="1800" dirty="0">
+              <a:latin typeface="Helvetica Neue" panose="02000503000000020004" pitchFamily="2" charset="0"/>
+              <a:ea typeface="Helvetica Neue" panose="02000503000000020004" pitchFamily="2" charset="0"/>
+              <a:cs typeface="Helvetica Neue" panose="02000503000000020004" pitchFamily="2" charset="0"/>
+            </a:endParaRPr>
+          </a:p>
+          <a:p>
+            <a:pPr marL="106679" marR="0" lvl="0" indent="0" algn="l" rtl="0">
+              <a:lnSpc>
+                <a:spcPct val="200000"/>
+              </a:lnSpc>
+              <a:spcBef>
+                <a:spcPts val="0"/>
+              </a:spcBef>
+              <a:spcAft>
+                <a:spcPts val="0"/>
+              </a:spcAft>
+              <a:buClr>
+                <a:srgbClr val="657195"/>
+              </a:buClr>
+              <a:buSzPts val="2400"/>
+              <a:buFont typeface="Helvetica Neue"/>
+              <a:buNone/>
+            </a:pPr>
+            <a:endParaRPr sz="3200" b="0" i="0" u="none" strike="noStrike" cap="none" dirty="0">
+              <a:solidFill>
+                <a:srgbClr val="657195"/>
+              </a:solidFill>
+              <a:latin typeface="Helvetica Neue" panose="02000503000000020004" pitchFamily="2" charset="0"/>
+              <a:ea typeface="Helvetica Neue" panose="02000503000000020004" pitchFamily="2" charset="0"/>
+              <a:cs typeface="Helvetica Neue" panose="02000503000000020004" pitchFamily="2" charset="0"/>
+              <a:sym typeface="Arial"/>
+            </a:endParaRPr>
+          </a:p>
+          <a:p>
+            <a:pPr marL="228600" marR="0" lvl="0" indent="-228600" algn="l" rtl="0">
+              <a:lnSpc>
+                <a:spcPct val="120000"/>
+              </a:lnSpc>
+              <a:spcBef>
+                <a:spcPts val="0"/>
+              </a:spcBef>
+              <a:spcAft>
+                <a:spcPts val="0"/>
+              </a:spcAft>
+              <a:buClr>
+                <a:srgbClr val="657195"/>
+              </a:buClr>
+              <a:buSzPts val="2400"/>
+              <a:buFont typeface="Helvetica Neue"/>
+              <a:buChar char="•"/>
+            </a:pPr>
+            <a:r>
+              <a:rPr lang="ru-RU" sz="3200" b="0" i="0" u="none" strike="noStrike" cap="none" dirty="0">
+                <a:solidFill>
+                  <a:srgbClr val="657195"/>
+                </a:solidFill>
+                <a:latin typeface="Helvetica Neue" panose="02000503000000020004" pitchFamily="2" charset="0"/>
+                <a:ea typeface="Helvetica Neue" panose="02000503000000020004" pitchFamily="2" charset="0"/>
+                <a:cs typeface="Helvetica Neue" panose="02000503000000020004" pitchFamily="2" charset="0"/>
+                <a:sym typeface="Arial"/>
+              </a:rPr>
+              <a:t>Мобильные приложения</a:t>
+            </a:r>
+            <a:endParaRPr sz="1800" dirty="0">
+              <a:latin typeface="Helvetica Neue" panose="02000503000000020004" pitchFamily="2" charset="0"/>
+              <a:ea typeface="Helvetica Neue" panose="02000503000000020004" pitchFamily="2" charset="0"/>
+              <a:cs typeface="Helvetica Neue" panose="02000503000000020004" pitchFamily="2" charset="0"/>
+            </a:endParaRPr>
+          </a:p>
+          <a:p>
+            <a:pPr marL="228600" marR="0" lvl="0" indent="-228600" algn="l" rtl="0">
+              <a:lnSpc>
+                <a:spcPct val="200000"/>
+              </a:lnSpc>
+              <a:spcBef>
+                <a:spcPts val="0"/>
+              </a:spcBef>
+              <a:spcAft>
+                <a:spcPts val="0"/>
+              </a:spcAft>
+              <a:buClr>
+                <a:srgbClr val="657195"/>
+              </a:buClr>
+              <a:buSzPts val="2400"/>
+              <a:buFont typeface="Helvetica Neue"/>
+              <a:buChar char="•"/>
+            </a:pPr>
+            <a:r>
+              <a:rPr lang="ru-RU" sz="3200" b="0" i="0" u="none" strike="noStrike" cap="none" dirty="0">
+                <a:solidFill>
+                  <a:srgbClr val="657195"/>
+                </a:solidFill>
+                <a:latin typeface="Helvetica Neue" panose="02000503000000020004" pitchFamily="2" charset="0"/>
+                <a:ea typeface="Helvetica Neue" panose="02000503000000020004" pitchFamily="2" charset="0"/>
+                <a:cs typeface="Helvetica Neue" panose="02000503000000020004" pitchFamily="2" charset="0"/>
+                <a:sym typeface="Arial"/>
+              </a:rPr>
+              <a:t>Автоматизированное тестирование</a:t>
+            </a:r>
+            <a:endParaRPr sz="1800" dirty="0">
+              <a:latin typeface="Helvetica Neue" panose="02000503000000020004" pitchFamily="2" charset="0"/>
+              <a:ea typeface="Helvetica Neue" panose="02000503000000020004" pitchFamily="2" charset="0"/>
+              <a:cs typeface="Helvetica Neue" panose="02000503000000020004" pitchFamily="2" charset="0"/>
+            </a:endParaRPr>
+          </a:p>
+        </p:txBody>
+      </p:sp>
+      <p:sp>
+        <p:nvSpPr>
+          <p:cNvPr id="290" name="Google Shape;290;p14"/>
+          <p:cNvSpPr txBox="1"/>
+          <p:nvPr/>
+        </p:nvSpPr>
+        <p:spPr>
+          <a:xfrm>
+            <a:off x="1178374" y="2333206"/>
+            <a:ext cx="16375421" cy="2852679"/>
+          </a:xfrm>
+          <a:prstGeom prst="rect">
+            <a:avLst/>
+          </a:prstGeom>
+          <a:noFill/>
+          <a:ln>
+            <a:noFill/>
+          </a:ln>
+        </p:spPr>
+        <p:txBody>
+          <a:bodyPr spcFirstLastPara="1" wrap="square" lIns="71425" tIns="71425" rIns="71425" bIns="71425" anchor="ctr" anchorCtr="0">
+            <a:spAutoFit/>
+          </a:bodyPr>
+          <a:lstStyle/>
+          <a:p>
+            <a:pPr marL="0" marR="0" lvl="0" indent="0" algn="l" rtl="0">
+              <a:lnSpc>
+                <a:spcPct val="220000"/>
+              </a:lnSpc>
+              <a:spcBef>
+                <a:spcPts val="0"/>
+              </a:spcBef>
+              <a:spcAft>
+                <a:spcPts val="0"/>
+              </a:spcAft>
+              <a:buClr>
+                <a:srgbClr val="000000"/>
+              </a:buClr>
+              <a:buSzPts val="8000"/>
+              <a:buFont typeface="Arial"/>
+              <a:buNone/>
+            </a:pPr>
+            <a:r>
+              <a:rPr lang="ru-RU" sz="8000" b="0" i="0" u="none" strike="noStrike" cap="none" dirty="0">
+                <a:solidFill>
+                  <a:srgbClr val="000000"/>
+                </a:solidFill>
+                <a:latin typeface="Helvetica Neue" panose="02000503000000020004" pitchFamily="2" charset="0"/>
+                <a:ea typeface="Helvetica Neue" panose="02000503000000020004" pitchFamily="2" charset="0"/>
+                <a:cs typeface="Helvetica Neue" panose="02000503000000020004" pitchFamily="2" charset="0"/>
+                <a:sym typeface="Arial"/>
+              </a:rPr>
+              <a:t>Где применить?</a:t>
+            </a:r>
+            <a:endParaRPr dirty="0">
+              <a:latin typeface="Helvetica Neue" panose="02000503000000020004" pitchFamily="2" charset="0"/>
+              <a:ea typeface="Helvetica Neue" panose="02000503000000020004" pitchFamily="2" charset="0"/>
+              <a:cs typeface="Helvetica Neue" panose="02000503000000020004" pitchFamily="2" charset="0"/>
+            </a:endParaRPr>
+          </a:p>
+        </p:txBody>
+      </p:sp>
+      <p:pic>
+        <p:nvPicPr>
+          <p:cNvPr id="293" name="Google Shape;293;p14" descr="skillbox black.png"/>
+          <p:cNvPicPr preferRelativeResize="0"/>
+          <p:nvPr/>
+        </p:nvPicPr>
+        <p:blipFill rotWithShape="1">
+          <a:blip r:embed="rId3">
+            <a:alphaModFix/>
+          </a:blip>
+          <a:srcRect/>
+          <a:stretch/>
+        </p:blipFill>
+        <p:spPr>
+          <a:xfrm>
+            <a:off x="1266959" y="1306593"/>
+            <a:ext cx="2032002" cy="457202"/>
+          </a:xfrm>
+          <a:prstGeom prst="rect">
+            <a:avLst/>
+          </a:prstGeom>
+          <a:noFill/>
+          <a:ln>
+            <a:noFill/>
+          </a:ln>
+        </p:spPr>
+      </p:pic>
+      <p:pic>
+        <p:nvPicPr>
+          <p:cNvPr id="294" name="Google Shape;294;p14" descr="Group 2.png"/>
+          <p:cNvPicPr preferRelativeResize="0"/>
+          <p:nvPr/>
+        </p:nvPicPr>
+        <p:blipFill rotWithShape="1">
+          <a:blip r:embed="rId4">
+            <a:alphaModFix/>
+          </a:blip>
+          <a:srcRect/>
+          <a:stretch/>
+        </p:blipFill>
+        <p:spPr>
+          <a:xfrm>
+            <a:off x="21058384" y="1278077"/>
+            <a:ext cx="2057402" cy="533402"/>
+          </a:xfrm>
+          <a:prstGeom prst="rect">
+            <a:avLst/>
+          </a:prstGeom>
+          <a:noFill/>
+          <a:ln>
+            <a:noFill/>
+          </a:ln>
+        </p:spPr>
+      </p:pic>
+      <p:pic>
+        <p:nvPicPr>
+          <p:cNvPr id="10" name="Picture 9">
+            <a:extLst>
+              <a:ext uri="{FF2B5EF4-FFF2-40B4-BE49-F238E27FC236}">
+                <a16:creationId xmlns:a16="http://schemas.microsoft.com/office/drawing/2014/main" id="{3878F09D-E766-E34E-9886-32D50FEEE38D}"/>
+              </a:ext>
+            </a:extLst>
+          </p:cNvPr>
+          <p:cNvPicPr>
+            <a:picLocks noChangeAspect="1"/>
+          </p:cNvPicPr>
+          <p:nvPr/>
+        </p:nvPicPr>
+        <p:blipFill>
+          <a:blip r:embed="rId5">
+            <a:extLst>
+              <a:ext uri="{28A0092B-C50C-407E-A947-70E740481C1C}">
+                <a14:useLocalDpi xmlns:a14="http://schemas.microsoft.com/office/drawing/2010/main" val="0"/>
+              </a:ext>
+            </a:extLst>
+          </a:blip>
+          <a:stretch>
+            <a:fillRect/>
+          </a:stretch>
+        </p:blipFill>
+        <p:spPr>
+          <a:xfrm>
+            <a:off x="3757549" y="1223468"/>
+            <a:ext cx="2395003" cy="770614"/>
+          </a:xfrm>
+          <a:prstGeom prst="rect">
+            <a:avLst/>
+          </a:prstGeom>
+        </p:spPr>
+      </p:pic>
+      <p:sp>
+        <p:nvSpPr>
+          <p:cNvPr id="11" name="Google Shape;308;p16">
+            <a:extLst>
+              <a:ext uri="{FF2B5EF4-FFF2-40B4-BE49-F238E27FC236}">
+                <a16:creationId xmlns:a16="http://schemas.microsoft.com/office/drawing/2014/main" id="{6D8B495C-A9FD-914F-80D3-14D357A2EAB5}"/>
+              </a:ext>
+            </a:extLst>
+          </p:cNvPr>
+          <p:cNvSpPr txBox="1"/>
+          <p:nvPr/>
+        </p:nvSpPr>
+        <p:spPr>
+          <a:xfrm>
+            <a:off x="3354044" y="1232484"/>
+            <a:ext cx="381303" cy="656590"/>
+          </a:xfrm>
+          <a:prstGeom prst="rect">
+            <a:avLst/>
+          </a:prstGeom>
+          <a:noFill/>
+          <a:ln>
+            <a:noFill/>
+          </a:ln>
+        </p:spPr>
+        <p:txBody>
+          <a:bodyPr spcFirstLastPara="1" wrap="square" lIns="50800" tIns="50800" rIns="50800" bIns="50800" anchor="ctr" anchorCtr="0">
+            <a:spAutoFit/>
+          </a:bodyPr>
+          <a:lstStyle/>
+          <a:p>
+            <a:pPr marL="0" marR="0" lvl="0" indent="0" algn="ctr" rtl="0">
+              <a:lnSpc>
+                <a:spcPct val="100000"/>
+              </a:lnSpc>
+              <a:spcBef>
+                <a:spcPts val="0"/>
+              </a:spcBef>
+              <a:spcAft>
+                <a:spcPts val="0"/>
+              </a:spcAft>
+              <a:buClr>
+                <a:srgbClr val="FFFFFF"/>
+              </a:buClr>
+              <a:buSzPts val="3600"/>
+              <a:buFont typeface="Open Sans Light"/>
+              <a:buNone/>
+            </a:pPr>
+            <a:r>
+              <a:rPr lang="en-US" sz="3600" b="0" i="0" u="none" strike="noStrike" cap="none" dirty="0">
+                <a:solidFill>
+                  <a:schemeClr val="tx1"/>
+                </a:solidFill>
+                <a:latin typeface="Helvetica Neue" panose="02000503000000020004" pitchFamily="2" charset="0"/>
+                <a:ea typeface="Helvetica Neue" panose="02000503000000020004" pitchFamily="2" charset="0"/>
+                <a:cs typeface="Helvetica Neue" panose="02000503000000020004" pitchFamily="2" charset="0"/>
+                <a:sym typeface="Open Sans Light"/>
+              </a:rPr>
+              <a:t>+</a:t>
+            </a:r>
+            <a:endParaRPr dirty="0">
+              <a:solidFill>
+                <a:schemeClr val="tx1"/>
+              </a:solidFill>
+              <a:latin typeface="Helvetica Neue" panose="02000503000000020004" pitchFamily="2" charset="0"/>
+              <a:ea typeface="Helvetica Neue" panose="02000503000000020004" pitchFamily="2" charset="0"/>
+              <a:cs typeface="Helvetica Neue" panose="02000503000000020004" pitchFamily="2" charset="0"/>
+            </a:endParaRPr>
+          </a:p>
+        </p:txBody>
+      </p:sp>
+      <p:sp>
+        <p:nvSpPr>
+          <p:cNvPr id="9" name="Google Shape;288;p14">
+            <a:extLst>
+              <a:ext uri="{FF2B5EF4-FFF2-40B4-BE49-F238E27FC236}">
+                <a16:creationId xmlns:a16="http://schemas.microsoft.com/office/drawing/2014/main" id="{0EA73D72-1D64-0942-8775-43690C622E8A}"/>
+              </a:ext>
+            </a:extLst>
+          </p:cNvPr>
+          <p:cNvSpPr txBox="1"/>
+          <p:nvPr/>
+        </p:nvSpPr>
+        <p:spPr>
+          <a:xfrm>
+            <a:off x="12714587" y="6708076"/>
+            <a:ext cx="9372498" cy="4674718"/>
+          </a:xfrm>
+          <a:prstGeom prst="rect">
+            <a:avLst/>
+          </a:prstGeom>
+          <a:noFill/>
+          <a:ln>
+            <a:noFill/>
+          </a:ln>
+        </p:spPr>
+        <p:txBody>
+          <a:bodyPr spcFirstLastPara="1" wrap="square" lIns="71425" tIns="71425" rIns="71425" bIns="71425" anchor="t" anchorCtr="0">
+            <a:spAutoFit/>
+          </a:bodyPr>
+          <a:lstStyle/>
+          <a:p>
+            <a:pPr marL="228600" marR="0" lvl="0" indent="-228600" algn="l" rtl="0">
+              <a:lnSpc>
+                <a:spcPct val="200000"/>
+              </a:lnSpc>
+              <a:spcBef>
+                <a:spcPts val="0"/>
+              </a:spcBef>
+              <a:spcAft>
+                <a:spcPts val="0"/>
+              </a:spcAft>
+              <a:buClr>
+                <a:srgbClr val="657195"/>
+              </a:buClr>
+              <a:buSzPts val="2400"/>
+              <a:buFont typeface="Helvetica Neue"/>
+              <a:buChar char="•"/>
+            </a:pPr>
+            <a:r>
+              <a:rPr lang="ru-RU" sz="3200" b="0" i="0" u="none" strike="noStrike" cap="none" dirty="0">
+                <a:solidFill>
+                  <a:srgbClr val="657195"/>
+                </a:solidFill>
+                <a:latin typeface="Helvetica Neue" panose="02000503000000020004" pitchFamily="2" charset="0"/>
+                <a:ea typeface="Helvetica Neue" panose="02000503000000020004" pitchFamily="2" charset="0"/>
+                <a:cs typeface="Helvetica Neue" panose="02000503000000020004" pitchFamily="2" charset="0"/>
+                <a:sym typeface="Arial"/>
+              </a:rPr>
+              <a:t>Обработка и анализ данных</a:t>
+            </a:r>
+            <a:endParaRPr sz="1800" dirty="0">
+              <a:latin typeface="Helvetica Neue" panose="02000503000000020004" pitchFamily="2" charset="0"/>
+              <a:ea typeface="Helvetica Neue" panose="02000503000000020004" pitchFamily="2" charset="0"/>
+              <a:cs typeface="Helvetica Neue" panose="02000503000000020004" pitchFamily="2" charset="0"/>
+            </a:endParaRPr>
+          </a:p>
+          <a:p>
+            <a:pPr marL="228600" marR="0" lvl="0" indent="-228600" algn="l" rtl="0">
+              <a:lnSpc>
+                <a:spcPct val="200000"/>
+              </a:lnSpc>
+              <a:spcBef>
+                <a:spcPts val="0"/>
+              </a:spcBef>
+              <a:spcAft>
+                <a:spcPts val="0"/>
+              </a:spcAft>
+              <a:buClr>
+                <a:srgbClr val="657195"/>
+              </a:buClr>
+              <a:buSzPts val="2400"/>
+              <a:buFont typeface="Helvetica Neue"/>
+              <a:buChar char="•"/>
+            </a:pPr>
+            <a:r>
+              <a:rPr lang="ru-RU" sz="3200" b="0" i="0" u="none" strike="noStrike" cap="none" dirty="0">
+                <a:solidFill>
+                  <a:srgbClr val="657195"/>
+                </a:solidFill>
+                <a:latin typeface="Helvetica Neue" panose="02000503000000020004" pitchFamily="2" charset="0"/>
+                <a:ea typeface="Helvetica Neue" panose="02000503000000020004" pitchFamily="2" charset="0"/>
+                <a:cs typeface="Helvetica Neue" panose="02000503000000020004" pitchFamily="2" charset="0"/>
+                <a:sym typeface="Arial"/>
+              </a:rPr>
+              <a:t>Автоматизация операционных систем</a:t>
+            </a:r>
+            <a:endParaRPr sz="1800" dirty="0">
+              <a:latin typeface="Helvetica Neue" panose="02000503000000020004" pitchFamily="2" charset="0"/>
+              <a:ea typeface="Helvetica Neue" panose="02000503000000020004" pitchFamily="2" charset="0"/>
+              <a:cs typeface="Helvetica Neue" panose="02000503000000020004" pitchFamily="2" charset="0"/>
+            </a:endParaRPr>
+          </a:p>
+          <a:p>
+            <a:pPr marL="106679" marR="0" lvl="0" indent="0" algn="l" rtl="0">
+              <a:lnSpc>
+                <a:spcPct val="200000"/>
+              </a:lnSpc>
+              <a:spcBef>
+                <a:spcPts val="0"/>
+              </a:spcBef>
+              <a:spcAft>
+                <a:spcPts val="0"/>
+              </a:spcAft>
+              <a:buClr>
+                <a:srgbClr val="657195"/>
+              </a:buClr>
+              <a:buSzPts val="2400"/>
+              <a:buFont typeface="Helvetica Neue"/>
+              <a:buNone/>
+            </a:pPr>
+            <a:endParaRPr sz="3200" b="0" i="0" u="none" strike="noStrike" cap="none" dirty="0">
+              <a:solidFill>
+                <a:srgbClr val="657195"/>
+              </a:solidFill>
+              <a:latin typeface="Helvetica Neue" panose="02000503000000020004" pitchFamily="2" charset="0"/>
+              <a:ea typeface="Helvetica Neue" panose="02000503000000020004" pitchFamily="2" charset="0"/>
+              <a:cs typeface="Helvetica Neue" panose="02000503000000020004" pitchFamily="2" charset="0"/>
+              <a:sym typeface="Arial"/>
+            </a:endParaRPr>
+          </a:p>
+          <a:p>
+            <a:pPr marL="228600" marR="0" lvl="0" indent="-228600" algn="l" rtl="0">
+              <a:lnSpc>
+                <a:spcPct val="120000"/>
+              </a:lnSpc>
+              <a:spcBef>
+                <a:spcPts val="0"/>
+              </a:spcBef>
+              <a:spcAft>
+                <a:spcPts val="0"/>
+              </a:spcAft>
+              <a:buClr>
+                <a:srgbClr val="657195"/>
+              </a:buClr>
+              <a:buSzPts val="2400"/>
+              <a:buFont typeface="Helvetica Neue"/>
+              <a:buChar char="•"/>
+            </a:pPr>
+            <a:r>
+              <a:rPr lang="ru-RU" sz="3200" b="0" i="0" u="none" strike="noStrike" cap="none" dirty="0">
+                <a:solidFill>
+                  <a:srgbClr val="657195"/>
+                </a:solidFill>
+                <a:latin typeface="Helvetica Neue" panose="02000503000000020004" pitchFamily="2" charset="0"/>
+                <a:ea typeface="Helvetica Neue" panose="02000503000000020004" pitchFamily="2" charset="0"/>
+                <a:cs typeface="Helvetica Neue" panose="02000503000000020004" pitchFamily="2" charset="0"/>
+                <a:sym typeface="Arial"/>
+              </a:rPr>
+              <a:t>Пакеты </a:t>
+            </a:r>
+            <a:r>
+              <a:rPr lang="en-US" sz="3200" b="0" i="0" u="none" strike="noStrike" cap="none" dirty="0">
+                <a:solidFill>
+                  <a:srgbClr val="657195"/>
+                </a:solidFill>
+                <a:latin typeface="Helvetica Neue" panose="02000503000000020004" pitchFamily="2" charset="0"/>
+                <a:ea typeface="Helvetica Neue" panose="02000503000000020004" pitchFamily="2" charset="0"/>
+                <a:cs typeface="Helvetica Neue" panose="02000503000000020004" pitchFamily="2" charset="0"/>
+                <a:sym typeface="Arial"/>
+              </a:rPr>
+              <a:t>3D </a:t>
+            </a:r>
+            <a:r>
+              <a:rPr lang="ru-RU" sz="3200" b="0" i="0" u="none" strike="noStrike" cap="none" dirty="0">
+                <a:solidFill>
+                  <a:srgbClr val="657195"/>
+                </a:solidFill>
+                <a:latin typeface="Helvetica Neue" panose="02000503000000020004" pitchFamily="2" charset="0"/>
+                <a:ea typeface="Helvetica Neue" panose="02000503000000020004" pitchFamily="2" charset="0"/>
+                <a:cs typeface="Helvetica Neue" panose="02000503000000020004" pitchFamily="2" charset="0"/>
+                <a:sym typeface="Arial"/>
+              </a:rPr>
+              <a:t>моделирования</a:t>
+            </a:r>
+            <a:endParaRPr sz="1800" dirty="0">
+              <a:latin typeface="Helvetica Neue" panose="02000503000000020004" pitchFamily="2" charset="0"/>
+              <a:ea typeface="Helvetica Neue" panose="02000503000000020004" pitchFamily="2" charset="0"/>
+              <a:cs typeface="Helvetica Neue" panose="02000503000000020004" pitchFamily="2" charset="0"/>
+            </a:endParaRPr>
+          </a:p>
+          <a:p>
+            <a:pPr marL="228600" marR="0" lvl="0" indent="-228600" algn="l" rtl="0">
+              <a:lnSpc>
+                <a:spcPct val="200000"/>
+              </a:lnSpc>
+              <a:spcBef>
+                <a:spcPts val="0"/>
+              </a:spcBef>
+              <a:spcAft>
+                <a:spcPts val="0"/>
+              </a:spcAft>
+              <a:buClr>
+                <a:srgbClr val="657195"/>
+              </a:buClr>
+              <a:buSzPts val="2400"/>
+              <a:buFont typeface="Helvetica Neue"/>
+              <a:buChar char="•"/>
+            </a:pPr>
+            <a:r>
+              <a:rPr lang="ru-RU" sz="3200" b="0" i="0" u="none" strike="noStrike" cap="none" dirty="0">
+                <a:solidFill>
+                  <a:srgbClr val="657195"/>
+                </a:solidFill>
+                <a:latin typeface="Helvetica Neue" panose="02000503000000020004" pitchFamily="2" charset="0"/>
+                <a:ea typeface="Helvetica Neue" panose="02000503000000020004" pitchFamily="2" charset="0"/>
+                <a:cs typeface="Helvetica Neue" panose="02000503000000020004" pitchFamily="2" charset="0"/>
+                <a:sym typeface="Arial"/>
+              </a:rPr>
+              <a:t>Разработка компьютерных игр</a:t>
+            </a:r>
+            <a:endParaRPr sz="1800" dirty="0">
+              <a:latin typeface="Helvetica Neue" panose="02000503000000020004" pitchFamily="2" charset="0"/>
+              <a:ea typeface="Helvetica Neue" panose="02000503000000020004" pitchFamily="2" charset="0"/>
+              <a:cs typeface="Helvetica Neue" panose="02000503000000020004" pitchFamily="2" charset="0"/>
+            </a:endParaRPr>
+          </a:p>
+        </p:txBody>
+      </p:sp>
+    </p:spTree>
+    <p:extLst>
+      <p:ext uri="{BB962C8B-B14F-4D97-AF65-F5344CB8AC3E}">
+        <p14:creationId xmlns:p14="http://schemas.microsoft.com/office/powerpoint/2010/main" val="558290458"/>
+      </p:ext>
+    </p:extLst>
+  </p:cSld>
+  <p:clrMapOvr>
+    <a:masterClrMapping/>
+  </p:clrMapOvr>
+</p:sld>
+</file>
+
+<file path=ppt/slides/slide6.xml><?xml version="1.0" encoding="utf-8"?>
+<p:sld xmlns:a="http://schemas.openxmlformats.org/drawingml/2006/main" xmlns:r="http://schemas.openxmlformats.org/officeDocument/2006/relationships" xmlns:p="http://schemas.openxmlformats.org/presentationml/2006/main">
+  <p:cSld>
+    <p:spTree>
+      <p:nvGrpSpPr>
+        <p:cNvPr id="1" name="Shape 286"/>
+        <p:cNvGrpSpPr/>
+        <p:nvPr/>
+      </p:nvGrpSpPr>
+      <p:grpSpPr>
+        <a:xfrm>
+          <a:off x="0" y="0"/>
+          <a:ext cx="0" cy="0"/>
+          <a:chOff x="0" y="0"/>
+          <a:chExt cx="0" cy="0"/>
+        </a:xfrm>
+      </p:grpSpPr>
+      <p:sp>
+        <p:nvSpPr>
+          <p:cNvPr id="287" name="Google Shape;287;p14"/>
+          <p:cNvSpPr txBox="1"/>
+          <p:nvPr/>
+        </p:nvSpPr>
+        <p:spPr>
+          <a:xfrm>
+            <a:off x="1178373" y="5245258"/>
+            <a:ext cx="12216835" cy="636688"/>
+          </a:xfrm>
+          <a:prstGeom prst="rect">
+            <a:avLst/>
+          </a:prstGeom>
+          <a:noFill/>
+          <a:ln>
+            <a:noFill/>
+          </a:ln>
+        </p:spPr>
+        <p:txBody>
+          <a:bodyPr spcFirstLastPara="1" wrap="square" lIns="71425" tIns="71425" rIns="71425" bIns="71425" anchor="t" anchorCtr="0">
+            <a:spAutoFit/>
+          </a:bodyPr>
+          <a:lstStyle/>
+          <a:p>
+            <a:pPr marL="0" marR="0" lvl="0" indent="0" algn="l" rtl="0">
+              <a:lnSpc>
+                <a:spcPct val="100000"/>
+              </a:lnSpc>
+              <a:spcBef>
+                <a:spcPts val="0"/>
+              </a:spcBef>
+              <a:spcAft>
+                <a:spcPts val="0"/>
+              </a:spcAft>
+              <a:buClr>
+                <a:srgbClr val="000000"/>
+              </a:buClr>
+              <a:buSzPts val="3200"/>
+              <a:buFont typeface="Arial"/>
+              <a:buNone/>
+            </a:pPr>
+            <a:r>
+              <a:rPr lang="ru-RU" sz="3200" b="0" i="0" u="none" strike="noStrike" cap="none" dirty="0">
+                <a:solidFill>
+                  <a:srgbClr val="000000"/>
+                </a:solidFill>
+                <a:latin typeface="Helvetica Neue" panose="02000503000000020004" pitchFamily="2" charset="0"/>
+                <a:ea typeface="Helvetica Neue" panose="02000503000000020004" pitchFamily="2" charset="0"/>
+                <a:cs typeface="Helvetica Neue" panose="02000503000000020004" pitchFamily="2" charset="0"/>
+                <a:sym typeface="Arial"/>
+              </a:rPr>
+              <a:t>Индекс </a:t>
+            </a:r>
+            <a:r>
+              <a:rPr lang="en-US" sz="3200" b="0" i="0" u="none" strike="noStrike" cap="none" dirty="0">
+                <a:solidFill>
+                  <a:srgbClr val="000000"/>
+                </a:solidFill>
+                <a:latin typeface="Helvetica Neue" panose="02000503000000020004" pitchFamily="2" charset="0"/>
+                <a:ea typeface="Helvetica Neue" panose="02000503000000020004" pitchFamily="2" charset="0"/>
+                <a:cs typeface="Helvetica Neue" panose="02000503000000020004" pitchFamily="2" charset="0"/>
+                <a:sym typeface="Arial"/>
+              </a:rPr>
+              <a:t>TIOBE – </a:t>
+            </a:r>
+            <a:r>
+              <a:rPr lang="ru-RU" sz="3200" b="0" i="0" u="none" strike="noStrike" cap="none" dirty="0">
+                <a:solidFill>
+                  <a:srgbClr val="000000"/>
+                </a:solidFill>
+                <a:latin typeface="Helvetica Neue" panose="02000503000000020004" pitchFamily="2" charset="0"/>
+                <a:ea typeface="Helvetica Neue" panose="02000503000000020004" pitchFamily="2" charset="0"/>
+                <a:cs typeface="Helvetica Neue" panose="02000503000000020004" pitchFamily="2" charset="0"/>
+                <a:sym typeface="Arial"/>
+              </a:rPr>
+              <a:t>оценка по многим факторам</a:t>
+            </a:r>
+            <a:endParaRPr dirty="0">
+              <a:latin typeface="Helvetica Neue" panose="02000503000000020004" pitchFamily="2" charset="0"/>
+              <a:ea typeface="Helvetica Neue" panose="02000503000000020004" pitchFamily="2" charset="0"/>
+              <a:cs typeface="Helvetica Neue" panose="02000503000000020004" pitchFamily="2" charset="0"/>
+            </a:endParaRPr>
+          </a:p>
+        </p:txBody>
+      </p:sp>
+      <p:sp>
+        <p:nvSpPr>
+          <p:cNvPr id="290" name="Google Shape;290;p14"/>
+          <p:cNvSpPr txBox="1"/>
+          <p:nvPr/>
+        </p:nvSpPr>
+        <p:spPr>
+          <a:xfrm>
+            <a:off x="1178374" y="2333206"/>
+            <a:ext cx="16375421" cy="2852679"/>
+          </a:xfrm>
+          <a:prstGeom prst="rect">
+            <a:avLst/>
+          </a:prstGeom>
+          <a:noFill/>
+          <a:ln>
+            <a:noFill/>
+          </a:ln>
+        </p:spPr>
+        <p:txBody>
+          <a:bodyPr spcFirstLastPara="1" wrap="square" lIns="71425" tIns="71425" rIns="71425" bIns="71425" anchor="ctr" anchorCtr="0">
+            <a:spAutoFit/>
+          </a:bodyPr>
+          <a:lstStyle/>
+          <a:p>
+            <a:pPr marL="0" marR="0" lvl="0" indent="0" algn="l" rtl="0">
+              <a:lnSpc>
+                <a:spcPct val="220000"/>
+              </a:lnSpc>
+              <a:spcBef>
+                <a:spcPts val="0"/>
+              </a:spcBef>
+              <a:spcAft>
+                <a:spcPts val="0"/>
+              </a:spcAft>
+              <a:buClr>
+                <a:srgbClr val="000000"/>
+              </a:buClr>
+              <a:buSzPts val="8000"/>
+              <a:buFont typeface="Arial"/>
+              <a:buNone/>
+            </a:pPr>
+            <a:r>
+              <a:rPr lang="ru-RU" sz="8000" b="0" i="0" u="none" strike="noStrike" cap="none" dirty="0">
+                <a:solidFill>
+                  <a:srgbClr val="000000"/>
+                </a:solidFill>
+                <a:latin typeface="Helvetica Neue" panose="02000503000000020004" pitchFamily="2" charset="0"/>
+                <a:ea typeface="Helvetica Neue" panose="02000503000000020004" pitchFamily="2" charset="0"/>
+                <a:cs typeface="Helvetica Neue" panose="02000503000000020004" pitchFamily="2" charset="0"/>
+                <a:sym typeface="Arial"/>
+              </a:rPr>
+              <a:t>Что с рейтингом?</a:t>
+            </a:r>
+            <a:endParaRPr dirty="0">
+              <a:latin typeface="Helvetica Neue" panose="02000503000000020004" pitchFamily="2" charset="0"/>
+              <a:ea typeface="Helvetica Neue" panose="02000503000000020004" pitchFamily="2" charset="0"/>
+              <a:cs typeface="Helvetica Neue" panose="02000503000000020004" pitchFamily="2" charset="0"/>
+            </a:endParaRPr>
+          </a:p>
+        </p:txBody>
+      </p:sp>
+      <p:pic>
+        <p:nvPicPr>
+          <p:cNvPr id="293" name="Google Shape;293;p14" descr="skillbox black.png"/>
+          <p:cNvPicPr preferRelativeResize="0"/>
+          <p:nvPr/>
+        </p:nvPicPr>
+        <p:blipFill rotWithShape="1">
+          <a:blip r:embed="rId3">
+            <a:alphaModFix/>
+          </a:blip>
+          <a:srcRect/>
+          <a:stretch/>
+        </p:blipFill>
+        <p:spPr>
+          <a:xfrm>
+            <a:off x="1266959" y="1306593"/>
+            <a:ext cx="2032002" cy="457202"/>
+          </a:xfrm>
+          <a:prstGeom prst="rect">
+            <a:avLst/>
+          </a:prstGeom>
+          <a:noFill/>
+          <a:ln>
+            <a:noFill/>
+          </a:ln>
+        </p:spPr>
+      </p:pic>
+      <p:pic>
+        <p:nvPicPr>
+          <p:cNvPr id="294" name="Google Shape;294;p14" descr="Group 2.png"/>
+          <p:cNvPicPr preferRelativeResize="0"/>
+          <p:nvPr/>
+        </p:nvPicPr>
+        <p:blipFill rotWithShape="1">
+          <a:blip r:embed="rId4">
+            <a:alphaModFix/>
+          </a:blip>
+          <a:srcRect/>
+          <a:stretch/>
+        </p:blipFill>
+        <p:spPr>
+          <a:xfrm>
+            <a:off x="21058384" y="1278077"/>
+            <a:ext cx="2057402" cy="533402"/>
+          </a:xfrm>
+          <a:prstGeom prst="rect">
+            <a:avLst/>
+          </a:prstGeom>
+          <a:noFill/>
+          <a:ln>
+            <a:noFill/>
+          </a:ln>
+        </p:spPr>
+      </p:pic>
+      <p:pic>
+        <p:nvPicPr>
+          <p:cNvPr id="10" name="Picture 9">
+            <a:extLst>
+              <a:ext uri="{FF2B5EF4-FFF2-40B4-BE49-F238E27FC236}">
+                <a16:creationId xmlns:a16="http://schemas.microsoft.com/office/drawing/2014/main" id="{3878F09D-E766-E34E-9886-32D50FEEE38D}"/>
+              </a:ext>
+            </a:extLst>
+          </p:cNvPr>
+          <p:cNvPicPr>
+            <a:picLocks noChangeAspect="1"/>
+          </p:cNvPicPr>
+          <p:nvPr/>
+        </p:nvPicPr>
+        <p:blipFill>
+          <a:blip r:embed="rId5">
+            <a:extLst>
+              <a:ext uri="{28A0092B-C50C-407E-A947-70E740481C1C}">
+                <a14:useLocalDpi xmlns:a14="http://schemas.microsoft.com/office/drawing/2010/main" val="0"/>
+              </a:ext>
+            </a:extLst>
+          </a:blip>
+          <a:stretch>
+            <a:fillRect/>
+          </a:stretch>
+        </p:blipFill>
+        <p:spPr>
+          <a:xfrm>
+            <a:off x="3757549" y="1223468"/>
+            <a:ext cx="2395003" cy="770614"/>
+          </a:xfrm>
+          <a:prstGeom prst="rect">
+            <a:avLst/>
+          </a:prstGeom>
+        </p:spPr>
+      </p:pic>
+      <p:sp>
+        <p:nvSpPr>
+          <p:cNvPr id="11" name="Google Shape;308;p16">
+            <a:extLst>
+              <a:ext uri="{FF2B5EF4-FFF2-40B4-BE49-F238E27FC236}">
+                <a16:creationId xmlns:a16="http://schemas.microsoft.com/office/drawing/2014/main" id="{6D8B495C-A9FD-914F-80D3-14D357A2EAB5}"/>
+              </a:ext>
+            </a:extLst>
+          </p:cNvPr>
+          <p:cNvSpPr txBox="1"/>
+          <p:nvPr/>
+        </p:nvSpPr>
+        <p:spPr>
+          <a:xfrm>
+            <a:off x="3354044" y="1232484"/>
+            <a:ext cx="381303" cy="656590"/>
+          </a:xfrm>
+          <a:prstGeom prst="rect">
+            <a:avLst/>
+          </a:prstGeom>
+          <a:noFill/>
+          <a:ln>
+            <a:noFill/>
+          </a:ln>
+        </p:spPr>
+        <p:txBody>
+          <a:bodyPr spcFirstLastPara="1" wrap="square" lIns="50800" tIns="50800" rIns="50800" bIns="50800" anchor="ctr" anchorCtr="0">
+            <a:spAutoFit/>
+          </a:bodyPr>
+          <a:lstStyle/>
+          <a:p>
+            <a:pPr marL="0" marR="0" lvl="0" indent="0" algn="ctr" rtl="0">
+              <a:lnSpc>
+                <a:spcPct val="100000"/>
+              </a:lnSpc>
+              <a:spcBef>
+                <a:spcPts val="0"/>
+              </a:spcBef>
+              <a:spcAft>
+                <a:spcPts val="0"/>
+              </a:spcAft>
+              <a:buClr>
+                <a:srgbClr val="FFFFFF"/>
+              </a:buClr>
+              <a:buSzPts val="3600"/>
+              <a:buFont typeface="Open Sans Light"/>
+              <a:buNone/>
+            </a:pPr>
+            <a:r>
+              <a:rPr lang="en-US" sz="3600" b="0" i="0" u="none" strike="noStrike" cap="none" dirty="0">
+                <a:solidFill>
+                  <a:schemeClr val="tx1"/>
+                </a:solidFill>
+                <a:latin typeface="Helvetica Neue" panose="02000503000000020004" pitchFamily="2" charset="0"/>
+                <a:ea typeface="Helvetica Neue" panose="02000503000000020004" pitchFamily="2" charset="0"/>
+                <a:cs typeface="Helvetica Neue" panose="02000503000000020004" pitchFamily="2" charset="0"/>
+                <a:sym typeface="Open Sans Light"/>
+              </a:rPr>
+              <a:t>+</a:t>
+            </a:r>
+            <a:endParaRPr dirty="0">
+              <a:solidFill>
+                <a:schemeClr val="tx1"/>
+              </a:solidFill>
+              <a:latin typeface="Helvetica Neue" panose="02000503000000020004" pitchFamily="2" charset="0"/>
+              <a:ea typeface="Helvetica Neue" panose="02000503000000020004" pitchFamily="2" charset="0"/>
+              <a:cs typeface="Helvetica Neue" panose="02000503000000020004" pitchFamily="2" charset="0"/>
+            </a:endParaRPr>
+          </a:p>
+        </p:txBody>
+      </p:sp>
+      <p:pic>
+        <p:nvPicPr>
+          <p:cNvPr id="9" name="Picture 8">
+            <a:extLst>
+              <a:ext uri="{FF2B5EF4-FFF2-40B4-BE49-F238E27FC236}">
+                <a16:creationId xmlns:a16="http://schemas.microsoft.com/office/drawing/2014/main" id="{71A2641E-49A2-6942-BE6F-903EF79EDC28}"/>
+              </a:ext>
+            </a:extLst>
+          </p:cNvPr>
+          <p:cNvPicPr>
+            <a:picLocks noChangeAspect="1"/>
+          </p:cNvPicPr>
+          <p:nvPr/>
+        </p:nvPicPr>
+        <p:blipFill>
+          <a:blip r:embed="rId6"/>
+          <a:stretch>
+            <a:fillRect/>
+          </a:stretch>
+        </p:blipFill>
+        <p:spPr>
+          <a:xfrm>
+            <a:off x="2247862" y="7834054"/>
+            <a:ext cx="20063016" cy="2995445"/>
+          </a:xfrm>
+          <a:prstGeom prst="rect">
+            <a:avLst/>
+          </a:prstGeom>
+        </p:spPr>
+      </p:pic>
+    </p:spTree>
+    <p:extLst>
+      <p:ext uri="{BB962C8B-B14F-4D97-AF65-F5344CB8AC3E}">
+        <p14:creationId xmlns:p14="http://schemas.microsoft.com/office/powerpoint/2010/main" val="302812800"/>
+      </p:ext>
+    </p:extLst>
+  </p:cSld>
+  <p:clrMapOvr>
+    <a:masterClrMapping/>
+  </p:clrMapOvr>
+</p:sld>
+</file>
+
+<file path=ppt/slides/slide7.xml><?xml version="1.0" encoding="utf-8"?>
+<p:sld xmlns:a="http://schemas.openxmlformats.org/drawingml/2006/main" xmlns:r="http://schemas.openxmlformats.org/officeDocument/2006/relationships" xmlns:p="http://schemas.openxmlformats.org/presentationml/2006/main">
+  <p:cSld>
+    <p:spTree>
+      <p:nvGrpSpPr>
+        <p:cNvPr id="1" name="Shape 286"/>
+        <p:cNvGrpSpPr/>
+        <p:nvPr/>
+      </p:nvGrpSpPr>
+      <p:grpSpPr>
+        <a:xfrm>
+          <a:off x="0" y="0"/>
+          <a:ext cx="0" cy="0"/>
+          <a:chOff x="0" y="0"/>
+          <a:chExt cx="0" cy="0"/>
+        </a:xfrm>
+      </p:grpSpPr>
+      <p:sp>
+        <p:nvSpPr>
+          <p:cNvPr id="287" name="Google Shape;287;p14"/>
+          <p:cNvSpPr txBox="1"/>
+          <p:nvPr/>
+        </p:nvSpPr>
+        <p:spPr>
+          <a:xfrm>
+            <a:off x="1178373" y="5245258"/>
+            <a:ext cx="12216835" cy="636688"/>
+          </a:xfrm>
+          <a:prstGeom prst="rect">
+            <a:avLst/>
+          </a:prstGeom>
+          <a:noFill/>
+          <a:ln>
+            <a:noFill/>
+          </a:ln>
+        </p:spPr>
+        <p:txBody>
+          <a:bodyPr spcFirstLastPara="1" wrap="square" lIns="71425" tIns="71425" rIns="71425" bIns="71425" anchor="t" anchorCtr="0">
+            <a:spAutoFit/>
+          </a:bodyPr>
+          <a:lstStyle/>
+          <a:p>
+            <a:pPr marL="0" marR="0" lvl="0" indent="0" algn="l" rtl="0">
+              <a:lnSpc>
+                <a:spcPct val="100000"/>
+              </a:lnSpc>
+              <a:spcBef>
+                <a:spcPts val="0"/>
+              </a:spcBef>
+              <a:spcAft>
+                <a:spcPts val="0"/>
+              </a:spcAft>
+              <a:buClr>
+                <a:srgbClr val="000000"/>
+              </a:buClr>
+              <a:buSzPts val="3200"/>
+              <a:buFont typeface="Arial"/>
+              <a:buNone/>
+            </a:pPr>
+            <a:r>
+              <a:rPr lang="ru-RU" sz="3200" b="0" i="0" u="none" strike="noStrike" cap="none" dirty="0">
+                <a:solidFill>
+                  <a:srgbClr val="000000"/>
+                </a:solidFill>
+                <a:latin typeface="Helvetica Neue" panose="02000503000000020004" pitchFamily="2" charset="0"/>
+                <a:ea typeface="Helvetica Neue" panose="02000503000000020004" pitchFamily="2" charset="0"/>
+                <a:cs typeface="Helvetica Neue" panose="02000503000000020004" pitchFamily="2" charset="0"/>
+                <a:sym typeface="Arial"/>
+              </a:rPr>
+              <a:t>Статистика </a:t>
+            </a:r>
+            <a:r>
+              <a:rPr lang="en-US" sz="3200" b="1" i="0" u="none" strike="noStrike" cap="none" dirty="0" err="1">
+                <a:solidFill>
+                  <a:srgbClr val="000000"/>
+                </a:solidFill>
+                <a:latin typeface="Helvetica Neue" panose="02000503000000020004" pitchFamily="2" charset="0"/>
+                <a:ea typeface="Helvetica Neue" panose="02000503000000020004" pitchFamily="2" charset="0"/>
+                <a:cs typeface="Helvetica Neue" panose="02000503000000020004" pitchFamily="2" charset="0"/>
+                <a:sym typeface="Arial"/>
+              </a:rPr>
+              <a:t>career.habr.ru</a:t>
+            </a:r>
+            <a:endParaRPr b="1" dirty="0">
+              <a:latin typeface="Helvetica Neue" panose="02000503000000020004" pitchFamily="2" charset="0"/>
+              <a:ea typeface="Helvetica Neue" panose="02000503000000020004" pitchFamily="2" charset="0"/>
+              <a:cs typeface="Helvetica Neue" panose="02000503000000020004" pitchFamily="2" charset="0"/>
+            </a:endParaRPr>
+          </a:p>
+        </p:txBody>
+      </p:sp>
+      <p:sp>
+        <p:nvSpPr>
+          <p:cNvPr id="290" name="Google Shape;290;p14"/>
+          <p:cNvSpPr txBox="1"/>
+          <p:nvPr/>
+        </p:nvSpPr>
+        <p:spPr>
+          <a:xfrm>
+            <a:off x="1178374" y="2333206"/>
+            <a:ext cx="16375421" cy="2852679"/>
+          </a:xfrm>
+          <a:prstGeom prst="rect">
+            <a:avLst/>
+          </a:prstGeom>
+          <a:noFill/>
+          <a:ln>
+            <a:noFill/>
+          </a:ln>
+        </p:spPr>
+        <p:txBody>
+          <a:bodyPr spcFirstLastPara="1" wrap="square" lIns="71425" tIns="71425" rIns="71425" bIns="71425" anchor="ctr" anchorCtr="0">
+            <a:spAutoFit/>
+          </a:bodyPr>
+          <a:lstStyle/>
+          <a:p>
+            <a:pPr marL="0" marR="0" lvl="0" indent="0" algn="l" rtl="0">
+              <a:lnSpc>
+                <a:spcPct val="220000"/>
+              </a:lnSpc>
+              <a:spcBef>
+                <a:spcPts val="0"/>
+              </a:spcBef>
+              <a:spcAft>
+                <a:spcPts val="0"/>
+              </a:spcAft>
+              <a:buClr>
+                <a:srgbClr val="000000"/>
+              </a:buClr>
+              <a:buSzPts val="8000"/>
+              <a:buFont typeface="Arial"/>
+              <a:buNone/>
+            </a:pPr>
+            <a:r>
+              <a:rPr lang="ru-RU" sz="8000" b="0" i="0" u="none" strike="noStrike" cap="none" dirty="0">
+                <a:solidFill>
+                  <a:srgbClr val="000000"/>
+                </a:solidFill>
+                <a:latin typeface="Helvetica Neue" panose="02000503000000020004" pitchFamily="2" charset="0"/>
+                <a:ea typeface="Helvetica Neue" panose="02000503000000020004" pitchFamily="2" charset="0"/>
+                <a:cs typeface="Helvetica Neue" panose="02000503000000020004" pitchFamily="2" charset="0"/>
+                <a:sym typeface="Arial"/>
+              </a:rPr>
+              <a:t>Что с работой?</a:t>
+            </a:r>
+            <a:endParaRPr dirty="0">
+              <a:latin typeface="Helvetica Neue" panose="02000503000000020004" pitchFamily="2" charset="0"/>
+              <a:ea typeface="Helvetica Neue" panose="02000503000000020004" pitchFamily="2" charset="0"/>
+              <a:cs typeface="Helvetica Neue" panose="02000503000000020004" pitchFamily="2" charset="0"/>
+            </a:endParaRPr>
+          </a:p>
+        </p:txBody>
+      </p:sp>
+      <p:pic>
+        <p:nvPicPr>
+          <p:cNvPr id="293" name="Google Shape;293;p14" descr="skillbox black.png"/>
+          <p:cNvPicPr preferRelativeResize="0"/>
+          <p:nvPr/>
+        </p:nvPicPr>
+        <p:blipFill rotWithShape="1">
+          <a:blip r:embed="rId3">
+            <a:alphaModFix/>
+          </a:blip>
+          <a:srcRect/>
+          <a:stretch/>
+        </p:blipFill>
+        <p:spPr>
+          <a:xfrm>
+            <a:off x="1266959" y="1306593"/>
+            <a:ext cx="2032002" cy="457202"/>
+          </a:xfrm>
+          <a:prstGeom prst="rect">
+            <a:avLst/>
+          </a:prstGeom>
+          <a:noFill/>
+          <a:ln>
+            <a:noFill/>
+          </a:ln>
+        </p:spPr>
+      </p:pic>
+      <p:pic>
+        <p:nvPicPr>
+          <p:cNvPr id="294" name="Google Shape;294;p14" descr="Group 2.png"/>
+          <p:cNvPicPr preferRelativeResize="0"/>
+          <p:nvPr/>
+        </p:nvPicPr>
+        <p:blipFill rotWithShape="1">
+          <a:blip r:embed="rId4">
+            <a:alphaModFix/>
+          </a:blip>
+          <a:srcRect/>
+          <a:stretch/>
+        </p:blipFill>
+        <p:spPr>
+          <a:xfrm>
+            <a:off x="21058384" y="1278077"/>
+            <a:ext cx="2057402" cy="533402"/>
+          </a:xfrm>
+          <a:prstGeom prst="rect">
+            <a:avLst/>
+          </a:prstGeom>
+          <a:noFill/>
+          <a:ln>
+            <a:noFill/>
+          </a:ln>
+        </p:spPr>
+      </p:pic>
+      <p:pic>
+        <p:nvPicPr>
+          <p:cNvPr id="10" name="Picture 9">
+            <a:extLst>
+              <a:ext uri="{FF2B5EF4-FFF2-40B4-BE49-F238E27FC236}">
+                <a16:creationId xmlns:a16="http://schemas.microsoft.com/office/drawing/2014/main" id="{3878F09D-E766-E34E-9886-32D50FEEE38D}"/>
+              </a:ext>
+            </a:extLst>
+          </p:cNvPr>
+          <p:cNvPicPr>
+            <a:picLocks noChangeAspect="1"/>
+          </p:cNvPicPr>
+          <p:nvPr/>
+        </p:nvPicPr>
+        <p:blipFill>
+          <a:blip r:embed="rId5">
+            <a:extLst>
+              <a:ext uri="{28A0092B-C50C-407E-A947-70E740481C1C}">
+                <a14:useLocalDpi xmlns:a14="http://schemas.microsoft.com/office/drawing/2010/main" val="0"/>
+              </a:ext>
+            </a:extLst>
+          </a:blip>
+          <a:stretch>
+            <a:fillRect/>
+          </a:stretch>
+        </p:blipFill>
+        <p:spPr>
+          <a:xfrm>
+            <a:off x="3757549" y="1223468"/>
+            <a:ext cx="2395003" cy="770614"/>
+          </a:xfrm>
+          <a:prstGeom prst="rect">
+            <a:avLst/>
+          </a:prstGeom>
+        </p:spPr>
+      </p:pic>
+      <p:sp>
+        <p:nvSpPr>
+          <p:cNvPr id="11" name="Google Shape;308;p16">
+            <a:extLst>
+              <a:ext uri="{FF2B5EF4-FFF2-40B4-BE49-F238E27FC236}">
+                <a16:creationId xmlns:a16="http://schemas.microsoft.com/office/drawing/2014/main" id="{6D8B495C-A9FD-914F-80D3-14D357A2EAB5}"/>
+              </a:ext>
+            </a:extLst>
+          </p:cNvPr>
+          <p:cNvSpPr txBox="1"/>
+          <p:nvPr/>
+        </p:nvSpPr>
+        <p:spPr>
+          <a:xfrm>
+            <a:off x="3354044" y="1232484"/>
+            <a:ext cx="381303" cy="656590"/>
+          </a:xfrm>
+          <a:prstGeom prst="rect">
+            <a:avLst/>
+          </a:prstGeom>
+          <a:noFill/>
+          <a:ln>
+            <a:noFill/>
+          </a:ln>
+        </p:spPr>
+        <p:txBody>
+          <a:bodyPr spcFirstLastPara="1" wrap="square" lIns="50800" tIns="50800" rIns="50800" bIns="50800" anchor="ctr" anchorCtr="0">
+            <a:spAutoFit/>
+          </a:bodyPr>
+          <a:lstStyle/>
+          <a:p>
+            <a:pPr marL="0" marR="0" lvl="0" indent="0" algn="ctr" rtl="0">
+              <a:lnSpc>
+                <a:spcPct val="100000"/>
+              </a:lnSpc>
+              <a:spcBef>
+                <a:spcPts val="0"/>
+              </a:spcBef>
+              <a:spcAft>
+                <a:spcPts val="0"/>
+              </a:spcAft>
+              <a:buClr>
+                <a:srgbClr val="FFFFFF"/>
+              </a:buClr>
+              <a:buSzPts val="3600"/>
+              <a:buFont typeface="Open Sans Light"/>
+              <a:buNone/>
+            </a:pPr>
+            <a:r>
+              <a:rPr lang="en-US" sz="3600" b="0" i="0" u="none" strike="noStrike" cap="none" dirty="0">
+                <a:solidFill>
+                  <a:schemeClr val="tx1"/>
+                </a:solidFill>
+                <a:latin typeface="Helvetica Neue" panose="02000503000000020004" pitchFamily="2" charset="0"/>
+                <a:ea typeface="Helvetica Neue" panose="02000503000000020004" pitchFamily="2" charset="0"/>
+                <a:cs typeface="Helvetica Neue" panose="02000503000000020004" pitchFamily="2" charset="0"/>
+                <a:sym typeface="Open Sans Light"/>
+              </a:rPr>
+              <a:t>+</a:t>
+            </a:r>
+            <a:endParaRPr dirty="0">
+              <a:solidFill>
+                <a:schemeClr val="tx1"/>
+              </a:solidFill>
+              <a:latin typeface="Helvetica Neue" panose="02000503000000020004" pitchFamily="2" charset="0"/>
+              <a:ea typeface="Helvetica Neue" panose="02000503000000020004" pitchFamily="2" charset="0"/>
+              <a:cs typeface="Helvetica Neue" panose="02000503000000020004" pitchFamily="2" charset="0"/>
+            </a:endParaRPr>
+          </a:p>
+        </p:txBody>
+      </p:sp>
+      <p:pic>
+        <p:nvPicPr>
+          <p:cNvPr id="9" name="Picture 8">
+            <a:extLst>
+              <a:ext uri="{FF2B5EF4-FFF2-40B4-BE49-F238E27FC236}">
+                <a16:creationId xmlns:a16="http://schemas.microsoft.com/office/drawing/2014/main" id="{739BDCC3-2CED-D640-BEEA-BED8CDAA42CB}"/>
+              </a:ext>
+            </a:extLst>
+          </p:cNvPr>
+          <p:cNvPicPr>
+            <a:picLocks noChangeAspect="1"/>
+          </p:cNvPicPr>
+          <p:nvPr/>
+        </p:nvPicPr>
+        <p:blipFill>
+          <a:blip r:embed="rId6">
+            <a:extLst>
+              <a:ext uri="{28A0092B-C50C-407E-A947-70E740481C1C}">
+                <a14:useLocalDpi xmlns:a14="http://schemas.microsoft.com/office/drawing/2010/main" val="0"/>
+              </a:ext>
+            </a:extLst>
+          </a:blip>
+          <a:stretch>
+            <a:fillRect/>
+          </a:stretch>
+        </p:blipFill>
+        <p:spPr>
+          <a:xfrm>
+            <a:off x="10290051" y="5079712"/>
+            <a:ext cx="12558074" cy="7450420"/>
+          </a:xfrm>
+          <a:prstGeom prst="rect">
+            <a:avLst/>
+          </a:prstGeom>
+        </p:spPr>
+      </p:pic>
+    </p:spTree>
+    <p:extLst>
+      <p:ext uri="{BB962C8B-B14F-4D97-AF65-F5344CB8AC3E}">
+        <p14:creationId xmlns:p14="http://schemas.microsoft.com/office/powerpoint/2010/main" val="2506285159"/>
+      </p:ext>
+    </p:extLst>
+  </p:cSld>
+  <p:clrMapOvr>
+    <a:masterClrMapping/>
+  </p:clrMapOvr>
+</p:sld>
+</file>
+
+<file path=ppt/slides/slide8.xml><?xml version="1.0" encoding="utf-8"?>
+<p:sld xmlns:a="http://schemas.openxmlformats.org/drawingml/2006/main" xmlns:r="http://schemas.openxmlformats.org/officeDocument/2006/relationships" xmlns:p="http://schemas.openxmlformats.org/presentationml/2006/main">
+  <p:cSld>
+    <p:bg>
+      <p:bgPr>
+        <a:solidFill>
+          <a:srgbClr val="4B0489"/>
+        </a:solidFill>
+        <a:effectLst/>
+      </p:bgPr>
+    </p:bg>
+    <p:spTree>
+      <p:nvGrpSpPr>
+        <p:cNvPr id="1" name="Shape 277"/>
+        <p:cNvGrpSpPr/>
+        <p:nvPr/>
+      </p:nvGrpSpPr>
+      <p:grpSpPr>
+        <a:xfrm>
+          <a:off x="0" y="0"/>
+          <a:ext cx="0" cy="0"/>
+          <a:chOff x="0" y="0"/>
+          <a:chExt cx="0" cy="0"/>
+        </a:xfrm>
+      </p:grpSpPr>
+      <p:sp>
+        <p:nvSpPr>
+          <p:cNvPr id="278" name="Google Shape;278;p13"/>
+          <p:cNvSpPr txBox="1"/>
+          <p:nvPr/>
+        </p:nvSpPr>
+        <p:spPr>
+          <a:xfrm>
+            <a:off x="1210963" y="2911088"/>
+            <a:ext cx="1903031" cy="584685"/>
+          </a:xfrm>
+          <a:prstGeom prst="rect">
+            <a:avLst/>
+          </a:prstGeom>
+          <a:noFill/>
+          <a:ln>
+            <a:noFill/>
+          </a:ln>
+        </p:spPr>
+        <p:txBody>
+          <a:bodyPr spcFirstLastPara="1" wrap="square" lIns="45675" tIns="45675" rIns="45675" bIns="45675" anchor="t" anchorCtr="0">
+            <a:spAutoFit/>
+          </a:bodyPr>
+          <a:lstStyle/>
+          <a:p>
+            <a:pPr lvl="0">
+              <a:buClr>
+                <a:srgbClr val="FD5E5E"/>
+              </a:buClr>
+              <a:buSzPts val="3200"/>
+            </a:pPr>
+            <a:r>
+              <a:rPr lang="ru-RU" sz="3200" b="0" i="0" u="none" strike="noStrike" cap="none" dirty="0">
+                <a:solidFill>
+                  <a:srgbClr val="FD5E5E"/>
+                </a:solidFill>
+                <a:latin typeface="Helvetica Neue" panose="02000503000000020004" pitchFamily="2" charset="0"/>
+                <a:ea typeface="Helvetica Neue" panose="02000503000000020004" pitchFamily="2" charset="0"/>
+                <a:cs typeface="Helvetica Neue" panose="02000503000000020004" pitchFamily="2" charset="0"/>
+                <a:sym typeface="Arial"/>
+              </a:rPr>
+              <a:t>Часть</a:t>
+            </a:r>
+            <a:r>
+              <a:rPr lang="en-US" sz="3200" b="0" i="0" u="none" strike="noStrike" cap="none" dirty="0">
+                <a:solidFill>
+                  <a:srgbClr val="FD5E5E"/>
+                </a:solidFill>
+                <a:latin typeface="Helvetica Neue" panose="02000503000000020004" pitchFamily="2" charset="0"/>
+                <a:ea typeface="Helvetica Neue" panose="02000503000000020004" pitchFamily="2" charset="0"/>
+                <a:cs typeface="Helvetica Neue" panose="02000503000000020004" pitchFamily="2" charset="0"/>
+                <a:sym typeface="Arial"/>
+              </a:rPr>
+              <a:t> </a:t>
+            </a:r>
+            <a:r>
+              <a:rPr lang="en-US" sz="3200" dirty="0">
+                <a:solidFill>
+                  <a:srgbClr val="FD5E5E"/>
+                </a:solidFill>
+                <a:latin typeface="Helvetica Neue" panose="02000503000000020004" pitchFamily="2" charset="0"/>
+                <a:ea typeface="Helvetica Neue" panose="02000503000000020004" pitchFamily="2" charset="0"/>
+                <a:cs typeface="Helvetica Neue" panose="02000503000000020004" pitchFamily="2" charset="0"/>
+              </a:rPr>
+              <a:t>I I</a:t>
+            </a:r>
+            <a:endParaRPr dirty="0">
+              <a:latin typeface="Helvetica Neue" panose="02000503000000020004" pitchFamily="2" charset="0"/>
+              <a:ea typeface="Helvetica Neue" panose="02000503000000020004" pitchFamily="2" charset="0"/>
+              <a:cs typeface="Helvetica Neue" panose="02000503000000020004" pitchFamily="2" charset="0"/>
+            </a:endParaRPr>
+          </a:p>
+        </p:txBody>
+      </p:sp>
+      <p:sp>
+        <p:nvSpPr>
+          <p:cNvPr id="279" name="Google Shape;279;p13"/>
+          <p:cNvSpPr txBox="1"/>
+          <p:nvPr/>
+        </p:nvSpPr>
+        <p:spPr>
+          <a:xfrm>
+            <a:off x="1104900" y="4119361"/>
+            <a:ext cx="13667414" cy="1683128"/>
+          </a:xfrm>
+          <a:prstGeom prst="rect">
+            <a:avLst/>
+          </a:prstGeom>
+          <a:noFill/>
+          <a:ln>
+            <a:noFill/>
+          </a:ln>
+        </p:spPr>
+        <p:txBody>
+          <a:bodyPr spcFirstLastPara="1" wrap="square" lIns="71425" tIns="71425" rIns="71425" bIns="71425" anchor="ctr" anchorCtr="0">
+            <a:spAutoFit/>
+          </a:bodyPr>
+          <a:lstStyle/>
+          <a:p>
+            <a:pPr marL="0" marR="0" lvl="0" indent="0" algn="l" rtl="0">
+              <a:lnSpc>
+                <a:spcPct val="100000"/>
+              </a:lnSpc>
+              <a:spcBef>
+                <a:spcPts val="0"/>
+              </a:spcBef>
+              <a:spcAft>
+                <a:spcPts val="0"/>
+              </a:spcAft>
+              <a:buClr>
+                <a:srgbClr val="FFFFFF"/>
+              </a:buClr>
+              <a:buSzPts val="10000"/>
+              <a:buFont typeface="Arial"/>
+              <a:buNone/>
+            </a:pPr>
+            <a:r>
+              <a:rPr lang="ru-RU" sz="10000" b="0" i="0" u="none" strike="noStrike" cap="none" dirty="0">
+                <a:solidFill>
+                  <a:srgbClr val="FFFFFF"/>
+                </a:solidFill>
+                <a:latin typeface="Helvetica Neue" panose="02000503000000020004" pitchFamily="2" charset="0"/>
+                <a:ea typeface="Helvetica Neue" panose="02000503000000020004" pitchFamily="2" charset="0"/>
+                <a:cs typeface="Helvetica Neue" panose="02000503000000020004" pitchFamily="2" charset="0"/>
+                <a:sym typeface="Arial"/>
+              </a:rPr>
+              <a:t>Знакомство с </a:t>
+            </a:r>
+            <a:r>
+              <a:rPr lang="en-US" sz="10000" b="0" i="0" u="none" strike="noStrike" cap="none" dirty="0">
+                <a:solidFill>
+                  <a:srgbClr val="FFFFFF"/>
+                </a:solidFill>
+                <a:latin typeface="Helvetica Neue" panose="02000503000000020004" pitchFamily="2" charset="0"/>
+                <a:ea typeface="Helvetica Neue" panose="02000503000000020004" pitchFamily="2" charset="0"/>
+                <a:cs typeface="Helvetica Neue" panose="02000503000000020004" pitchFamily="2" charset="0"/>
+                <a:sym typeface="Arial"/>
+              </a:rPr>
+              <a:t>Python</a:t>
+            </a:r>
+            <a:endParaRPr dirty="0">
+              <a:latin typeface="Helvetica Neue" panose="02000503000000020004" pitchFamily="2" charset="0"/>
+              <a:ea typeface="Helvetica Neue" panose="02000503000000020004" pitchFamily="2" charset="0"/>
+              <a:cs typeface="Helvetica Neue" panose="02000503000000020004" pitchFamily="2" charset="0"/>
+            </a:endParaRPr>
+          </a:p>
+        </p:txBody>
+      </p:sp>
+      <p:pic>
+        <p:nvPicPr>
+          <p:cNvPr id="282" name="Google Shape;282;p13" descr="skillbox White.png"/>
+          <p:cNvPicPr preferRelativeResize="0"/>
+          <p:nvPr/>
+        </p:nvPicPr>
+        <p:blipFill rotWithShape="1">
+          <a:blip r:embed="rId3">
+            <a:alphaModFix/>
+          </a:blip>
+          <a:srcRect/>
+          <a:stretch/>
+        </p:blipFill>
+        <p:spPr>
+          <a:xfrm>
+            <a:off x="1283893" y="1341577"/>
+            <a:ext cx="2032002" cy="457202"/>
+          </a:xfrm>
+          <a:prstGeom prst="rect">
+            <a:avLst/>
+          </a:prstGeom>
+          <a:noFill/>
+          <a:ln>
+            <a:noFill/>
+          </a:ln>
+        </p:spPr>
+      </p:pic>
+      <p:pic>
+        <p:nvPicPr>
+          <p:cNvPr id="7" name="Picture 6">
+            <a:extLst>
+              <a:ext uri="{FF2B5EF4-FFF2-40B4-BE49-F238E27FC236}">
+                <a16:creationId xmlns:a16="http://schemas.microsoft.com/office/drawing/2014/main" id="{5E9A0A62-450A-2F4A-990C-3E18C63F460F}"/>
+              </a:ext>
+            </a:extLst>
+          </p:cNvPr>
+          <p:cNvPicPr>
+            <a:picLocks noChangeAspect="1"/>
+          </p:cNvPicPr>
+          <p:nvPr/>
+        </p:nvPicPr>
+        <p:blipFill>
+          <a:blip r:embed="rId4">
+            <a:extLst>
+              <a:ext uri="{28A0092B-C50C-407E-A947-70E740481C1C}">
+                <a14:useLocalDpi xmlns:a14="http://schemas.microsoft.com/office/drawing/2010/main" val="0"/>
+              </a:ext>
+            </a:extLst>
+          </a:blip>
+          <a:stretch>
+            <a:fillRect/>
+          </a:stretch>
+        </p:blipFill>
+        <p:spPr>
+          <a:xfrm>
+            <a:off x="3773496" y="1222971"/>
+            <a:ext cx="2395001" cy="770614"/>
+          </a:xfrm>
+          <a:prstGeom prst="rect">
+            <a:avLst/>
+          </a:prstGeom>
+        </p:spPr>
+      </p:pic>
+      <p:sp>
+        <p:nvSpPr>
+          <p:cNvPr id="8" name="Google Shape;308;p16">
+            <a:extLst>
+              <a:ext uri="{FF2B5EF4-FFF2-40B4-BE49-F238E27FC236}">
+                <a16:creationId xmlns:a16="http://schemas.microsoft.com/office/drawing/2014/main" id="{C4DC42C2-E856-5E42-B898-008B052D8B7D}"/>
+              </a:ext>
+            </a:extLst>
+          </p:cNvPr>
+          <p:cNvSpPr txBox="1"/>
+          <p:nvPr/>
+        </p:nvSpPr>
+        <p:spPr>
+          <a:xfrm>
+            <a:off x="3354044" y="1232484"/>
+            <a:ext cx="381303" cy="656590"/>
+          </a:xfrm>
+          <a:prstGeom prst="rect">
+            <a:avLst/>
+          </a:prstGeom>
+          <a:noFill/>
+          <a:ln>
+            <a:noFill/>
+          </a:ln>
+        </p:spPr>
+        <p:txBody>
+          <a:bodyPr spcFirstLastPara="1" wrap="square" lIns="50800" tIns="50800" rIns="50800" bIns="50800" anchor="ctr" anchorCtr="0">
+            <a:spAutoFit/>
+          </a:bodyPr>
+          <a:lstStyle/>
+          <a:p>
+            <a:pPr marL="0" marR="0" lvl="0" indent="0" algn="ctr" rtl="0">
+              <a:lnSpc>
+                <a:spcPct val="100000"/>
+              </a:lnSpc>
+              <a:spcBef>
+                <a:spcPts val="0"/>
+              </a:spcBef>
+              <a:spcAft>
+                <a:spcPts val="0"/>
+              </a:spcAft>
+              <a:buClr>
+                <a:srgbClr val="FFFFFF"/>
+              </a:buClr>
+              <a:buSzPts val="3600"/>
+              <a:buFont typeface="Open Sans Light"/>
+              <a:buNone/>
+            </a:pPr>
+            <a:r>
+              <a:rPr lang="en-US" sz="3600" b="0" i="0" u="none" strike="noStrike" cap="none" dirty="0">
+                <a:solidFill>
+                  <a:srgbClr val="FFFFFF"/>
+                </a:solidFill>
+                <a:latin typeface="Helvetica Neue" panose="02000503000000020004" pitchFamily="2" charset="0"/>
+                <a:ea typeface="Helvetica Neue" panose="02000503000000020004" pitchFamily="2" charset="0"/>
+                <a:cs typeface="Helvetica Neue" panose="02000503000000020004" pitchFamily="2" charset="0"/>
+                <a:sym typeface="Open Sans Light"/>
+              </a:rPr>
+              <a:t>+</a:t>
+            </a:r>
+            <a:endParaRPr dirty="0">
+              <a:latin typeface="Helvetica Neue" panose="02000503000000020004" pitchFamily="2" charset="0"/>
+              <a:ea typeface="Helvetica Neue" panose="02000503000000020004" pitchFamily="2" charset="0"/>
+              <a:cs typeface="Helvetica Neue" panose="02000503000000020004" pitchFamily="2" charset="0"/>
+            </a:endParaRPr>
+          </a:p>
+        </p:txBody>
+      </p:sp>
+    </p:spTree>
+    <p:extLst>
+      <p:ext uri="{BB962C8B-B14F-4D97-AF65-F5344CB8AC3E}">
+        <p14:creationId xmlns:p14="http://schemas.microsoft.com/office/powerpoint/2010/main" val="617589527"/>
+      </p:ext>
+    </p:extLst>
+  </p:cSld>
+  <p:clrMapOvr>
+    <a:masterClrMapping/>
+  </p:clrMapOvr>
+</p:sld>
+</file>
+
+<file path=ppt/slides/slide9.xml><?xml version="1.0" encoding="utf-8"?>
+<p:sld xmlns:a="http://schemas.openxmlformats.org/drawingml/2006/main" xmlns:r="http://schemas.openxmlformats.org/officeDocument/2006/relationships" xmlns:p="http://schemas.openxmlformats.org/presentationml/2006/main">
+  <p:cSld>
     <p:spTree>
       <p:nvGrpSpPr>
         <p:cNvPr id="1" name="Shape 286"/>
@@ -13247,8 +16609,8 @@
         </p:nvSpPr>
         <p:spPr>
           <a:xfrm>
-            <a:off x="12089081" y="6708076"/>
-            <a:ext cx="9998004" cy="4674716"/>
+            <a:off x="10756232" y="6708076"/>
+            <a:ext cx="13234735" cy="4674716"/>
           </a:xfrm>
           <a:prstGeom prst="rect">
             <a:avLst/>
@@ -13455,7 +16817,7 @@
                 <a:cs typeface="Helvetica Neue" panose="02000503000000020004" pitchFamily="2" charset="0"/>
                 <a:hlinkClick r:id="rId9"/>
               </a:rPr>
-              <a:t>https://github.com/manchenkoff/skillbox-async-chat</a:t>
+              <a:t>https://github.com/manchenkoff/skillbox-skillbox-voice-assistant</a:t>
             </a:r>
             <a:r>
               <a:rPr lang="en-US" sz="3200" dirty="0">
@@ -13466,7 +16828,7 @@
                 <a:ea typeface="Helvetica Neue" panose="02000503000000020004" pitchFamily="2" charset="0"/>
                 <a:cs typeface="Helvetica Neue" panose="02000503000000020004" pitchFamily="2" charset="0"/>
               </a:rPr>
-              <a:t> </a:t>
+              <a:t>  </a:t>
             </a:r>
             <a:endParaRPr lang="en-US" sz="1800" dirty="0">
               <a:latin typeface="Helvetica Neue" panose="02000503000000020004" pitchFamily="2" charset="0"/>
@@ -13480,4495 +16842,6 @@
     <p:extLst>
       <p:ext uri="{BB962C8B-B14F-4D97-AF65-F5344CB8AC3E}">
         <p14:creationId xmlns:p14="http://schemas.microsoft.com/office/powerpoint/2010/main" val="481205339"/>
-      </p:ext>
-    </p:extLst>
-  </p:cSld>
-  <p:clrMapOvr>
-    <a:masterClrMapping/>
-  </p:clrMapOvr>
-</p:sld>
-</file>
-
-<file path=ppt/slides/slide11.xml><?xml version="1.0" encoding="utf-8"?>
-<p:sld xmlns:a="http://schemas.openxmlformats.org/drawingml/2006/main" xmlns:r="http://schemas.openxmlformats.org/officeDocument/2006/relationships" xmlns:p="http://schemas.openxmlformats.org/presentationml/2006/main">
-  <p:cSld>
-    <p:bg>
-      <p:bgPr>
-        <a:solidFill>
-          <a:srgbClr val="4B0489"/>
-        </a:solidFill>
-        <a:effectLst/>
-      </p:bgPr>
-    </p:bg>
-    <p:spTree>
-      <p:nvGrpSpPr>
-        <p:cNvPr id="1" name="Shape 298"/>
-        <p:cNvGrpSpPr/>
-        <p:nvPr/>
-      </p:nvGrpSpPr>
-      <p:grpSpPr>
-        <a:xfrm>
-          <a:off x="0" y="0"/>
-          <a:ext cx="0" cy="0"/>
-          <a:chOff x="0" y="0"/>
-          <a:chExt cx="0" cy="0"/>
-        </a:xfrm>
-      </p:grpSpPr>
-      <p:sp>
-        <p:nvSpPr>
-          <p:cNvPr id="299" name="Google Shape;299;p15"/>
-          <p:cNvSpPr txBox="1"/>
-          <p:nvPr/>
-        </p:nvSpPr>
-        <p:spPr>
-          <a:xfrm>
-            <a:off x="1143000" y="3509105"/>
-            <a:ext cx="19705706" cy="2606458"/>
-          </a:xfrm>
-          <a:prstGeom prst="rect">
-            <a:avLst/>
-          </a:prstGeom>
-          <a:noFill/>
-          <a:ln>
-            <a:noFill/>
-          </a:ln>
-        </p:spPr>
-        <p:txBody>
-          <a:bodyPr spcFirstLastPara="1" wrap="square" lIns="71425" tIns="71425" rIns="71425" bIns="71425" anchor="ctr" anchorCtr="0">
-            <a:spAutoFit/>
-          </a:bodyPr>
-          <a:lstStyle/>
-          <a:p>
-            <a:pPr marL="0" marR="0" lvl="0" indent="0" algn="l" rtl="0">
-              <a:lnSpc>
-                <a:spcPct val="80000"/>
-              </a:lnSpc>
-              <a:spcBef>
-                <a:spcPts val="0"/>
-              </a:spcBef>
-              <a:spcAft>
-                <a:spcPts val="0"/>
-              </a:spcAft>
-              <a:buClr>
-                <a:srgbClr val="FFFFFF"/>
-              </a:buClr>
-              <a:buSzPts val="10000"/>
-              <a:buFont typeface="Arial"/>
-              <a:buNone/>
-            </a:pPr>
-            <a:r>
-              <a:rPr lang="en-US" sz="10000" b="0" i="0" u="none" strike="noStrike" cap="none">
-                <a:solidFill>
-                  <a:srgbClr val="FFFFFF"/>
-                </a:solidFill>
-                <a:latin typeface="Helvetica Neue" panose="02000503000000020004" pitchFamily="2" charset="0"/>
-                <a:ea typeface="Helvetica Neue" panose="02000503000000020004" pitchFamily="2" charset="0"/>
-                <a:cs typeface="Helvetica Neue" panose="02000503000000020004" pitchFamily="2" charset="0"/>
-                <a:sym typeface="Arial"/>
-              </a:rPr>
-              <a:t>Ответы</a:t>
-            </a:r>
-            <a:endParaRPr sz="1400" b="0" i="0" u="none" strike="noStrike" cap="none">
-              <a:solidFill>
-                <a:srgbClr val="000000"/>
-              </a:solidFill>
-              <a:latin typeface="Helvetica Neue" panose="02000503000000020004" pitchFamily="2" charset="0"/>
-              <a:ea typeface="Helvetica Neue" panose="02000503000000020004" pitchFamily="2" charset="0"/>
-              <a:cs typeface="Helvetica Neue" panose="02000503000000020004" pitchFamily="2" charset="0"/>
-              <a:sym typeface="Helvetica Neue"/>
-            </a:endParaRPr>
-          </a:p>
-          <a:p>
-            <a:pPr marL="0" marR="0" lvl="0" indent="0" algn="l" rtl="0">
-              <a:lnSpc>
-                <a:spcPct val="80000"/>
-              </a:lnSpc>
-              <a:spcBef>
-                <a:spcPts val="0"/>
-              </a:spcBef>
-              <a:spcAft>
-                <a:spcPts val="0"/>
-              </a:spcAft>
-              <a:buClr>
-                <a:srgbClr val="FFFFFF"/>
-              </a:buClr>
-              <a:buSzPts val="10000"/>
-              <a:buFont typeface="Arial"/>
-              <a:buNone/>
-            </a:pPr>
-            <a:r>
-              <a:rPr lang="en-US" sz="10000" b="0" i="0" u="none" strike="noStrike" cap="none">
-                <a:solidFill>
-                  <a:srgbClr val="FFFFFF"/>
-                </a:solidFill>
-                <a:latin typeface="Helvetica Neue" panose="02000503000000020004" pitchFamily="2" charset="0"/>
-                <a:ea typeface="Helvetica Neue" panose="02000503000000020004" pitchFamily="2" charset="0"/>
-                <a:cs typeface="Helvetica Neue" panose="02000503000000020004" pitchFamily="2" charset="0"/>
-                <a:sym typeface="Arial"/>
-              </a:rPr>
-              <a:t>на вопросы</a:t>
-            </a:r>
-            <a:endParaRPr>
-              <a:latin typeface="Helvetica Neue" panose="02000503000000020004" pitchFamily="2" charset="0"/>
-              <a:ea typeface="Helvetica Neue" panose="02000503000000020004" pitchFamily="2" charset="0"/>
-              <a:cs typeface="Helvetica Neue" panose="02000503000000020004" pitchFamily="2" charset="0"/>
-            </a:endParaRPr>
-          </a:p>
-        </p:txBody>
-      </p:sp>
-      <p:pic>
-        <p:nvPicPr>
-          <p:cNvPr id="302" name="Google Shape;302;p15" descr="skillbox White.png"/>
-          <p:cNvPicPr preferRelativeResize="0"/>
-          <p:nvPr/>
-        </p:nvPicPr>
-        <p:blipFill rotWithShape="1">
-          <a:blip r:embed="rId3">
-            <a:alphaModFix/>
-          </a:blip>
-          <a:srcRect/>
-          <a:stretch/>
-        </p:blipFill>
-        <p:spPr>
-          <a:xfrm>
-            <a:off x="1283893" y="1341577"/>
-            <a:ext cx="2032002" cy="457202"/>
-          </a:xfrm>
-          <a:prstGeom prst="rect">
-            <a:avLst/>
-          </a:prstGeom>
-          <a:noFill/>
-          <a:ln>
-            <a:noFill/>
-          </a:ln>
-        </p:spPr>
-      </p:pic>
-      <p:pic>
-        <p:nvPicPr>
-          <p:cNvPr id="6" name="Picture 5">
-            <a:extLst>
-              <a:ext uri="{FF2B5EF4-FFF2-40B4-BE49-F238E27FC236}">
-                <a16:creationId xmlns:a16="http://schemas.microsoft.com/office/drawing/2014/main" id="{BA72C12D-0CC2-814E-863F-F0EF9963EE83}"/>
-              </a:ext>
-            </a:extLst>
-          </p:cNvPr>
-          <p:cNvPicPr>
-            <a:picLocks noChangeAspect="1"/>
-          </p:cNvPicPr>
-          <p:nvPr/>
-        </p:nvPicPr>
-        <p:blipFill>
-          <a:blip r:embed="rId4">
-            <a:extLst>
-              <a:ext uri="{28A0092B-C50C-407E-A947-70E740481C1C}">
-                <a14:useLocalDpi xmlns:a14="http://schemas.microsoft.com/office/drawing/2010/main" val="0"/>
-              </a:ext>
-            </a:extLst>
-          </a:blip>
-          <a:stretch>
-            <a:fillRect/>
-          </a:stretch>
-        </p:blipFill>
-        <p:spPr>
-          <a:xfrm>
-            <a:off x="3773496" y="1222971"/>
-            <a:ext cx="2395001" cy="770614"/>
-          </a:xfrm>
-          <a:prstGeom prst="rect">
-            <a:avLst/>
-          </a:prstGeom>
-        </p:spPr>
-      </p:pic>
-      <p:sp>
-        <p:nvSpPr>
-          <p:cNvPr id="8" name="Google Shape;308;p16">
-            <a:extLst>
-              <a:ext uri="{FF2B5EF4-FFF2-40B4-BE49-F238E27FC236}">
-                <a16:creationId xmlns:a16="http://schemas.microsoft.com/office/drawing/2014/main" id="{41BF0AE0-9F5F-4645-81CC-234F486F9419}"/>
-              </a:ext>
-            </a:extLst>
-          </p:cNvPr>
-          <p:cNvSpPr txBox="1"/>
-          <p:nvPr/>
-        </p:nvSpPr>
-        <p:spPr>
-          <a:xfrm>
-            <a:off x="3354044" y="1232484"/>
-            <a:ext cx="381303" cy="656590"/>
-          </a:xfrm>
-          <a:prstGeom prst="rect">
-            <a:avLst/>
-          </a:prstGeom>
-          <a:noFill/>
-          <a:ln>
-            <a:noFill/>
-          </a:ln>
-        </p:spPr>
-        <p:txBody>
-          <a:bodyPr spcFirstLastPara="1" wrap="square" lIns="50800" tIns="50800" rIns="50800" bIns="50800" anchor="ctr" anchorCtr="0">
-            <a:spAutoFit/>
-          </a:bodyPr>
-          <a:lstStyle/>
-          <a:p>
-            <a:pPr marL="0" marR="0" lvl="0" indent="0" algn="ctr" rtl="0">
-              <a:lnSpc>
-                <a:spcPct val="100000"/>
-              </a:lnSpc>
-              <a:spcBef>
-                <a:spcPts val="0"/>
-              </a:spcBef>
-              <a:spcAft>
-                <a:spcPts val="0"/>
-              </a:spcAft>
-              <a:buClr>
-                <a:srgbClr val="FFFFFF"/>
-              </a:buClr>
-              <a:buSzPts val="3600"/>
-              <a:buFont typeface="Open Sans Light"/>
-              <a:buNone/>
-            </a:pPr>
-            <a:r>
-              <a:rPr lang="en-US" sz="3600" b="0" i="0" u="none" strike="noStrike" cap="none" dirty="0">
-                <a:solidFill>
-                  <a:srgbClr val="FFFFFF"/>
-                </a:solidFill>
-                <a:latin typeface="Helvetica Neue" panose="02000503000000020004" pitchFamily="2" charset="0"/>
-                <a:ea typeface="Helvetica Neue" panose="02000503000000020004" pitchFamily="2" charset="0"/>
-                <a:cs typeface="Helvetica Neue" panose="02000503000000020004" pitchFamily="2" charset="0"/>
-                <a:sym typeface="Open Sans Light"/>
-              </a:rPr>
-              <a:t>+</a:t>
-            </a:r>
-            <a:endParaRPr dirty="0">
-              <a:latin typeface="Helvetica Neue" panose="02000503000000020004" pitchFamily="2" charset="0"/>
-              <a:ea typeface="Helvetica Neue" panose="02000503000000020004" pitchFamily="2" charset="0"/>
-              <a:cs typeface="Helvetica Neue" panose="02000503000000020004" pitchFamily="2" charset="0"/>
-            </a:endParaRPr>
-          </a:p>
-        </p:txBody>
-      </p:sp>
-    </p:spTree>
-  </p:cSld>
-  <p:clrMapOvr>
-    <a:masterClrMapping/>
-  </p:clrMapOvr>
-</p:sld>
-</file>
-
-<file path=ppt/slides/slide2.xml><?xml version="1.0" encoding="utf-8"?>
-<p:sld xmlns:a="http://schemas.openxmlformats.org/drawingml/2006/main" xmlns:r="http://schemas.openxmlformats.org/officeDocument/2006/relationships" xmlns:p="http://schemas.openxmlformats.org/presentationml/2006/main">
-  <p:cSld>
-    <p:bg>
-      <p:bgPr>
-        <a:solidFill>
-          <a:srgbClr val="4B0489"/>
-        </a:solidFill>
-        <a:effectLst/>
-      </p:bgPr>
-    </p:bg>
-    <p:spTree>
-      <p:nvGrpSpPr>
-        <p:cNvPr id="1" name="Shape 198"/>
-        <p:cNvGrpSpPr/>
-        <p:nvPr/>
-      </p:nvGrpSpPr>
-      <p:grpSpPr>
-        <a:xfrm>
-          <a:off x="0" y="0"/>
-          <a:ext cx="0" cy="0"/>
-          <a:chOff x="0" y="0"/>
-          <a:chExt cx="0" cy="0"/>
-        </a:xfrm>
-      </p:grpSpPr>
-      <p:sp>
-        <p:nvSpPr>
-          <p:cNvPr id="200" name="Google Shape;200;p9"/>
-          <p:cNvSpPr txBox="1"/>
-          <p:nvPr/>
-        </p:nvSpPr>
-        <p:spPr>
-          <a:xfrm>
-            <a:off x="10170076" y="3487358"/>
-            <a:ext cx="10752902" cy="1569570"/>
-          </a:xfrm>
-          <a:prstGeom prst="rect">
-            <a:avLst/>
-          </a:prstGeom>
-          <a:noFill/>
-          <a:ln>
-            <a:noFill/>
-          </a:ln>
-        </p:spPr>
-        <p:txBody>
-          <a:bodyPr spcFirstLastPara="1" wrap="square" lIns="45675" tIns="45675" rIns="45675" bIns="45675" anchor="t" anchorCtr="0">
-            <a:spAutoFit/>
-          </a:bodyPr>
-          <a:lstStyle/>
-          <a:p>
-            <a:pPr>
-              <a:lnSpc>
-                <a:spcPct val="150000"/>
-              </a:lnSpc>
-              <a:buClr>
-                <a:srgbClr val="FFFFFF"/>
-              </a:buClr>
-              <a:buSzPts val="3200"/>
-            </a:pPr>
-            <a:r>
-              <a:rPr lang="ru-RU" sz="3200" dirty="0">
-                <a:solidFill>
-                  <a:srgbClr val="FFFFFF"/>
-                </a:solidFill>
-                <a:latin typeface="Helvetica Neue" panose="02000503000000020004" pitchFamily="2" charset="0"/>
-                <a:ea typeface="Helvetica Neue" panose="02000503000000020004" pitchFamily="2" charset="0"/>
-                <a:cs typeface="Helvetica Neue" panose="02000503000000020004" pitchFamily="2" charset="0"/>
-              </a:rPr>
-              <a:t>Занимаюсь веб-разработкой около 8 лет, </a:t>
-            </a:r>
-          </a:p>
-          <a:p>
-            <a:pPr>
-              <a:lnSpc>
-                <a:spcPct val="150000"/>
-              </a:lnSpc>
-              <a:buClr>
-                <a:srgbClr val="FFFFFF"/>
-              </a:buClr>
-              <a:buSzPts val="3200"/>
-            </a:pPr>
-            <a:r>
-              <a:rPr lang="ru-RU" sz="3200" dirty="0">
-                <a:solidFill>
-                  <a:srgbClr val="FFFFFF"/>
-                </a:solidFill>
-                <a:latin typeface="Helvetica Neue" panose="02000503000000020004" pitchFamily="2" charset="0"/>
-                <a:ea typeface="Helvetica Neue" panose="02000503000000020004" pitchFamily="2" charset="0"/>
-                <a:cs typeface="Helvetica Neue" panose="02000503000000020004" pitchFamily="2" charset="0"/>
-              </a:rPr>
-              <a:t>основное направление - </a:t>
-            </a:r>
-            <a:r>
-              <a:rPr lang="en-US" sz="3200" dirty="0">
-                <a:solidFill>
-                  <a:srgbClr val="FFFFFF"/>
-                </a:solidFill>
-                <a:latin typeface="Helvetica Neue" panose="02000503000000020004" pitchFamily="2" charset="0"/>
-                <a:ea typeface="Helvetica Neue" panose="02000503000000020004" pitchFamily="2" charset="0"/>
-                <a:cs typeface="Helvetica Neue" panose="02000503000000020004" pitchFamily="2" charset="0"/>
-              </a:rPr>
-              <a:t>Backend</a:t>
-            </a:r>
-            <a:r>
-              <a:rPr lang="ru-RU" sz="3200" dirty="0">
-                <a:solidFill>
-                  <a:srgbClr val="FFFFFF"/>
-                </a:solidFill>
-                <a:latin typeface="Helvetica Neue" panose="02000503000000020004" pitchFamily="2" charset="0"/>
-                <a:ea typeface="Helvetica Neue" panose="02000503000000020004" pitchFamily="2" charset="0"/>
-                <a:cs typeface="Helvetica Neue" panose="02000503000000020004" pitchFamily="2" charset="0"/>
-              </a:rPr>
-              <a:t> на Python/PHP</a:t>
-            </a:r>
-          </a:p>
-        </p:txBody>
-      </p:sp>
-      <p:sp>
-        <p:nvSpPr>
-          <p:cNvPr id="201" name="Google Shape;201;p9"/>
-          <p:cNvSpPr txBox="1"/>
-          <p:nvPr/>
-        </p:nvSpPr>
-        <p:spPr>
-          <a:xfrm>
-            <a:off x="1407872" y="6711237"/>
-            <a:ext cx="12192005" cy="1047888"/>
-          </a:xfrm>
-          <a:prstGeom prst="rect">
-            <a:avLst/>
-          </a:prstGeom>
-          <a:noFill/>
-          <a:ln>
-            <a:noFill/>
-          </a:ln>
-        </p:spPr>
-        <p:txBody>
-          <a:bodyPr spcFirstLastPara="1" wrap="square" lIns="45675" tIns="45675" rIns="45675" bIns="45675" anchor="t" anchorCtr="0">
-            <a:spAutoFit/>
-          </a:bodyPr>
-          <a:lstStyle/>
-          <a:p>
-            <a:pPr marL="0" marR="0" lvl="0" indent="0" algn="l" rtl="0">
-              <a:lnSpc>
-                <a:spcPct val="115000"/>
-              </a:lnSpc>
-              <a:spcBef>
-                <a:spcPts val="0"/>
-              </a:spcBef>
-              <a:spcAft>
-                <a:spcPts val="0"/>
-              </a:spcAft>
-              <a:buClr>
-                <a:srgbClr val="FFFFFF"/>
-              </a:buClr>
-              <a:buSzPts val="8000"/>
-              <a:buFont typeface="Arial"/>
-              <a:buNone/>
-            </a:pPr>
-            <a:r>
-              <a:rPr lang="ru-RU" sz="5400" b="0" i="0" u="none" strike="noStrike" cap="none" dirty="0">
-                <a:solidFill>
-                  <a:srgbClr val="FFFFFF"/>
-                </a:solidFill>
-                <a:latin typeface="Helvetica Neue" panose="02000503000000020004" pitchFamily="2" charset="0"/>
-                <a:ea typeface="Helvetica Neue" panose="02000503000000020004" pitchFamily="2" charset="0"/>
-                <a:cs typeface="Helvetica Neue" panose="02000503000000020004" pitchFamily="2" charset="0"/>
-                <a:sym typeface="Arial"/>
-              </a:rPr>
-              <a:t>Артем Манченков</a:t>
-            </a:r>
-            <a:endParaRPr sz="1000" dirty="0">
-              <a:latin typeface="Helvetica Neue" panose="02000503000000020004" pitchFamily="2" charset="0"/>
-              <a:ea typeface="Helvetica Neue" panose="02000503000000020004" pitchFamily="2" charset="0"/>
-              <a:cs typeface="Helvetica Neue" panose="02000503000000020004" pitchFamily="2" charset="0"/>
-            </a:endParaRPr>
-          </a:p>
-        </p:txBody>
-      </p:sp>
-      <p:sp>
-        <p:nvSpPr>
-          <p:cNvPr id="202" name="Google Shape;202;p9"/>
-          <p:cNvSpPr txBox="1"/>
-          <p:nvPr/>
-        </p:nvSpPr>
-        <p:spPr>
-          <a:xfrm>
-            <a:off x="10599959" y="6466573"/>
-            <a:ext cx="3762603" cy="646240"/>
-          </a:xfrm>
-          <a:prstGeom prst="rect">
-            <a:avLst/>
-          </a:prstGeom>
-          <a:noFill/>
-          <a:ln>
-            <a:noFill/>
-          </a:ln>
-        </p:spPr>
-        <p:txBody>
-          <a:bodyPr spcFirstLastPara="1" wrap="square" lIns="45675" tIns="45675" rIns="45675" bIns="45675" anchor="t" anchorCtr="0">
-            <a:spAutoFit/>
-          </a:bodyPr>
-          <a:lstStyle/>
-          <a:p>
-            <a:pPr marL="0" marR="0" lvl="0" indent="0" algn="l" rtl="0">
-              <a:lnSpc>
-                <a:spcPct val="150000"/>
-              </a:lnSpc>
-              <a:spcBef>
-                <a:spcPts val="0"/>
-              </a:spcBef>
-              <a:spcAft>
-                <a:spcPts val="0"/>
-              </a:spcAft>
-              <a:buClr>
-                <a:srgbClr val="FFFFFF"/>
-              </a:buClr>
-              <a:buSzPts val="2400"/>
-              <a:buFont typeface="Arial"/>
-              <a:buNone/>
-            </a:pPr>
-            <a:r>
-              <a:rPr lang="ru-RU" sz="2400" b="0" i="0" u="none" strike="noStrike" cap="none" dirty="0">
-                <a:solidFill>
-                  <a:srgbClr val="FFFFFF"/>
-                </a:solidFill>
-                <a:latin typeface="Helvetica Neue" panose="02000503000000020004" pitchFamily="2" charset="0"/>
-                <a:ea typeface="Helvetica Neue" panose="02000503000000020004" pitchFamily="2" charset="0"/>
-                <a:cs typeface="Helvetica Neue" panose="02000503000000020004" pitchFamily="2" charset="0"/>
-                <a:sym typeface="Arial"/>
-              </a:rPr>
-              <a:t>Преподавание</a:t>
-            </a:r>
-            <a:endParaRPr dirty="0">
-              <a:latin typeface="Helvetica Neue" panose="02000503000000020004" pitchFamily="2" charset="0"/>
-              <a:ea typeface="Helvetica Neue" panose="02000503000000020004" pitchFamily="2" charset="0"/>
-              <a:cs typeface="Helvetica Neue" panose="02000503000000020004" pitchFamily="2" charset="0"/>
-            </a:endParaRPr>
-          </a:p>
-        </p:txBody>
-      </p:sp>
-      <p:sp>
-        <p:nvSpPr>
-          <p:cNvPr id="203" name="Google Shape;203;p9"/>
-          <p:cNvSpPr txBox="1"/>
-          <p:nvPr/>
-        </p:nvSpPr>
-        <p:spPr>
-          <a:xfrm>
-            <a:off x="10599959" y="8430869"/>
-            <a:ext cx="3762603" cy="646240"/>
-          </a:xfrm>
-          <a:prstGeom prst="rect">
-            <a:avLst/>
-          </a:prstGeom>
-          <a:noFill/>
-          <a:ln>
-            <a:noFill/>
-          </a:ln>
-        </p:spPr>
-        <p:txBody>
-          <a:bodyPr spcFirstLastPara="1" wrap="square" lIns="45675" tIns="45675" rIns="45675" bIns="45675" anchor="t" anchorCtr="0">
-            <a:spAutoFit/>
-          </a:bodyPr>
-          <a:lstStyle/>
-          <a:p>
-            <a:pPr marL="0" marR="0" lvl="0" indent="0" algn="l" rtl="0">
-              <a:lnSpc>
-                <a:spcPct val="150000"/>
-              </a:lnSpc>
-              <a:spcBef>
-                <a:spcPts val="0"/>
-              </a:spcBef>
-              <a:spcAft>
-                <a:spcPts val="0"/>
-              </a:spcAft>
-              <a:buClr>
-                <a:srgbClr val="FFFFFF"/>
-              </a:buClr>
-              <a:buSzPts val="2400"/>
-              <a:buFont typeface="Arial"/>
-              <a:buNone/>
-            </a:pPr>
-            <a:r>
-              <a:rPr lang="ru-RU" sz="2400" b="0" i="0" u="none" strike="noStrike" cap="none" dirty="0">
-                <a:solidFill>
-                  <a:srgbClr val="FFFFFF"/>
-                </a:solidFill>
-                <a:latin typeface="Helvetica Neue" panose="02000503000000020004" pitchFamily="2" charset="0"/>
-                <a:ea typeface="Helvetica Neue" panose="02000503000000020004" pitchFamily="2" charset="0"/>
-                <a:cs typeface="Helvetica Neue" panose="02000503000000020004" pitchFamily="2" charset="0"/>
-                <a:sym typeface="Arial"/>
-              </a:rPr>
-              <a:t>Веб-дизайн</a:t>
-            </a:r>
-            <a:endParaRPr dirty="0">
-              <a:latin typeface="Helvetica Neue" panose="02000503000000020004" pitchFamily="2" charset="0"/>
-              <a:ea typeface="Helvetica Neue" panose="02000503000000020004" pitchFamily="2" charset="0"/>
-              <a:cs typeface="Helvetica Neue" panose="02000503000000020004" pitchFamily="2" charset="0"/>
-            </a:endParaRPr>
-          </a:p>
-        </p:txBody>
-      </p:sp>
-      <p:sp>
-        <p:nvSpPr>
-          <p:cNvPr id="204" name="Google Shape;204;p9"/>
-          <p:cNvSpPr txBox="1"/>
-          <p:nvPr/>
-        </p:nvSpPr>
-        <p:spPr>
-          <a:xfrm>
-            <a:off x="10170076" y="5470773"/>
-            <a:ext cx="5137218" cy="923239"/>
-          </a:xfrm>
-          <a:prstGeom prst="rect">
-            <a:avLst/>
-          </a:prstGeom>
-          <a:noFill/>
-          <a:ln>
-            <a:noFill/>
-          </a:ln>
-        </p:spPr>
-        <p:txBody>
-          <a:bodyPr spcFirstLastPara="1" wrap="square" lIns="45675" tIns="45675" rIns="45675" bIns="45675" anchor="t" anchorCtr="0">
-            <a:spAutoFit/>
-          </a:bodyPr>
-          <a:lstStyle/>
-          <a:p>
-            <a:pPr>
-              <a:lnSpc>
-                <a:spcPct val="150000"/>
-              </a:lnSpc>
-              <a:buClr>
-                <a:srgbClr val="FFFFFF"/>
-              </a:buClr>
-              <a:buSzPts val="3600"/>
-            </a:pPr>
-            <a:r>
-              <a:rPr lang="ru-RU" sz="3600" dirty="0">
-                <a:solidFill>
-                  <a:srgbClr val="FFFFFF"/>
-                </a:solidFill>
-                <a:latin typeface="Helvetica Neue" panose="02000503000000020004" pitchFamily="2" charset="0"/>
-                <a:ea typeface="Helvetica Neue" panose="02000503000000020004" pitchFamily="2" charset="0"/>
-                <a:cs typeface="Helvetica Neue" panose="02000503000000020004" pitchFamily="2" charset="0"/>
-              </a:rPr>
-              <a:t>Ранее занимался</a:t>
-            </a:r>
-          </a:p>
-        </p:txBody>
-      </p:sp>
-      <p:sp>
-        <p:nvSpPr>
-          <p:cNvPr id="205" name="Google Shape;205;p9"/>
-          <p:cNvSpPr txBox="1"/>
-          <p:nvPr/>
-        </p:nvSpPr>
-        <p:spPr>
-          <a:xfrm>
-            <a:off x="10170075" y="10825098"/>
-            <a:ext cx="6621633" cy="584685"/>
-          </a:xfrm>
-          <a:prstGeom prst="rect">
-            <a:avLst/>
-          </a:prstGeom>
-          <a:noFill/>
-          <a:ln>
-            <a:noFill/>
-          </a:ln>
-        </p:spPr>
-        <p:txBody>
-          <a:bodyPr spcFirstLastPara="1" wrap="square" lIns="45675" tIns="45675" rIns="45675" bIns="45675" anchor="t" anchorCtr="0">
-            <a:spAutoFit/>
-          </a:bodyPr>
-          <a:lstStyle/>
-          <a:p>
-            <a:pPr marL="0" marR="0" lvl="0" indent="0" algn="l" rtl="0">
-              <a:lnSpc>
-                <a:spcPct val="100000"/>
-              </a:lnSpc>
-              <a:spcBef>
-                <a:spcPts val="0"/>
-              </a:spcBef>
-              <a:spcAft>
-                <a:spcPts val="0"/>
-              </a:spcAft>
-              <a:buClr>
-                <a:srgbClr val="FFFFFF"/>
-              </a:buClr>
-              <a:buSzPts val="3200"/>
-              <a:buFont typeface="Arial"/>
-              <a:buNone/>
-            </a:pPr>
-            <a:r>
-              <a:rPr lang="ru-RU" sz="3200" b="0" i="0" u="none" strike="noStrike" cap="none" dirty="0">
-                <a:solidFill>
-                  <a:srgbClr val="FFFFFF"/>
-                </a:solidFill>
-                <a:latin typeface="Helvetica Neue" panose="02000503000000020004" pitchFamily="2" charset="0"/>
-                <a:ea typeface="Helvetica Neue" panose="02000503000000020004" pitchFamily="2" charset="0"/>
-                <a:cs typeface="Helvetica Neue" panose="02000503000000020004" pitchFamily="2" charset="0"/>
-                <a:sym typeface="Arial"/>
-              </a:rPr>
-              <a:t>Самообразование – залог успеха</a:t>
-            </a:r>
-            <a:endParaRPr dirty="0">
-              <a:latin typeface="Helvetica Neue" panose="02000503000000020004" pitchFamily="2" charset="0"/>
-              <a:ea typeface="Helvetica Neue" panose="02000503000000020004" pitchFamily="2" charset="0"/>
-              <a:cs typeface="Helvetica Neue" panose="02000503000000020004" pitchFamily="2" charset="0"/>
-            </a:endParaRPr>
-          </a:p>
-        </p:txBody>
-      </p:sp>
-      <p:sp>
-        <p:nvSpPr>
-          <p:cNvPr id="206" name="Google Shape;206;p9"/>
-          <p:cNvSpPr/>
-          <p:nvPr/>
-        </p:nvSpPr>
-        <p:spPr>
-          <a:xfrm>
-            <a:off x="10276009" y="6656234"/>
-            <a:ext cx="158705" cy="158705"/>
-          </a:xfrm>
-          <a:prstGeom prst="ellipse">
-            <a:avLst/>
-          </a:prstGeom>
-          <a:solidFill>
-            <a:srgbClr val="FD5E5E"/>
-          </a:solidFill>
-          <a:ln>
-            <a:noFill/>
-          </a:ln>
-        </p:spPr>
-        <p:txBody>
-          <a:bodyPr spcFirstLastPara="1" wrap="square" lIns="45700" tIns="45700" rIns="45700" bIns="45700" anchor="ctr" anchorCtr="0">
-            <a:noAutofit/>
-          </a:bodyPr>
-          <a:lstStyle/>
-          <a:p>
-            <a:pPr marL="0" marR="0" lvl="0" indent="0" algn="ctr" rtl="0">
-              <a:lnSpc>
-                <a:spcPct val="100000"/>
-              </a:lnSpc>
-              <a:spcBef>
-                <a:spcPts val="0"/>
-              </a:spcBef>
-              <a:spcAft>
-                <a:spcPts val="0"/>
-              </a:spcAft>
-              <a:buClr>
-                <a:srgbClr val="FD5E5E"/>
-              </a:buClr>
-              <a:buSzPts val="1400"/>
-              <a:buFont typeface="Arial"/>
-              <a:buNone/>
-            </a:pPr>
-            <a:endParaRPr sz="1400" b="0" i="0" u="none" strike="noStrike" cap="none">
-              <a:solidFill>
-                <a:srgbClr val="FD5E5E"/>
-              </a:solidFill>
-              <a:latin typeface="Helvetica Neue" panose="02000503000000020004" pitchFamily="2" charset="0"/>
-              <a:ea typeface="Helvetica Neue" panose="02000503000000020004" pitchFamily="2" charset="0"/>
-              <a:cs typeface="Helvetica Neue" panose="02000503000000020004" pitchFamily="2" charset="0"/>
-              <a:sym typeface="Arial"/>
-            </a:endParaRPr>
-          </a:p>
-        </p:txBody>
-      </p:sp>
-      <p:sp>
-        <p:nvSpPr>
-          <p:cNvPr id="207" name="Google Shape;207;p9"/>
-          <p:cNvSpPr/>
-          <p:nvPr/>
-        </p:nvSpPr>
-        <p:spPr>
-          <a:xfrm>
-            <a:off x="10276009" y="7642786"/>
-            <a:ext cx="158705" cy="158705"/>
-          </a:xfrm>
-          <a:prstGeom prst="ellipse">
-            <a:avLst/>
-          </a:prstGeom>
-          <a:solidFill>
-            <a:srgbClr val="FD5E5E"/>
-          </a:solidFill>
-          <a:ln>
-            <a:noFill/>
-          </a:ln>
-        </p:spPr>
-        <p:txBody>
-          <a:bodyPr spcFirstLastPara="1" wrap="square" lIns="45700" tIns="45700" rIns="45700" bIns="45700" anchor="ctr" anchorCtr="0">
-            <a:noAutofit/>
-          </a:bodyPr>
-          <a:lstStyle/>
-          <a:p>
-            <a:pPr marL="0" marR="0" lvl="0" indent="0" algn="ctr" rtl="0">
-              <a:lnSpc>
-                <a:spcPct val="100000"/>
-              </a:lnSpc>
-              <a:spcBef>
-                <a:spcPts val="0"/>
-              </a:spcBef>
-              <a:spcAft>
-                <a:spcPts val="0"/>
-              </a:spcAft>
-              <a:buClr>
-                <a:srgbClr val="FD5E5E"/>
-              </a:buClr>
-              <a:buSzPts val="1400"/>
-              <a:buFont typeface="Arial"/>
-              <a:buNone/>
-            </a:pPr>
-            <a:endParaRPr sz="1400" b="0" i="0" u="none" strike="noStrike" cap="none">
-              <a:solidFill>
-                <a:srgbClr val="FD5E5E"/>
-              </a:solidFill>
-              <a:latin typeface="Helvetica Neue" panose="02000503000000020004" pitchFamily="2" charset="0"/>
-              <a:ea typeface="Helvetica Neue" panose="02000503000000020004" pitchFamily="2" charset="0"/>
-              <a:cs typeface="Helvetica Neue" panose="02000503000000020004" pitchFamily="2" charset="0"/>
-              <a:sym typeface="Arial"/>
-            </a:endParaRPr>
-          </a:p>
-        </p:txBody>
-      </p:sp>
-      <p:sp>
-        <p:nvSpPr>
-          <p:cNvPr id="208" name="Google Shape;208;p9"/>
-          <p:cNvSpPr/>
-          <p:nvPr/>
-        </p:nvSpPr>
-        <p:spPr>
-          <a:xfrm>
-            <a:off x="10276009" y="8629519"/>
-            <a:ext cx="158705" cy="158704"/>
-          </a:xfrm>
-          <a:prstGeom prst="ellipse">
-            <a:avLst/>
-          </a:prstGeom>
-          <a:solidFill>
-            <a:srgbClr val="FD5E5E"/>
-          </a:solidFill>
-          <a:ln>
-            <a:noFill/>
-          </a:ln>
-        </p:spPr>
-        <p:txBody>
-          <a:bodyPr spcFirstLastPara="1" wrap="square" lIns="45700" tIns="45700" rIns="45700" bIns="45700" anchor="ctr" anchorCtr="0">
-            <a:noAutofit/>
-          </a:bodyPr>
-          <a:lstStyle/>
-          <a:p>
-            <a:pPr marL="0" marR="0" lvl="0" indent="0" algn="ctr" rtl="0">
-              <a:lnSpc>
-                <a:spcPct val="100000"/>
-              </a:lnSpc>
-              <a:spcBef>
-                <a:spcPts val="0"/>
-              </a:spcBef>
-              <a:spcAft>
-                <a:spcPts val="0"/>
-              </a:spcAft>
-              <a:buClr>
-                <a:srgbClr val="FD5E5E"/>
-              </a:buClr>
-              <a:buSzPts val="1400"/>
-              <a:buFont typeface="Arial"/>
-              <a:buNone/>
-            </a:pPr>
-            <a:endParaRPr sz="1400" b="0" i="0" u="none" strike="noStrike" cap="none">
-              <a:solidFill>
-                <a:srgbClr val="FD5E5E"/>
-              </a:solidFill>
-              <a:latin typeface="Helvetica Neue" panose="02000503000000020004" pitchFamily="2" charset="0"/>
-              <a:ea typeface="Helvetica Neue" panose="02000503000000020004" pitchFamily="2" charset="0"/>
-              <a:cs typeface="Helvetica Neue" panose="02000503000000020004" pitchFamily="2" charset="0"/>
-              <a:sym typeface="Arial"/>
-            </a:endParaRPr>
-          </a:p>
-        </p:txBody>
-      </p:sp>
-      <p:sp>
-        <p:nvSpPr>
-          <p:cNvPr id="209" name="Google Shape;209;p9"/>
-          <p:cNvSpPr/>
-          <p:nvPr/>
-        </p:nvSpPr>
-        <p:spPr>
-          <a:xfrm>
-            <a:off x="10276009" y="9541819"/>
-            <a:ext cx="158705" cy="158705"/>
-          </a:xfrm>
-          <a:prstGeom prst="ellipse">
-            <a:avLst/>
-          </a:prstGeom>
-          <a:solidFill>
-            <a:srgbClr val="FD5E5E"/>
-          </a:solidFill>
-          <a:ln>
-            <a:noFill/>
-          </a:ln>
-        </p:spPr>
-        <p:txBody>
-          <a:bodyPr spcFirstLastPara="1" wrap="square" lIns="45700" tIns="45700" rIns="45700" bIns="45700" anchor="ctr" anchorCtr="0">
-            <a:noAutofit/>
-          </a:bodyPr>
-          <a:lstStyle/>
-          <a:p>
-            <a:pPr marL="0" marR="0" lvl="0" indent="0" algn="ctr" rtl="0">
-              <a:lnSpc>
-                <a:spcPct val="100000"/>
-              </a:lnSpc>
-              <a:spcBef>
-                <a:spcPts val="0"/>
-              </a:spcBef>
-              <a:spcAft>
-                <a:spcPts val="0"/>
-              </a:spcAft>
-              <a:buClr>
-                <a:srgbClr val="FD5E5E"/>
-              </a:buClr>
-              <a:buSzPts val="1400"/>
-              <a:buFont typeface="Arial"/>
-              <a:buNone/>
-            </a:pPr>
-            <a:endParaRPr sz="1400" b="0" i="0" u="none" strike="noStrike" cap="none">
-              <a:solidFill>
-                <a:srgbClr val="FD5E5E"/>
-              </a:solidFill>
-              <a:latin typeface="Helvetica Neue" panose="02000503000000020004" pitchFamily="2" charset="0"/>
-              <a:ea typeface="Helvetica Neue" panose="02000503000000020004" pitchFamily="2" charset="0"/>
-              <a:cs typeface="Helvetica Neue" panose="02000503000000020004" pitchFamily="2" charset="0"/>
-              <a:sym typeface="Arial"/>
-            </a:endParaRPr>
-          </a:p>
-        </p:txBody>
-      </p:sp>
-      <p:sp>
-        <p:nvSpPr>
-          <p:cNvPr id="210" name="Google Shape;210;p9"/>
-          <p:cNvSpPr txBox="1"/>
-          <p:nvPr/>
-        </p:nvSpPr>
-        <p:spPr>
-          <a:xfrm>
-            <a:off x="10599970" y="9372193"/>
-            <a:ext cx="4534502" cy="646240"/>
-          </a:xfrm>
-          <a:prstGeom prst="rect">
-            <a:avLst/>
-          </a:prstGeom>
-          <a:noFill/>
-          <a:ln>
-            <a:noFill/>
-          </a:ln>
-        </p:spPr>
-        <p:txBody>
-          <a:bodyPr spcFirstLastPara="1" wrap="square" lIns="45675" tIns="45675" rIns="45675" bIns="45675" anchor="t" anchorCtr="0">
-            <a:spAutoFit/>
-          </a:bodyPr>
-          <a:lstStyle/>
-          <a:p>
-            <a:pPr marL="0" marR="0" lvl="0" indent="0" algn="l" rtl="0">
-              <a:lnSpc>
-                <a:spcPct val="150000"/>
-              </a:lnSpc>
-              <a:spcBef>
-                <a:spcPts val="0"/>
-              </a:spcBef>
-              <a:spcAft>
-                <a:spcPts val="0"/>
-              </a:spcAft>
-              <a:buClr>
-                <a:srgbClr val="FFFFFF"/>
-              </a:buClr>
-              <a:buSzPts val="2400"/>
-              <a:buFont typeface="Arial"/>
-              <a:buNone/>
-            </a:pPr>
-            <a:r>
-              <a:rPr lang="ru-RU" sz="2400" b="0" i="0" u="none" strike="noStrike" cap="none" dirty="0">
-                <a:solidFill>
-                  <a:srgbClr val="FFFFFF"/>
-                </a:solidFill>
-                <a:latin typeface="Helvetica Neue" panose="02000503000000020004" pitchFamily="2" charset="0"/>
-                <a:ea typeface="Helvetica Neue" panose="02000503000000020004" pitchFamily="2" charset="0"/>
-                <a:cs typeface="Helvetica Neue" panose="02000503000000020004" pitchFamily="2" charset="0"/>
-                <a:sym typeface="Arial"/>
-              </a:rPr>
-              <a:t>Мобильная разработка</a:t>
-            </a:r>
-            <a:endParaRPr dirty="0">
-              <a:latin typeface="Helvetica Neue" panose="02000503000000020004" pitchFamily="2" charset="0"/>
-              <a:ea typeface="Helvetica Neue" panose="02000503000000020004" pitchFamily="2" charset="0"/>
-              <a:cs typeface="Helvetica Neue" panose="02000503000000020004" pitchFamily="2" charset="0"/>
-            </a:endParaRPr>
-          </a:p>
-        </p:txBody>
-      </p:sp>
-      <p:sp>
-        <p:nvSpPr>
-          <p:cNvPr id="211" name="Google Shape;211;p9"/>
-          <p:cNvSpPr txBox="1"/>
-          <p:nvPr/>
-        </p:nvSpPr>
-        <p:spPr>
-          <a:xfrm>
-            <a:off x="10599959" y="7456696"/>
-            <a:ext cx="4838239" cy="646240"/>
-          </a:xfrm>
-          <a:prstGeom prst="rect">
-            <a:avLst/>
-          </a:prstGeom>
-          <a:noFill/>
-          <a:ln>
-            <a:noFill/>
-          </a:ln>
-        </p:spPr>
-        <p:txBody>
-          <a:bodyPr spcFirstLastPara="1" wrap="square" lIns="45675" tIns="45675" rIns="45675" bIns="45675" anchor="t" anchorCtr="0">
-            <a:spAutoFit/>
-          </a:bodyPr>
-          <a:lstStyle/>
-          <a:p>
-            <a:pPr marL="0" marR="0" lvl="0" indent="0" algn="l" rtl="0">
-              <a:lnSpc>
-                <a:spcPct val="150000"/>
-              </a:lnSpc>
-              <a:spcBef>
-                <a:spcPts val="0"/>
-              </a:spcBef>
-              <a:spcAft>
-                <a:spcPts val="0"/>
-              </a:spcAft>
-              <a:buClr>
-                <a:srgbClr val="FFFFFF"/>
-              </a:buClr>
-              <a:buSzPts val="2400"/>
-              <a:buFont typeface="Arial"/>
-              <a:buNone/>
-            </a:pPr>
-            <a:r>
-              <a:rPr lang="ru-RU" sz="2400" b="0" i="0" u="none" strike="noStrike" cap="none" dirty="0">
-                <a:solidFill>
-                  <a:srgbClr val="FFFFFF"/>
-                </a:solidFill>
-                <a:latin typeface="Helvetica Neue" panose="02000503000000020004" pitchFamily="2" charset="0"/>
-                <a:ea typeface="Helvetica Neue" panose="02000503000000020004" pitchFamily="2" charset="0"/>
-                <a:cs typeface="Helvetica Neue" panose="02000503000000020004" pitchFamily="2" charset="0"/>
-                <a:sym typeface="Arial"/>
-              </a:rPr>
-              <a:t>Системное администрирование</a:t>
-            </a:r>
-            <a:endParaRPr dirty="0">
-              <a:latin typeface="Helvetica Neue" panose="02000503000000020004" pitchFamily="2" charset="0"/>
-              <a:ea typeface="Helvetica Neue" panose="02000503000000020004" pitchFamily="2" charset="0"/>
-              <a:cs typeface="Helvetica Neue" panose="02000503000000020004" pitchFamily="2" charset="0"/>
-            </a:endParaRPr>
-          </a:p>
-        </p:txBody>
-      </p:sp>
-      <p:sp>
-        <p:nvSpPr>
-          <p:cNvPr id="213" name="Google Shape;213;p9"/>
-          <p:cNvSpPr txBox="1"/>
-          <p:nvPr/>
-        </p:nvSpPr>
-        <p:spPr>
-          <a:xfrm>
-            <a:off x="1492539" y="8141527"/>
-            <a:ext cx="6211493" cy="1224860"/>
-          </a:xfrm>
-          <a:prstGeom prst="rect">
-            <a:avLst/>
-          </a:prstGeom>
-          <a:noFill/>
-          <a:ln>
-            <a:noFill/>
-          </a:ln>
-        </p:spPr>
-        <p:txBody>
-          <a:bodyPr spcFirstLastPara="1" wrap="square" lIns="45675" tIns="45675" rIns="45675" bIns="45675" anchor="t" anchorCtr="0">
-            <a:spAutoFit/>
-          </a:bodyPr>
-          <a:lstStyle/>
-          <a:p>
-            <a:pPr marL="0" marR="0" lvl="0" indent="0" algn="l" rtl="0">
-              <a:lnSpc>
-                <a:spcPct val="115000"/>
-              </a:lnSpc>
-              <a:spcBef>
-                <a:spcPts val="0"/>
-              </a:spcBef>
-              <a:spcAft>
-                <a:spcPts val="0"/>
-              </a:spcAft>
-              <a:buClr>
-                <a:srgbClr val="FD5E5E"/>
-              </a:buClr>
-              <a:buSzPts val="3200"/>
-              <a:buFont typeface="Arial"/>
-              <a:buNone/>
-            </a:pPr>
-            <a:r>
-              <a:rPr lang="en-US" sz="3200" b="0" i="0" u="none" strike="noStrike" cap="none" dirty="0">
-                <a:solidFill>
-                  <a:srgbClr val="FD5E5E"/>
-                </a:solidFill>
-                <a:latin typeface="Helvetica Neue" panose="02000503000000020004" pitchFamily="2" charset="0"/>
-                <a:ea typeface="Helvetica Neue" panose="02000503000000020004" pitchFamily="2" charset="0"/>
-                <a:cs typeface="Helvetica Neue" panose="02000503000000020004" pitchFamily="2" charset="0"/>
-                <a:sym typeface="Arial"/>
-              </a:rPr>
-              <a:t>Backend Developer</a:t>
-            </a:r>
-          </a:p>
-          <a:p>
-            <a:pPr marL="0" marR="0" lvl="0" indent="0" algn="l" rtl="0">
-              <a:lnSpc>
-                <a:spcPct val="115000"/>
-              </a:lnSpc>
-              <a:spcBef>
-                <a:spcPts val="0"/>
-              </a:spcBef>
-              <a:spcAft>
-                <a:spcPts val="0"/>
-              </a:spcAft>
-              <a:buClr>
-                <a:srgbClr val="FD5E5E"/>
-              </a:buClr>
-              <a:buSzPts val="3200"/>
-              <a:buFont typeface="Arial"/>
-              <a:buNone/>
-            </a:pPr>
-            <a:r>
-              <a:rPr lang="en-US" sz="3200" dirty="0">
-                <a:solidFill>
-                  <a:srgbClr val="FD5E5E"/>
-                </a:solidFill>
-                <a:latin typeface="Helvetica Neue" panose="02000503000000020004" pitchFamily="2" charset="0"/>
-                <a:ea typeface="Helvetica Neue" panose="02000503000000020004" pitchFamily="2" charset="0"/>
-                <a:cs typeface="Helvetica Neue" panose="02000503000000020004" pitchFamily="2" charset="0"/>
-              </a:rPr>
-              <a:t>Mail.ru Group</a:t>
-            </a:r>
-            <a:endParaRPr dirty="0">
-              <a:latin typeface="Helvetica Neue" panose="02000503000000020004" pitchFamily="2" charset="0"/>
-              <a:ea typeface="Helvetica Neue" panose="02000503000000020004" pitchFamily="2" charset="0"/>
-              <a:cs typeface="Helvetica Neue" panose="02000503000000020004" pitchFamily="2" charset="0"/>
-            </a:endParaRPr>
-          </a:p>
-        </p:txBody>
-      </p:sp>
-      <p:pic>
-        <p:nvPicPr>
-          <p:cNvPr id="217" name="Google Shape;217;p9" descr="skillbox White.png"/>
-          <p:cNvPicPr preferRelativeResize="0"/>
-          <p:nvPr/>
-        </p:nvPicPr>
-        <p:blipFill rotWithShape="1">
-          <a:blip r:embed="rId3">
-            <a:alphaModFix/>
-          </a:blip>
-          <a:srcRect/>
-          <a:stretch/>
-        </p:blipFill>
-        <p:spPr>
-          <a:xfrm>
-            <a:off x="1283893" y="1341577"/>
-            <a:ext cx="2032002" cy="457202"/>
-          </a:xfrm>
-          <a:prstGeom prst="rect">
-            <a:avLst/>
-          </a:prstGeom>
-          <a:noFill/>
-          <a:ln>
-            <a:noFill/>
-          </a:ln>
-        </p:spPr>
-      </p:pic>
-      <p:pic>
-        <p:nvPicPr>
-          <p:cNvPr id="21" name="Picture 20">
-            <a:extLst>
-              <a:ext uri="{FF2B5EF4-FFF2-40B4-BE49-F238E27FC236}">
-                <a16:creationId xmlns:a16="http://schemas.microsoft.com/office/drawing/2014/main" id="{33A8C0A3-9F2A-0A4F-86EC-0087A56D47E4}"/>
-              </a:ext>
-            </a:extLst>
-          </p:cNvPr>
-          <p:cNvPicPr>
-            <a:picLocks noChangeAspect="1"/>
-          </p:cNvPicPr>
-          <p:nvPr/>
-        </p:nvPicPr>
-        <p:blipFill>
-          <a:blip r:embed="rId4">
-            <a:extLst>
-              <a:ext uri="{28A0092B-C50C-407E-A947-70E740481C1C}">
-                <a14:useLocalDpi xmlns:a14="http://schemas.microsoft.com/office/drawing/2010/main" val="0"/>
-              </a:ext>
-            </a:extLst>
-          </a:blip>
-          <a:stretch>
-            <a:fillRect/>
-          </a:stretch>
-        </p:blipFill>
-        <p:spPr>
-          <a:xfrm>
-            <a:off x="3773496" y="1222971"/>
-            <a:ext cx="2395001" cy="770614"/>
-          </a:xfrm>
-          <a:prstGeom prst="rect">
-            <a:avLst/>
-          </a:prstGeom>
-        </p:spPr>
-      </p:pic>
-      <p:sp>
-        <p:nvSpPr>
-          <p:cNvPr id="22" name="Google Shape;308;p16">
-            <a:extLst>
-              <a:ext uri="{FF2B5EF4-FFF2-40B4-BE49-F238E27FC236}">
-                <a16:creationId xmlns:a16="http://schemas.microsoft.com/office/drawing/2014/main" id="{1F0425BD-3225-A048-9EC7-B15ECA2DF1ED}"/>
-              </a:ext>
-            </a:extLst>
-          </p:cNvPr>
-          <p:cNvSpPr txBox="1"/>
-          <p:nvPr/>
-        </p:nvSpPr>
-        <p:spPr>
-          <a:xfrm>
-            <a:off x="3354044" y="1232484"/>
-            <a:ext cx="381303" cy="656590"/>
-          </a:xfrm>
-          <a:prstGeom prst="rect">
-            <a:avLst/>
-          </a:prstGeom>
-          <a:noFill/>
-          <a:ln>
-            <a:noFill/>
-          </a:ln>
-        </p:spPr>
-        <p:txBody>
-          <a:bodyPr spcFirstLastPara="1" wrap="square" lIns="50800" tIns="50800" rIns="50800" bIns="50800" anchor="ctr" anchorCtr="0">
-            <a:spAutoFit/>
-          </a:bodyPr>
-          <a:lstStyle/>
-          <a:p>
-            <a:pPr marL="0" marR="0" lvl="0" indent="0" algn="ctr" rtl="0">
-              <a:lnSpc>
-                <a:spcPct val="100000"/>
-              </a:lnSpc>
-              <a:spcBef>
-                <a:spcPts val="0"/>
-              </a:spcBef>
-              <a:spcAft>
-                <a:spcPts val="0"/>
-              </a:spcAft>
-              <a:buClr>
-                <a:srgbClr val="FFFFFF"/>
-              </a:buClr>
-              <a:buSzPts val="3600"/>
-              <a:buFont typeface="Open Sans Light"/>
-              <a:buNone/>
-            </a:pPr>
-            <a:r>
-              <a:rPr lang="en-US" sz="3600" b="0" i="0" u="none" strike="noStrike" cap="none" dirty="0">
-                <a:solidFill>
-                  <a:srgbClr val="FFFFFF"/>
-                </a:solidFill>
-                <a:latin typeface="Helvetica Neue" panose="02000503000000020004" pitchFamily="2" charset="0"/>
-                <a:ea typeface="Helvetica Neue" panose="02000503000000020004" pitchFamily="2" charset="0"/>
-                <a:cs typeface="Helvetica Neue" panose="02000503000000020004" pitchFamily="2" charset="0"/>
-                <a:sym typeface="Open Sans Light"/>
-              </a:rPr>
-              <a:t>+</a:t>
-            </a:r>
-            <a:endParaRPr dirty="0">
-              <a:latin typeface="Helvetica Neue" panose="02000503000000020004" pitchFamily="2" charset="0"/>
-              <a:ea typeface="Helvetica Neue" panose="02000503000000020004" pitchFamily="2" charset="0"/>
-              <a:cs typeface="Helvetica Neue" panose="02000503000000020004" pitchFamily="2" charset="0"/>
-            </a:endParaRPr>
-          </a:p>
-        </p:txBody>
-      </p:sp>
-      <p:pic>
-        <p:nvPicPr>
-          <p:cNvPr id="19" name="Picture 18">
-            <a:extLst>
-              <a:ext uri="{FF2B5EF4-FFF2-40B4-BE49-F238E27FC236}">
-                <a16:creationId xmlns:a16="http://schemas.microsoft.com/office/drawing/2014/main" id="{EB27365E-CB67-EC4C-A044-3CA1C6112CEB}"/>
-              </a:ext>
-            </a:extLst>
-          </p:cNvPr>
-          <p:cNvPicPr>
-            <a:picLocks noChangeAspect="1"/>
-          </p:cNvPicPr>
-          <p:nvPr/>
-        </p:nvPicPr>
-        <p:blipFill>
-          <a:blip r:embed="rId5"/>
-          <a:stretch>
-            <a:fillRect/>
-          </a:stretch>
-        </p:blipFill>
-        <p:spPr>
-          <a:xfrm>
-            <a:off x="1409413" y="2874815"/>
-            <a:ext cx="3641615" cy="3641615"/>
-          </a:xfrm>
-          <a:prstGeom prst="ellipse">
-            <a:avLst/>
-          </a:prstGeom>
-        </p:spPr>
-      </p:pic>
-    </p:spTree>
-  </p:cSld>
-  <p:clrMapOvr>
-    <a:masterClrMapping/>
-  </p:clrMapOvr>
-</p:sld>
-</file>
-
-<file path=ppt/slides/slide3.xml><?xml version="1.0" encoding="utf-8"?>
-<p:sld xmlns:a="http://schemas.openxmlformats.org/drawingml/2006/main" xmlns:r="http://schemas.openxmlformats.org/officeDocument/2006/relationships" xmlns:p="http://schemas.openxmlformats.org/presentationml/2006/main">
-  <p:cSld>
-    <p:bg>
-      <p:bgPr>
-        <a:solidFill>
-          <a:srgbClr val="4B0489"/>
-        </a:solidFill>
-        <a:effectLst/>
-      </p:bgPr>
-    </p:bg>
-    <p:spTree>
-      <p:nvGrpSpPr>
-        <p:cNvPr id="1" name="Shape 266"/>
-        <p:cNvGrpSpPr/>
-        <p:nvPr/>
-      </p:nvGrpSpPr>
-      <p:grpSpPr>
-        <a:xfrm>
-          <a:off x="0" y="0"/>
-          <a:ext cx="0" cy="0"/>
-          <a:chOff x="0" y="0"/>
-          <a:chExt cx="0" cy="0"/>
-        </a:xfrm>
-      </p:grpSpPr>
-      <p:sp>
-        <p:nvSpPr>
-          <p:cNvPr id="267" name="Google Shape;267;p12"/>
-          <p:cNvSpPr txBox="1"/>
-          <p:nvPr/>
-        </p:nvSpPr>
-        <p:spPr>
-          <a:xfrm>
-            <a:off x="15097998" y="6348716"/>
-            <a:ext cx="5429185" cy="1390099"/>
-          </a:xfrm>
-          <a:prstGeom prst="rect">
-            <a:avLst/>
-          </a:prstGeom>
-          <a:noFill/>
-          <a:ln>
-            <a:noFill/>
-          </a:ln>
-        </p:spPr>
-        <p:txBody>
-          <a:bodyPr spcFirstLastPara="1" wrap="square" lIns="71425" tIns="71425" rIns="71425" bIns="71425" anchor="ctr" anchorCtr="0">
-            <a:spAutoFit/>
-          </a:bodyPr>
-          <a:lstStyle/>
-          <a:p>
-            <a:pPr marL="0" marR="0" lvl="0" indent="0" algn="l" rtl="0">
-              <a:lnSpc>
-                <a:spcPct val="253333"/>
-              </a:lnSpc>
-              <a:spcBef>
-                <a:spcPts val="0"/>
-              </a:spcBef>
-              <a:spcAft>
-                <a:spcPts val="0"/>
-              </a:spcAft>
-              <a:buClr>
-                <a:srgbClr val="EDF7FF"/>
-              </a:buClr>
-              <a:buSzPts val="3200"/>
-              <a:buFont typeface="Arial"/>
-              <a:buNone/>
-            </a:pPr>
-            <a:r>
-              <a:rPr lang="en-US" sz="3200" b="0" i="0" u="none" strike="noStrike" cap="none">
-                <a:solidFill>
-                  <a:srgbClr val="EDF7FF"/>
-                </a:solidFill>
-                <a:latin typeface="Helvetica Neue" panose="02000503000000020004" pitchFamily="2" charset="0"/>
-                <a:ea typeface="Helvetica Neue" panose="02000503000000020004" pitchFamily="2" charset="0"/>
-                <a:cs typeface="Helvetica Neue" panose="02000503000000020004" pitchFamily="2" charset="0"/>
-                <a:sym typeface="Arial"/>
-              </a:rPr>
-              <a:t>Есть вопрос?</a:t>
-            </a:r>
-            <a:endParaRPr>
-              <a:latin typeface="Helvetica Neue" panose="02000503000000020004" pitchFamily="2" charset="0"/>
-              <a:ea typeface="Helvetica Neue" panose="02000503000000020004" pitchFamily="2" charset="0"/>
-              <a:cs typeface="Helvetica Neue" panose="02000503000000020004" pitchFamily="2" charset="0"/>
-            </a:endParaRPr>
-          </a:p>
-        </p:txBody>
-      </p:sp>
-      <p:sp>
-        <p:nvSpPr>
-          <p:cNvPr id="268" name="Google Shape;268;p12"/>
-          <p:cNvSpPr txBox="1"/>
-          <p:nvPr/>
-        </p:nvSpPr>
-        <p:spPr>
-          <a:xfrm>
-            <a:off x="15097998" y="7611756"/>
-            <a:ext cx="6889617" cy="1473840"/>
-          </a:xfrm>
-          <a:prstGeom prst="rect">
-            <a:avLst/>
-          </a:prstGeom>
-          <a:noFill/>
-          <a:ln>
-            <a:noFill/>
-          </a:ln>
-        </p:spPr>
-        <p:txBody>
-          <a:bodyPr spcFirstLastPara="1" wrap="square" lIns="71425" tIns="71425" rIns="71425" bIns="71425" anchor="t" anchorCtr="0">
-            <a:spAutoFit/>
-          </a:bodyPr>
-          <a:lstStyle/>
-          <a:p>
-            <a:pPr marL="0" marR="0" lvl="0" indent="0" algn="l" rtl="0">
-              <a:lnSpc>
-                <a:spcPct val="120000"/>
-              </a:lnSpc>
-              <a:spcBef>
-                <a:spcPts val="0"/>
-              </a:spcBef>
-              <a:spcAft>
-                <a:spcPts val="0"/>
-              </a:spcAft>
-              <a:buClr>
-                <a:srgbClr val="FFFFFF"/>
-              </a:buClr>
-              <a:buSzPts val="2400"/>
-              <a:buFont typeface="Arial"/>
-              <a:buNone/>
-            </a:pPr>
-            <a:r>
-              <a:rPr lang="en-US" sz="2400" b="0" i="0" u="none" strike="noStrike" cap="none">
-                <a:solidFill>
-                  <a:srgbClr val="FFFFFF"/>
-                </a:solidFill>
-                <a:latin typeface="Helvetica Neue" panose="02000503000000020004" pitchFamily="2" charset="0"/>
-                <a:ea typeface="Helvetica Neue" panose="02000503000000020004" pitchFamily="2" charset="0"/>
-                <a:cs typeface="Helvetica Neue" panose="02000503000000020004" pitchFamily="2" charset="0"/>
-                <a:sym typeface="Arial"/>
-              </a:rPr>
-              <a:t>Задайте его в комментариях —</a:t>
-            </a:r>
-            <a:endParaRPr>
-              <a:latin typeface="Helvetica Neue" panose="02000503000000020004" pitchFamily="2" charset="0"/>
-              <a:ea typeface="Helvetica Neue" panose="02000503000000020004" pitchFamily="2" charset="0"/>
-              <a:cs typeface="Helvetica Neue" panose="02000503000000020004" pitchFamily="2" charset="0"/>
-            </a:endParaRPr>
-          </a:p>
-          <a:p>
-            <a:pPr marL="0" marR="0" lvl="0" indent="0" algn="l" rtl="0">
-              <a:lnSpc>
-                <a:spcPct val="120000"/>
-              </a:lnSpc>
-              <a:spcBef>
-                <a:spcPts val="0"/>
-              </a:spcBef>
-              <a:spcAft>
-                <a:spcPts val="0"/>
-              </a:spcAft>
-              <a:buClr>
-                <a:srgbClr val="FFFFFF"/>
-              </a:buClr>
-              <a:buSzPts val="2400"/>
-              <a:buFont typeface="Arial"/>
-              <a:buNone/>
-            </a:pPr>
-            <a:r>
-              <a:rPr lang="en-US" sz="2400" b="0" i="0" u="none" strike="noStrike" cap="none">
-                <a:solidFill>
-                  <a:srgbClr val="FFFFFF"/>
-                </a:solidFill>
-                <a:latin typeface="Helvetica Neue" panose="02000503000000020004" pitchFamily="2" charset="0"/>
-                <a:ea typeface="Helvetica Neue" panose="02000503000000020004" pitchFamily="2" charset="0"/>
-                <a:cs typeface="Helvetica Neue" panose="02000503000000020004" pitchFamily="2" charset="0"/>
-                <a:sym typeface="Arial"/>
-              </a:rPr>
-              <a:t>в конце мастер-класса</a:t>
-            </a:r>
-            <a:endParaRPr>
-              <a:latin typeface="Helvetica Neue" panose="02000503000000020004" pitchFamily="2" charset="0"/>
-              <a:ea typeface="Helvetica Neue" panose="02000503000000020004" pitchFamily="2" charset="0"/>
-              <a:cs typeface="Helvetica Neue" panose="02000503000000020004" pitchFamily="2" charset="0"/>
-            </a:endParaRPr>
-          </a:p>
-          <a:p>
-            <a:pPr marL="0" marR="0" lvl="0" indent="0" algn="l" rtl="0">
-              <a:lnSpc>
-                <a:spcPct val="120000"/>
-              </a:lnSpc>
-              <a:spcBef>
-                <a:spcPts val="0"/>
-              </a:spcBef>
-              <a:spcAft>
-                <a:spcPts val="0"/>
-              </a:spcAft>
-              <a:buClr>
-                <a:srgbClr val="FFFFFF"/>
-              </a:buClr>
-              <a:buSzPts val="2400"/>
-              <a:buFont typeface="Arial"/>
-              <a:buNone/>
-            </a:pPr>
-            <a:r>
-              <a:rPr lang="en-US" sz="2400" b="0" i="0" u="none" strike="noStrike" cap="none">
-                <a:solidFill>
-                  <a:srgbClr val="FFFFFF"/>
-                </a:solidFill>
-                <a:latin typeface="Helvetica Neue" panose="02000503000000020004" pitchFamily="2" charset="0"/>
-                <a:ea typeface="Helvetica Neue" panose="02000503000000020004" pitchFamily="2" charset="0"/>
-                <a:cs typeface="Helvetica Neue" panose="02000503000000020004" pitchFamily="2" charset="0"/>
-                <a:sym typeface="Arial"/>
-              </a:rPr>
-              <a:t>мы ответим на него</a:t>
-            </a:r>
-            <a:endParaRPr>
-              <a:latin typeface="Helvetica Neue" panose="02000503000000020004" pitchFamily="2" charset="0"/>
-              <a:ea typeface="Helvetica Neue" panose="02000503000000020004" pitchFamily="2" charset="0"/>
-              <a:cs typeface="Helvetica Neue" panose="02000503000000020004" pitchFamily="2" charset="0"/>
-            </a:endParaRPr>
-          </a:p>
-        </p:txBody>
-      </p:sp>
-      <p:sp>
-        <p:nvSpPr>
-          <p:cNvPr id="269" name="Google Shape;269;p12"/>
-          <p:cNvSpPr txBox="1"/>
-          <p:nvPr/>
-        </p:nvSpPr>
-        <p:spPr>
-          <a:xfrm>
-            <a:off x="1152974" y="2760386"/>
-            <a:ext cx="16375421" cy="1375351"/>
-          </a:xfrm>
-          <a:prstGeom prst="rect">
-            <a:avLst/>
-          </a:prstGeom>
-          <a:noFill/>
-          <a:ln>
-            <a:noFill/>
-          </a:ln>
-        </p:spPr>
-        <p:txBody>
-          <a:bodyPr spcFirstLastPara="1" wrap="square" lIns="71425" tIns="71425" rIns="71425" bIns="71425" anchor="ctr" anchorCtr="0">
-            <a:spAutoFit/>
-          </a:bodyPr>
-          <a:lstStyle/>
-          <a:p>
-            <a:pPr marL="0" marR="0" lvl="0" indent="0" algn="l" rtl="0">
-              <a:lnSpc>
-                <a:spcPct val="100000"/>
-              </a:lnSpc>
-              <a:spcBef>
-                <a:spcPts val="0"/>
-              </a:spcBef>
-              <a:spcAft>
-                <a:spcPts val="0"/>
-              </a:spcAft>
-              <a:buClr>
-                <a:srgbClr val="FFFFFF"/>
-              </a:buClr>
-              <a:buSzPts val="8000"/>
-              <a:buFont typeface="Arial"/>
-              <a:buNone/>
-            </a:pPr>
-            <a:r>
-              <a:rPr lang="en-US" sz="8000" b="0" i="0" u="none" strike="noStrike" cap="none">
-                <a:solidFill>
-                  <a:srgbClr val="FFFFFF"/>
-                </a:solidFill>
-                <a:latin typeface="Helvetica Neue" panose="02000503000000020004" pitchFamily="2" charset="0"/>
-                <a:ea typeface="Helvetica Neue" panose="02000503000000020004" pitchFamily="2" charset="0"/>
-                <a:cs typeface="Helvetica Neue" panose="02000503000000020004" pitchFamily="2" charset="0"/>
-                <a:sym typeface="Arial"/>
-              </a:rPr>
-              <a:t>Сегодня вы узнаете</a:t>
-            </a:r>
-            <a:endParaRPr>
-              <a:latin typeface="Helvetica Neue" panose="02000503000000020004" pitchFamily="2" charset="0"/>
-              <a:ea typeface="Helvetica Neue" panose="02000503000000020004" pitchFamily="2" charset="0"/>
-              <a:cs typeface="Helvetica Neue" panose="02000503000000020004" pitchFamily="2" charset="0"/>
-            </a:endParaRPr>
-          </a:p>
-        </p:txBody>
-      </p:sp>
-      <p:sp>
-        <p:nvSpPr>
-          <p:cNvPr id="270" name="Google Shape;270;p12"/>
-          <p:cNvSpPr txBox="1"/>
-          <p:nvPr/>
-        </p:nvSpPr>
-        <p:spPr>
-          <a:xfrm>
-            <a:off x="1195305" y="4820077"/>
-            <a:ext cx="11038548" cy="4376173"/>
-          </a:xfrm>
-          <a:prstGeom prst="rect">
-            <a:avLst/>
-          </a:prstGeom>
-          <a:noFill/>
-          <a:ln>
-            <a:noFill/>
-          </a:ln>
-        </p:spPr>
-        <p:txBody>
-          <a:bodyPr spcFirstLastPara="1" wrap="square" lIns="71425" tIns="71425" rIns="71425" bIns="71425" anchor="t" anchorCtr="0">
-            <a:spAutoFit/>
-          </a:bodyPr>
-          <a:lstStyle/>
-          <a:p>
-            <a:pPr marL="457200" lvl="0" indent="-457200">
-              <a:lnSpc>
-                <a:spcPct val="250000"/>
-              </a:lnSpc>
-              <a:buClr>
-                <a:srgbClr val="FFFFFF"/>
-              </a:buClr>
-              <a:buSzPts val="2400"/>
-              <a:buFont typeface="Arial"/>
-              <a:buChar char="•"/>
-            </a:pPr>
-            <a:r>
-              <a:rPr lang="ru-RU" sz="2400" dirty="0">
-                <a:solidFill>
-                  <a:srgbClr val="FFFFFF"/>
-                </a:solidFill>
-                <a:latin typeface="Helvetica Neue" panose="02000503000000020004" pitchFamily="2" charset="0"/>
-                <a:ea typeface="Helvetica Neue" panose="02000503000000020004" pitchFamily="2" charset="0"/>
-                <a:cs typeface="Helvetica Neue" panose="02000503000000020004" pitchFamily="2" charset="0"/>
-              </a:rPr>
-              <a:t>Что такое язык Python </a:t>
-            </a:r>
-          </a:p>
-          <a:p>
-            <a:pPr marL="457200" lvl="0" indent="-457200">
-              <a:lnSpc>
-                <a:spcPct val="250000"/>
-              </a:lnSpc>
-              <a:buClr>
-                <a:srgbClr val="FFFFFF"/>
-              </a:buClr>
-              <a:buSzPts val="2400"/>
-              <a:buFont typeface="Arial"/>
-              <a:buChar char="•"/>
-            </a:pPr>
-            <a:r>
-              <a:rPr lang="ru-RU" sz="2400" dirty="0">
-                <a:solidFill>
-                  <a:srgbClr val="FFFFFF"/>
-                </a:solidFill>
-                <a:latin typeface="Helvetica Neue" panose="02000503000000020004" pitchFamily="2" charset="0"/>
-                <a:ea typeface="Helvetica Neue" panose="02000503000000020004" pitchFamily="2" charset="0"/>
-                <a:cs typeface="Helvetica Neue" panose="02000503000000020004" pitchFamily="2" charset="0"/>
-              </a:rPr>
-              <a:t>Как устроен код </a:t>
-            </a:r>
-          </a:p>
-          <a:p>
-            <a:pPr marL="457200" lvl="0" indent="-457200">
-              <a:lnSpc>
-                <a:spcPct val="250000"/>
-              </a:lnSpc>
-              <a:buClr>
-                <a:srgbClr val="FFFFFF"/>
-              </a:buClr>
-              <a:buSzPts val="2400"/>
-              <a:buFont typeface="Arial"/>
-              <a:buChar char="•"/>
-            </a:pPr>
-            <a:r>
-              <a:rPr lang="ru-RU" sz="2400" dirty="0">
-                <a:solidFill>
-                  <a:srgbClr val="FFFFFF"/>
-                </a:solidFill>
-                <a:latin typeface="Helvetica Neue" panose="02000503000000020004" pitchFamily="2" charset="0"/>
-                <a:ea typeface="Helvetica Neue" panose="02000503000000020004" pitchFamily="2" charset="0"/>
-                <a:cs typeface="Helvetica Neue" panose="02000503000000020004" pitchFamily="2" charset="0"/>
-              </a:rPr>
-              <a:t>Основные конструкции в программировании</a:t>
-            </a:r>
-          </a:p>
-          <a:p>
-            <a:pPr marL="457200" lvl="0" indent="-457200">
-              <a:lnSpc>
-                <a:spcPct val="250000"/>
-              </a:lnSpc>
-              <a:buClr>
-                <a:srgbClr val="FFFFFF"/>
-              </a:buClr>
-              <a:buSzPts val="2400"/>
-              <a:buFont typeface="Arial"/>
-              <a:buChar char="•"/>
-            </a:pPr>
-            <a:r>
-              <a:rPr lang="ru-RU" sz="2400" dirty="0">
-                <a:solidFill>
-                  <a:srgbClr val="FFFFFF"/>
-                </a:solidFill>
-                <a:latin typeface="Helvetica Neue" panose="02000503000000020004" pitchFamily="2" charset="0"/>
-                <a:ea typeface="Helvetica Neue" panose="02000503000000020004" pitchFamily="2" charset="0"/>
-                <a:cs typeface="Helvetica Neue" panose="02000503000000020004" pitchFamily="2" charset="0"/>
-              </a:rPr>
-              <a:t>Как устроены голосовые помощники</a:t>
-            </a:r>
-          </a:p>
-          <a:p>
-            <a:pPr marL="457200" lvl="0" indent="-457200">
-              <a:lnSpc>
-                <a:spcPct val="250000"/>
-              </a:lnSpc>
-              <a:buClr>
-                <a:srgbClr val="FFFFFF"/>
-              </a:buClr>
-              <a:buSzPts val="2400"/>
-              <a:buFont typeface="Arial"/>
-              <a:buChar char="•"/>
-            </a:pPr>
-            <a:endParaRPr dirty="0">
-              <a:latin typeface="Helvetica Neue" panose="02000503000000020004" pitchFamily="2" charset="0"/>
-              <a:ea typeface="Helvetica Neue" panose="02000503000000020004" pitchFamily="2" charset="0"/>
-              <a:cs typeface="Helvetica Neue" panose="02000503000000020004" pitchFamily="2" charset="0"/>
-            </a:endParaRPr>
-          </a:p>
-        </p:txBody>
-      </p:sp>
-      <p:pic>
-        <p:nvPicPr>
-          <p:cNvPr id="273" name="Google Shape;273;p12" descr="skillbox White.png"/>
-          <p:cNvPicPr preferRelativeResize="0"/>
-          <p:nvPr/>
-        </p:nvPicPr>
-        <p:blipFill rotWithShape="1">
-          <a:blip r:embed="rId3">
-            <a:alphaModFix/>
-          </a:blip>
-          <a:srcRect/>
-          <a:stretch/>
-        </p:blipFill>
-        <p:spPr>
-          <a:xfrm>
-            <a:off x="1283893" y="1341577"/>
-            <a:ext cx="2032002" cy="457202"/>
-          </a:xfrm>
-          <a:prstGeom prst="rect">
-            <a:avLst/>
-          </a:prstGeom>
-          <a:noFill/>
-          <a:ln>
-            <a:noFill/>
-          </a:ln>
-        </p:spPr>
-      </p:pic>
-      <p:pic>
-        <p:nvPicPr>
-          <p:cNvPr id="9" name="Picture 8">
-            <a:extLst>
-              <a:ext uri="{FF2B5EF4-FFF2-40B4-BE49-F238E27FC236}">
-                <a16:creationId xmlns:a16="http://schemas.microsoft.com/office/drawing/2014/main" id="{6E423AB6-8FCE-5B4F-AAC1-F8899CAA7371}"/>
-              </a:ext>
-            </a:extLst>
-          </p:cNvPr>
-          <p:cNvPicPr>
-            <a:picLocks noChangeAspect="1"/>
-          </p:cNvPicPr>
-          <p:nvPr/>
-        </p:nvPicPr>
-        <p:blipFill>
-          <a:blip r:embed="rId4">
-            <a:extLst>
-              <a:ext uri="{28A0092B-C50C-407E-A947-70E740481C1C}">
-                <a14:useLocalDpi xmlns:a14="http://schemas.microsoft.com/office/drawing/2010/main" val="0"/>
-              </a:ext>
-            </a:extLst>
-          </a:blip>
-          <a:stretch>
-            <a:fillRect/>
-          </a:stretch>
-        </p:blipFill>
-        <p:spPr>
-          <a:xfrm>
-            <a:off x="3773496" y="1222971"/>
-            <a:ext cx="2395001" cy="770614"/>
-          </a:xfrm>
-          <a:prstGeom prst="rect">
-            <a:avLst/>
-          </a:prstGeom>
-        </p:spPr>
-      </p:pic>
-      <p:sp>
-        <p:nvSpPr>
-          <p:cNvPr id="10" name="Google Shape;308;p16">
-            <a:extLst>
-              <a:ext uri="{FF2B5EF4-FFF2-40B4-BE49-F238E27FC236}">
-                <a16:creationId xmlns:a16="http://schemas.microsoft.com/office/drawing/2014/main" id="{C6EF4A28-8763-3F4A-9C5B-FC174DC50CE6}"/>
-              </a:ext>
-            </a:extLst>
-          </p:cNvPr>
-          <p:cNvSpPr txBox="1"/>
-          <p:nvPr/>
-        </p:nvSpPr>
-        <p:spPr>
-          <a:xfrm>
-            <a:off x="3354044" y="1232484"/>
-            <a:ext cx="381303" cy="656590"/>
-          </a:xfrm>
-          <a:prstGeom prst="rect">
-            <a:avLst/>
-          </a:prstGeom>
-          <a:noFill/>
-          <a:ln>
-            <a:noFill/>
-          </a:ln>
-        </p:spPr>
-        <p:txBody>
-          <a:bodyPr spcFirstLastPara="1" wrap="square" lIns="50800" tIns="50800" rIns="50800" bIns="50800" anchor="ctr" anchorCtr="0">
-            <a:spAutoFit/>
-          </a:bodyPr>
-          <a:lstStyle/>
-          <a:p>
-            <a:pPr marL="0" marR="0" lvl="0" indent="0" algn="ctr" rtl="0">
-              <a:lnSpc>
-                <a:spcPct val="100000"/>
-              </a:lnSpc>
-              <a:spcBef>
-                <a:spcPts val="0"/>
-              </a:spcBef>
-              <a:spcAft>
-                <a:spcPts val="0"/>
-              </a:spcAft>
-              <a:buClr>
-                <a:srgbClr val="FFFFFF"/>
-              </a:buClr>
-              <a:buSzPts val="3600"/>
-              <a:buFont typeface="Open Sans Light"/>
-              <a:buNone/>
-            </a:pPr>
-            <a:r>
-              <a:rPr lang="en-US" sz="3600" b="0" i="0" u="none" strike="noStrike" cap="none" dirty="0">
-                <a:solidFill>
-                  <a:srgbClr val="FFFFFF"/>
-                </a:solidFill>
-                <a:latin typeface="Helvetica Neue" panose="02000503000000020004" pitchFamily="2" charset="0"/>
-                <a:ea typeface="Helvetica Neue" panose="02000503000000020004" pitchFamily="2" charset="0"/>
-                <a:cs typeface="Helvetica Neue" panose="02000503000000020004" pitchFamily="2" charset="0"/>
-                <a:sym typeface="Open Sans Light"/>
-              </a:rPr>
-              <a:t>+</a:t>
-            </a:r>
-            <a:endParaRPr dirty="0">
-              <a:latin typeface="Helvetica Neue" panose="02000503000000020004" pitchFamily="2" charset="0"/>
-              <a:ea typeface="Helvetica Neue" panose="02000503000000020004" pitchFamily="2" charset="0"/>
-              <a:cs typeface="Helvetica Neue" panose="02000503000000020004" pitchFamily="2" charset="0"/>
-            </a:endParaRPr>
-          </a:p>
-        </p:txBody>
-      </p:sp>
-    </p:spTree>
-    <p:extLst>
-      <p:ext uri="{BB962C8B-B14F-4D97-AF65-F5344CB8AC3E}">
-        <p14:creationId xmlns:p14="http://schemas.microsoft.com/office/powerpoint/2010/main" val="1085627038"/>
-      </p:ext>
-    </p:extLst>
-  </p:cSld>
-  <p:clrMapOvr>
-    <a:masterClrMapping/>
-  </p:clrMapOvr>
-</p:sld>
-</file>
-
-<file path=ppt/slides/slide4.xml><?xml version="1.0" encoding="utf-8"?>
-<p:sld xmlns:a="http://schemas.openxmlformats.org/drawingml/2006/main" xmlns:r="http://schemas.openxmlformats.org/officeDocument/2006/relationships" xmlns:p="http://schemas.openxmlformats.org/presentationml/2006/main">
-  <p:cSld>
-    <p:bg>
-      <p:bgPr>
-        <a:solidFill>
-          <a:srgbClr val="4B0489"/>
-        </a:solidFill>
-        <a:effectLst/>
-      </p:bgPr>
-    </p:bg>
-    <p:spTree>
-      <p:nvGrpSpPr>
-        <p:cNvPr id="1" name="Shape 277"/>
-        <p:cNvGrpSpPr/>
-        <p:nvPr/>
-      </p:nvGrpSpPr>
-      <p:grpSpPr>
-        <a:xfrm>
-          <a:off x="0" y="0"/>
-          <a:ext cx="0" cy="0"/>
-          <a:chOff x="0" y="0"/>
-          <a:chExt cx="0" cy="0"/>
-        </a:xfrm>
-      </p:grpSpPr>
-      <p:sp>
-        <p:nvSpPr>
-          <p:cNvPr id="278" name="Google Shape;278;p13"/>
-          <p:cNvSpPr txBox="1"/>
-          <p:nvPr/>
-        </p:nvSpPr>
-        <p:spPr>
-          <a:xfrm>
-            <a:off x="1210963" y="2911088"/>
-            <a:ext cx="1903031" cy="584685"/>
-          </a:xfrm>
-          <a:prstGeom prst="rect">
-            <a:avLst/>
-          </a:prstGeom>
-          <a:noFill/>
-          <a:ln>
-            <a:noFill/>
-          </a:ln>
-        </p:spPr>
-        <p:txBody>
-          <a:bodyPr spcFirstLastPara="1" wrap="square" lIns="45675" tIns="45675" rIns="45675" bIns="45675" anchor="t" anchorCtr="0">
-            <a:spAutoFit/>
-          </a:bodyPr>
-          <a:lstStyle/>
-          <a:p>
-            <a:pPr marL="0" marR="0" lvl="0" indent="0" algn="l" rtl="0">
-              <a:lnSpc>
-                <a:spcPct val="100000"/>
-              </a:lnSpc>
-              <a:spcBef>
-                <a:spcPts val="0"/>
-              </a:spcBef>
-              <a:spcAft>
-                <a:spcPts val="0"/>
-              </a:spcAft>
-              <a:buClr>
-                <a:srgbClr val="FD5E5E"/>
-              </a:buClr>
-              <a:buSzPts val="3200"/>
-              <a:buFont typeface="Arial"/>
-              <a:buNone/>
-            </a:pPr>
-            <a:r>
-              <a:rPr lang="en-US" sz="3200" b="0" i="0" u="none" strike="noStrike" cap="none">
-                <a:solidFill>
-                  <a:srgbClr val="FD5E5E"/>
-                </a:solidFill>
-                <a:latin typeface="Helvetica Neue" panose="02000503000000020004" pitchFamily="2" charset="0"/>
-                <a:ea typeface="Helvetica Neue" panose="02000503000000020004" pitchFamily="2" charset="0"/>
-                <a:cs typeface="Helvetica Neue" panose="02000503000000020004" pitchFamily="2" charset="0"/>
-                <a:sym typeface="Arial"/>
-              </a:rPr>
-              <a:t>Часть I</a:t>
-            </a:r>
-            <a:endParaRPr>
-              <a:latin typeface="Helvetica Neue" panose="02000503000000020004" pitchFamily="2" charset="0"/>
-              <a:ea typeface="Helvetica Neue" panose="02000503000000020004" pitchFamily="2" charset="0"/>
-              <a:cs typeface="Helvetica Neue" panose="02000503000000020004" pitchFamily="2" charset="0"/>
-            </a:endParaRPr>
-          </a:p>
-        </p:txBody>
-      </p:sp>
-      <p:sp>
-        <p:nvSpPr>
-          <p:cNvPr id="279" name="Google Shape;279;p13"/>
-          <p:cNvSpPr txBox="1"/>
-          <p:nvPr/>
-        </p:nvSpPr>
-        <p:spPr>
-          <a:xfrm>
-            <a:off x="1104900" y="4119361"/>
-            <a:ext cx="13667414" cy="1683128"/>
-          </a:xfrm>
-          <a:prstGeom prst="rect">
-            <a:avLst/>
-          </a:prstGeom>
-          <a:noFill/>
-          <a:ln>
-            <a:noFill/>
-          </a:ln>
-        </p:spPr>
-        <p:txBody>
-          <a:bodyPr spcFirstLastPara="1" wrap="square" lIns="71425" tIns="71425" rIns="71425" bIns="71425" anchor="ctr" anchorCtr="0">
-            <a:spAutoFit/>
-          </a:bodyPr>
-          <a:lstStyle/>
-          <a:p>
-            <a:pPr marL="0" marR="0" lvl="0" indent="0" algn="l" rtl="0">
-              <a:lnSpc>
-                <a:spcPct val="100000"/>
-              </a:lnSpc>
-              <a:spcBef>
-                <a:spcPts val="0"/>
-              </a:spcBef>
-              <a:spcAft>
-                <a:spcPts val="0"/>
-              </a:spcAft>
-              <a:buClr>
-                <a:srgbClr val="FFFFFF"/>
-              </a:buClr>
-              <a:buSzPts val="10000"/>
-              <a:buFont typeface="Arial"/>
-              <a:buNone/>
-            </a:pPr>
-            <a:r>
-              <a:rPr lang="ru-RU" sz="10000" b="0" i="0" u="none" strike="noStrike" cap="none" dirty="0">
-                <a:solidFill>
-                  <a:srgbClr val="FFFFFF"/>
-                </a:solidFill>
-                <a:latin typeface="Helvetica Neue" panose="02000503000000020004" pitchFamily="2" charset="0"/>
-                <a:ea typeface="Helvetica Neue" panose="02000503000000020004" pitchFamily="2" charset="0"/>
-                <a:cs typeface="Helvetica Neue" panose="02000503000000020004" pitchFamily="2" charset="0"/>
-                <a:sym typeface="Arial"/>
-              </a:rPr>
-              <a:t>Почему </a:t>
-            </a:r>
-            <a:r>
-              <a:rPr lang="en-US" sz="10000" b="0" i="0" u="none" strike="noStrike" cap="none" dirty="0">
-                <a:solidFill>
-                  <a:srgbClr val="FFFFFF"/>
-                </a:solidFill>
-                <a:latin typeface="Helvetica Neue" panose="02000503000000020004" pitchFamily="2" charset="0"/>
-                <a:ea typeface="Helvetica Neue" panose="02000503000000020004" pitchFamily="2" charset="0"/>
-                <a:cs typeface="Helvetica Neue" panose="02000503000000020004" pitchFamily="2" charset="0"/>
-                <a:sym typeface="Arial"/>
-              </a:rPr>
-              <a:t>Python</a:t>
-            </a:r>
-            <a:r>
-              <a:rPr lang="ru-RU" sz="10000" b="0" i="0" u="none" strike="noStrike" cap="none" dirty="0">
-                <a:solidFill>
-                  <a:srgbClr val="FFFFFF"/>
-                </a:solidFill>
-                <a:latin typeface="Helvetica Neue" panose="02000503000000020004" pitchFamily="2" charset="0"/>
-                <a:ea typeface="Helvetica Neue" panose="02000503000000020004" pitchFamily="2" charset="0"/>
-                <a:cs typeface="Helvetica Neue" panose="02000503000000020004" pitchFamily="2" charset="0"/>
-                <a:sym typeface="Arial"/>
-              </a:rPr>
-              <a:t>?</a:t>
-            </a:r>
-            <a:endParaRPr dirty="0">
-              <a:latin typeface="Helvetica Neue" panose="02000503000000020004" pitchFamily="2" charset="0"/>
-              <a:ea typeface="Helvetica Neue" panose="02000503000000020004" pitchFamily="2" charset="0"/>
-              <a:cs typeface="Helvetica Neue" panose="02000503000000020004" pitchFamily="2" charset="0"/>
-            </a:endParaRPr>
-          </a:p>
-        </p:txBody>
-      </p:sp>
-      <p:pic>
-        <p:nvPicPr>
-          <p:cNvPr id="282" name="Google Shape;282;p13" descr="skillbox White.png"/>
-          <p:cNvPicPr preferRelativeResize="0"/>
-          <p:nvPr/>
-        </p:nvPicPr>
-        <p:blipFill rotWithShape="1">
-          <a:blip r:embed="rId3">
-            <a:alphaModFix/>
-          </a:blip>
-          <a:srcRect/>
-          <a:stretch/>
-        </p:blipFill>
-        <p:spPr>
-          <a:xfrm>
-            <a:off x="1283893" y="1341577"/>
-            <a:ext cx="2032002" cy="457202"/>
-          </a:xfrm>
-          <a:prstGeom prst="rect">
-            <a:avLst/>
-          </a:prstGeom>
-          <a:noFill/>
-          <a:ln>
-            <a:noFill/>
-          </a:ln>
-        </p:spPr>
-      </p:pic>
-      <p:pic>
-        <p:nvPicPr>
-          <p:cNvPr id="7" name="Picture 6">
-            <a:extLst>
-              <a:ext uri="{FF2B5EF4-FFF2-40B4-BE49-F238E27FC236}">
-                <a16:creationId xmlns:a16="http://schemas.microsoft.com/office/drawing/2014/main" id="{5E9A0A62-450A-2F4A-990C-3E18C63F460F}"/>
-              </a:ext>
-            </a:extLst>
-          </p:cNvPr>
-          <p:cNvPicPr>
-            <a:picLocks noChangeAspect="1"/>
-          </p:cNvPicPr>
-          <p:nvPr/>
-        </p:nvPicPr>
-        <p:blipFill>
-          <a:blip r:embed="rId4">
-            <a:extLst>
-              <a:ext uri="{28A0092B-C50C-407E-A947-70E740481C1C}">
-                <a14:useLocalDpi xmlns:a14="http://schemas.microsoft.com/office/drawing/2010/main" val="0"/>
-              </a:ext>
-            </a:extLst>
-          </a:blip>
-          <a:stretch>
-            <a:fillRect/>
-          </a:stretch>
-        </p:blipFill>
-        <p:spPr>
-          <a:xfrm>
-            <a:off x="3773496" y="1222971"/>
-            <a:ext cx="2395001" cy="770614"/>
-          </a:xfrm>
-          <a:prstGeom prst="rect">
-            <a:avLst/>
-          </a:prstGeom>
-        </p:spPr>
-      </p:pic>
-      <p:sp>
-        <p:nvSpPr>
-          <p:cNvPr id="8" name="Google Shape;308;p16">
-            <a:extLst>
-              <a:ext uri="{FF2B5EF4-FFF2-40B4-BE49-F238E27FC236}">
-                <a16:creationId xmlns:a16="http://schemas.microsoft.com/office/drawing/2014/main" id="{C4DC42C2-E856-5E42-B898-008B052D8B7D}"/>
-              </a:ext>
-            </a:extLst>
-          </p:cNvPr>
-          <p:cNvSpPr txBox="1"/>
-          <p:nvPr/>
-        </p:nvSpPr>
-        <p:spPr>
-          <a:xfrm>
-            <a:off x="3354044" y="1232484"/>
-            <a:ext cx="381303" cy="656590"/>
-          </a:xfrm>
-          <a:prstGeom prst="rect">
-            <a:avLst/>
-          </a:prstGeom>
-          <a:noFill/>
-          <a:ln>
-            <a:noFill/>
-          </a:ln>
-        </p:spPr>
-        <p:txBody>
-          <a:bodyPr spcFirstLastPara="1" wrap="square" lIns="50800" tIns="50800" rIns="50800" bIns="50800" anchor="ctr" anchorCtr="0">
-            <a:spAutoFit/>
-          </a:bodyPr>
-          <a:lstStyle/>
-          <a:p>
-            <a:pPr marL="0" marR="0" lvl="0" indent="0" algn="ctr" rtl="0">
-              <a:lnSpc>
-                <a:spcPct val="100000"/>
-              </a:lnSpc>
-              <a:spcBef>
-                <a:spcPts val="0"/>
-              </a:spcBef>
-              <a:spcAft>
-                <a:spcPts val="0"/>
-              </a:spcAft>
-              <a:buClr>
-                <a:srgbClr val="FFFFFF"/>
-              </a:buClr>
-              <a:buSzPts val="3600"/>
-              <a:buFont typeface="Open Sans Light"/>
-              <a:buNone/>
-            </a:pPr>
-            <a:r>
-              <a:rPr lang="en-US" sz="3600" b="0" i="0" u="none" strike="noStrike" cap="none" dirty="0">
-                <a:solidFill>
-                  <a:srgbClr val="FFFFFF"/>
-                </a:solidFill>
-                <a:latin typeface="Helvetica Neue" panose="02000503000000020004" pitchFamily="2" charset="0"/>
-                <a:ea typeface="Helvetica Neue" panose="02000503000000020004" pitchFamily="2" charset="0"/>
-                <a:cs typeface="Helvetica Neue" panose="02000503000000020004" pitchFamily="2" charset="0"/>
-                <a:sym typeface="Open Sans Light"/>
-              </a:rPr>
-              <a:t>+</a:t>
-            </a:r>
-            <a:endParaRPr dirty="0">
-              <a:latin typeface="Helvetica Neue" panose="02000503000000020004" pitchFamily="2" charset="0"/>
-              <a:ea typeface="Helvetica Neue" panose="02000503000000020004" pitchFamily="2" charset="0"/>
-              <a:cs typeface="Helvetica Neue" panose="02000503000000020004" pitchFamily="2" charset="0"/>
-            </a:endParaRPr>
-          </a:p>
-        </p:txBody>
-      </p:sp>
-    </p:spTree>
-  </p:cSld>
-  <p:clrMapOvr>
-    <a:masterClrMapping/>
-  </p:clrMapOvr>
-</p:sld>
-</file>
-
-<file path=ppt/slides/slide5.xml><?xml version="1.0" encoding="utf-8"?>
-<p:sld xmlns:a="http://schemas.openxmlformats.org/drawingml/2006/main" xmlns:r="http://schemas.openxmlformats.org/officeDocument/2006/relationships" xmlns:p="http://schemas.openxmlformats.org/presentationml/2006/main">
-  <p:cSld>
-    <p:spTree>
-      <p:nvGrpSpPr>
-        <p:cNvPr id="1" name="Shape 286"/>
-        <p:cNvGrpSpPr/>
-        <p:nvPr/>
-      </p:nvGrpSpPr>
-      <p:grpSpPr>
-        <a:xfrm>
-          <a:off x="0" y="0"/>
-          <a:ext cx="0" cy="0"/>
-          <a:chOff x="0" y="0"/>
-          <a:chExt cx="0" cy="0"/>
-        </a:xfrm>
-      </p:grpSpPr>
-      <p:sp>
-        <p:nvSpPr>
-          <p:cNvPr id="287" name="Google Shape;287;p14"/>
-          <p:cNvSpPr txBox="1"/>
-          <p:nvPr/>
-        </p:nvSpPr>
-        <p:spPr>
-          <a:xfrm>
-            <a:off x="1178373" y="5245258"/>
-            <a:ext cx="12216835" cy="636688"/>
-          </a:xfrm>
-          <a:prstGeom prst="rect">
-            <a:avLst/>
-          </a:prstGeom>
-          <a:noFill/>
-          <a:ln>
-            <a:noFill/>
-          </a:ln>
-        </p:spPr>
-        <p:txBody>
-          <a:bodyPr spcFirstLastPara="1" wrap="square" lIns="71425" tIns="71425" rIns="71425" bIns="71425" anchor="t" anchorCtr="0">
-            <a:spAutoFit/>
-          </a:bodyPr>
-          <a:lstStyle/>
-          <a:p>
-            <a:pPr marL="0" marR="0" lvl="0" indent="0" algn="l" rtl="0">
-              <a:lnSpc>
-                <a:spcPct val="100000"/>
-              </a:lnSpc>
-              <a:spcBef>
-                <a:spcPts val="0"/>
-              </a:spcBef>
-              <a:spcAft>
-                <a:spcPts val="0"/>
-              </a:spcAft>
-              <a:buClr>
-                <a:srgbClr val="000000"/>
-              </a:buClr>
-              <a:buSzPts val="3200"/>
-              <a:buFont typeface="Arial"/>
-              <a:buNone/>
-            </a:pPr>
-            <a:r>
-              <a:rPr lang="ru-RU" sz="3200" b="0" i="0" u="none" strike="noStrike" cap="none" dirty="0">
-                <a:solidFill>
-                  <a:srgbClr val="000000"/>
-                </a:solidFill>
-                <a:latin typeface="Helvetica Neue" panose="02000503000000020004" pitchFamily="2" charset="0"/>
-                <a:ea typeface="Helvetica Neue" panose="02000503000000020004" pitchFamily="2" charset="0"/>
-                <a:cs typeface="Helvetica Neue" panose="02000503000000020004" pitchFamily="2" charset="0"/>
-                <a:sym typeface="Arial"/>
-              </a:rPr>
-              <a:t>Простой, современный, открытый</a:t>
-            </a:r>
-            <a:endParaRPr dirty="0">
-              <a:latin typeface="Helvetica Neue" panose="02000503000000020004" pitchFamily="2" charset="0"/>
-              <a:ea typeface="Helvetica Neue" panose="02000503000000020004" pitchFamily="2" charset="0"/>
-              <a:cs typeface="Helvetica Neue" panose="02000503000000020004" pitchFamily="2" charset="0"/>
-            </a:endParaRPr>
-          </a:p>
-        </p:txBody>
-      </p:sp>
-      <p:sp>
-        <p:nvSpPr>
-          <p:cNvPr id="288" name="Google Shape;288;p14"/>
-          <p:cNvSpPr txBox="1"/>
-          <p:nvPr/>
-        </p:nvSpPr>
-        <p:spPr>
-          <a:xfrm>
-            <a:off x="1195306" y="6708076"/>
-            <a:ext cx="9372498" cy="4674718"/>
-          </a:xfrm>
-          <a:prstGeom prst="rect">
-            <a:avLst/>
-          </a:prstGeom>
-          <a:noFill/>
-          <a:ln>
-            <a:noFill/>
-          </a:ln>
-        </p:spPr>
-        <p:txBody>
-          <a:bodyPr spcFirstLastPara="1" wrap="square" lIns="71425" tIns="71425" rIns="71425" bIns="71425" anchor="t" anchorCtr="0">
-            <a:spAutoFit/>
-          </a:bodyPr>
-          <a:lstStyle/>
-          <a:p>
-            <a:pPr marL="228600" marR="0" lvl="0" indent="-228600" algn="l" rtl="0">
-              <a:lnSpc>
-                <a:spcPct val="200000"/>
-              </a:lnSpc>
-              <a:spcBef>
-                <a:spcPts val="0"/>
-              </a:spcBef>
-              <a:spcAft>
-                <a:spcPts val="0"/>
-              </a:spcAft>
-              <a:buClr>
-                <a:srgbClr val="657195"/>
-              </a:buClr>
-              <a:buSzPts val="2400"/>
-              <a:buFont typeface="Helvetica Neue"/>
-              <a:buChar char="•"/>
-            </a:pPr>
-            <a:r>
-              <a:rPr lang="ru-RU" sz="3200" b="0" i="0" u="none" strike="noStrike" cap="none" dirty="0">
-                <a:solidFill>
-                  <a:srgbClr val="657195"/>
-                </a:solidFill>
-                <a:latin typeface="Helvetica Neue" panose="02000503000000020004" pitchFamily="2" charset="0"/>
-                <a:ea typeface="Helvetica Neue" panose="02000503000000020004" pitchFamily="2" charset="0"/>
-                <a:cs typeface="Helvetica Neue" panose="02000503000000020004" pitchFamily="2" charset="0"/>
-                <a:sym typeface="Arial"/>
-              </a:rPr>
-              <a:t>Создавался, чтобы упростить код</a:t>
-            </a:r>
-            <a:endParaRPr sz="1800" dirty="0">
-              <a:latin typeface="Helvetica Neue" panose="02000503000000020004" pitchFamily="2" charset="0"/>
-              <a:ea typeface="Helvetica Neue" panose="02000503000000020004" pitchFamily="2" charset="0"/>
-              <a:cs typeface="Helvetica Neue" panose="02000503000000020004" pitchFamily="2" charset="0"/>
-            </a:endParaRPr>
-          </a:p>
-          <a:p>
-            <a:pPr marL="228600" marR="0" lvl="0" indent="-228600" algn="l" rtl="0">
-              <a:lnSpc>
-                <a:spcPct val="200000"/>
-              </a:lnSpc>
-              <a:spcBef>
-                <a:spcPts val="0"/>
-              </a:spcBef>
-              <a:spcAft>
-                <a:spcPts val="0"/>
-              </a:spcAft>
-              <a:buClr>
-                <a:srgbClr val="657195"/>
-              </a:buClr>
-              <a:buSzPts val="2400"/>
-              <a:buFont typeface="Helvetica Neue"/>
-              <a:buChar char="•"/>
-            </a:pPr>
-            <a:r>
-              <a:rPr lang="ru-RU" sz="3200" b="0" i="0" u="none" strike="noStrike" cap="none" dirty="0">
-                <a:solidFill>
-                  <a:srgbClr val="657195"/>
-                </a:solidFill>
-                <a:latin typeface="Helvetica Neue" panose="02000503000000020004" pitchFamily="2" charset="0"/>
-                <a:ea typeface="Helvetica Neue" panose="02000503000000020004" pitchFamily="2" charset="0"/>
-                <a:cs typeface="Helvetica Neue" panose="02000503000000020004" pitchFamily="2" charset="0"/>
-                <a:sym typeface="Arial"/>
-              </a:rPr>
-              <a:t>Легкий в обучении</a:t>
-            </a:r>
-            <a:endParaRPr sz="1800" dirty="0">
-              <a:latin typeface="Helvetica Neue" panose="02000503000000020004" pitchFamily="2" charset="0"/>
-              <a:ea typeface="Helvetica Neue" panose="02000503000000020004" pitchFamily="2" charset="0"/>
-              <a:cs typeface="Helvetica Neue" panose="02000503000000020004" pitchFamily="2" charset="0"/>
-            </a:endParaRPr>
-          </a:p>
-          <a:p>
-            <a:pPr marL="106679" marR="0" lvl="0" indent="0" algn="l" rtl="0">
-              <a:lnSpc>
-                <a:spcPct val="200000"/>
-              </a:lnSpc>
-              <a:spcBef>
-                <a:spcPts val="0"/>
-              </a:spcBef>
-              <a:spcAft>
-                <a:spcPts val="0"/>
-              </a:spcAft>
-              <a:buClr>
-                <a:srgbClr val="657195"/>
-              </a:buClr>
-              <a:buSzPts val="2400"/>
-              <a:buFont typeface="Helvetica Neue"/>
-              <a:buNone/>
-            </a:pPr>
-            <a:endParaRPr sz="3200" b="0" i="0" u="none" strike="noStrike" cap="none" dirty="0">
-              <a:solidFill>
-                <a:srgbClr val="657195"/>
-              </a:solidFill>
-              <a:latin typeface="Helvetica Neue" panose="02000503000000020004" pitchFamily="2" charset="0"/>
-              <a:ea typeface="Helvetica Neue" panose="02000503000000020004" pitchFamily="2" charset="0"/>
-              <a:cs typeface="Helvetica Neue" panose="02000503000000020004" pitchFamily="2" charset="0"/>
-              <a:sym typeface="Arial"/>
-            </a:endParaRPr>
-          </a:p>
-          <a:p>
-            <a:pPr marL="228600" marR="0" lvl="0" indent="-228600" algn="l" rtl="0">
-              <a:lnSpc>
-                <a:spcPct val="120000"/>
-              </a:lnSpc>
-              <a:spcBef>
-                <a:spcPts val="0"/>
-              </a:spcBef>
-              <a:spcAft>
-                <a:spcPts val="0"/>
-              </a:spcAft>
-              <a:buClr>
-                <a:srgbClr val="657195"/>
-              </a:buClr>
-              <a:buSzPts val="2400"/>
-              <a:buFont typeface="Helvetica Neue"/>
-              <a:buChar char="•"/>
-            </a:pPr>
-            <a:r>
-              <a:rPr lang="ru-RU" sz="3200" b="0" i="0" u="none" strike="noStrike" cap="none" dirty="0">
-                <a:solidFill>
-                  <a:srgbClr val="657195"/>
-                </a:solidFill>
-                <a:latin typeface="Helvetica Neue" panose="02000503000000020004" pitchFamily="2" charset="0"/>
-                <a:ea typeface="Helvetica Neue" panose="02000503000000020004" pitchFamily="2" charset="0"/>
-                <a:cs typeface="Helvetica Neue" panose="02000503000000020004" pitchFamily="2" charset="0"/>
-                <a:sym typeface="Arial"/>
-              </a:rPr>
-              <a:t>Богатый функционал «из коробки»</a:t>
-            </a:r>
-            <a:endParaRPr sz="1800" dirty="0">
-              <a:latin typeface="Helvetica Neue" panose="02000503000000020004" pitchFamily="2" charset="0"/>
-              <a:ea typeface="Helvetica Neue" panose="02000503000000020004" pitchFamily="2" charset="0"/>
-              <a:cs typeface="Helvetica Neue" panose="02000503000000020004" pitchFamily="2" charset="0"/>
-            </a:endParaRPr>
-          </a:p>
-          <a:p>
-            <a:pPr marL="228600" marR="0" lvl="0" indent="-228600" algn="l" rtl="0">
-              <a:lnSpc>
-                <a:spcPct val="200000"/>
-              </a:lnSpc>
-              <a:spcBef>
-                <a:spcPts val="0"/>
-              </a:spcBef>
-              <a:spcAft>
-                <a:spcPts val="0"/>
-              </a:spcAft>
-              <a:buClr>
-                <a:srgbClr val="657195"/>
-              </a:buClr>
-              <a:buSzPts val="2400"/>
-              <a:buFont typeface="Helvetica Neue"/>
-              <a:buChar char="•"/>
-            </a:pPr>
-            <a:r>
-              <a:rPr lang="ru-RU" sz="3200" b="0" i="0" u="none" strike="noStrike" cap="none" dirty="0">
-                <a:solidFill>
-                  <a:srgbClr val="657195"/>
-                </a:solidFill>
-                <a:latin typeface="Helvetica Neue" panose="02000503000000020004" pitchFamily="2" charset="0"/>
-                <a:ea typeface="Helvetica Neue" panose="02000503000000020004" pitchFamily="2" charset="0"/>
-                <a:cs typeface="Helvetica Neue" panose="02000503000000020004" pitchFamily="2" charset="0"/>
-                <a:sym typeface="Arial"/>
-              </a:rPr>
-              <a:t>Легко применить во многих сферах</a:t>
-            </a:r>
-            <a:endParaRPr sz="1800" dirty="0">
-              <a:latin typeface="Helvetica Neue" panose="02000503000000020004" pitchFamily="2" charset="0"/>
-              <a:ea typeface="Helvetica Neue" panose="02000503000000020004" pitchFamily="2" charset="0"/>
-              <a:cs typeface="Helvetica Neue" panose="02000503000000020004" pitchFamily="2" charset="0"/>
-            </a:endParaRPr>
-          </a:p>
-        </p:txBody>
-      </p:sp>
-      <p:sp>
-        <p:nvSpPr>
-          <p:cNvPr id="290" name="Google Shape;290;p14"/>
-          <p:cNvSpPr txBox="1"/>
-          <p:nvPr/>
-        </p:nvSpPr>
-        <p:spPr>
-          <a:xfrm>
-            <a:off x="1178374" y="2333206"/>
-            <a:ext cx="16375421" cy="2852679"/>
-          </a:xfrm>
-          <a:prstGeom prst="rect">
-            <a:avLst/>
-          </a:prstGeom>
-          <a:noFill/>
-          <a:ln>
-            <a:noFill/>
-          </a:ln>
-        </p:spPr>
-        <p:txBody>
-          <a:bodyPr spcFirstLastPara="1" wrap="square" lIns="71425" tIns="71425" rIns="71425" bIns="71425" anchor="ctr" anchorCtr="0">
-            <a:spAutoFit/>
-          </a:bodyPr>
-          <a:lstStyle/>
-          <a:p>
-            <a:pPr marL="0" marR="0" lvl="0" indent="0" algn="l" rtl="0">
-              <a:lnSpc>
-                <a:spcPct val="220000"/>
-              </a:lnSpc>
-              <a:spcBef>
-                <a:spcPts val="0"/>
-              </a:spcBef>
-              <a:spcAft>
-                <a:spcPts val="0"/>
-              </a:spcAft>
-              <a:buClr>
-                <a:srgbClr val="000000"/>
-              </a:buClr>
-              <a:buSzPts val="8000"/>
-              <a:buFont typeface="Arial"/>
-              <a:buNone/>
-            </a:pPr>
-            <a:r>
-              <a:rPr lang="ru-RU" sz="8000" b="0" i="0" u="none" strike="noStrike" cap="none" dirty="0">
-                <a:solidFill>
-                  <a:srgbClr val="000000"/>
-                </a:solidFill>
-                <a:latin typeface="Helvetica Neue" panose="02000503000000020004" pitchFamily="2" charset="0"/>
-                <a:ea typeface="Helvetica Neue" panose="02000503000000020004" pitchFamily="2" charset="0"/>
-                <a:cs typeface="Helvetica Neue" panose="02000503000000020004" pitchFamily="2" charset="0"/>
-                <a:sym typeface="Arial"/>
-              </a:rPr>
-              <a:t>Что такого в </a:t>
-            </a:r>
-            <a:r>
-              <a:rPr lang="en-US" sz="8000" b="0" i="0" u="none" strike="noStrike" cap="none" dirty="0">
-                <a:solidFill>
-                  <a:srgbClr val="000000"/>
-                </a:solidFill>
-                <a:latin typeface="Helvetica Neue" panose="02000503000000020004" pitchFamily="2" charset="0"/>
-                <a:ea typeface="Helvetica Neue" panose="02000503000000020004" pitchFamily="2" charset="0"/>
-                <a:cs typeface="Helvetica Neue" panose="02000503000000020004" pitchFamily="2" charset="0"/>
-                <a:sym typeface="Arial"/>
-              </a:rPr>
-              <a:t>Python?</a:t>
-            </a:r>
-            <a:endParaRPr dirty="0">
-              <a:latin typeface="Helvetica Neue" panose="02000503000000020004" pitchFamily="2" charset="0"/>
-              <a:ea typeface="Helvetica Neue" panose="02000503000000020004" pitchFamily="2" charset="0"/>
-              <a:cs typeface="Helvetica Neue" panose="02000503000000020004" pitchFamily="2" charset="0"/>
-            </a:endParaRPr>
-          </a:p>
-        </p:txBody>
-      </p:sp>
-      <p:pic>
-        <p:nvPicPr>
-          <p:cNvPr id="293" name="Google Shape;293;p14" descr="skillbox black.png"/>
-          <p:cNvPicPr preferRelativeResize="0"/>
-          <p:nvPr/>
-        </p:nvPicPr>
-        <p:blipFill rotWithShape="1">
-          <a:blip r:embed="rId3">
-            <a:alphaModFix/>
-          </a:blip>
-          <a:srcRect/>
-          <a:stretch/>
-        </p:blipFill>
-        <p:spPr>
-          <a:xfrm>
-            <a:off x="1266959" y="1306593"/>
-            <a:ext cx="2032002" cy="457202"/>
-          </a:xfrm>
-          <a:prstGeom prst="rect">
-            <a:avLst/>
-          </a:prstGeom>
-          <a:noFill/>
-          <a:ln>
-            <a:noFill/>
-          </a:ln>
-        </p:spPr>
-      </p:pic>
-      <p:pic>
-        <p:nvPicPr>
-          <p:cNvPr id="294" name="Google Shape;294;p14" descr="Group 2.png"/>
-          <p:cNvPicPr preferRelativeResize="0"/>
-          <p:nvPr/>
-        </p:nvPicPr>
-        <p:blipFill rotWithShape="1">
-          <a:blip r:embed="rId4">
-            <a:alphaModFix/>
-          </a:blip>
-          <a:srcRect/>
-          <a:stretch/>
-        </p:blipFill>
-        <p:spPr>
-          <a:xfrm>
-            <a:off x="21058384" y="1278077"/>
-            <a:ext cx="2057402" cy="533402"/>
-          </a:xfrm>
-          <a:prstGeom prst="rect">
-            <a:avLst/>
-          </a:prstGeom>
-          <a:noFill/>
-          <a:ln>
-            <a:noFill/>
-          </a:ln>
-        </p:spPr>
-      </p:pic>
-      <p:pic>
-        <p:nvPicPr>
-          <p:cNvPr id="10" name="Picture 9">
-            <a:extLst>
-              <a:ext uri="{FF2B5EF4-FFF2-40B4-BE49-F238E27FC236}">
-                <a16:creationId xmlns:a16="http://schemas.microsoft.com/office/drawing/2014/main" id="{3878F09D-E766-E34E-9886-32D50FEEE38D}"/>
-              </a:ext>
-            </a:extLst>
-          </p:cNvPr>
-          <p:cNvPicPr>
-            <a:picLocks noChangeAspect="1"/>
-          </p:cNvPicPr>
-          <p:nvPr/>
-        </p:nvPicPr>
-        <p:blipFill>
-          <a:blip r:embed="rId5">
-            <a:extLst>
-              <a:ext uri="{28A0092B-C50C-407E-A947-70E740481C1C}">
-                <a14:useLocalDpi xmlns:a14="http://schemas.microsoft.com/office/drawing/2010/main" val="0"/>
-              </a:ext>
-            </a:extLst>
-          </a:blip>
-          <a:stretch>
-            <a:fillRect/>
-          </a:stretch>
-        </p:blipFill>
-        <p:spPr>
-          <a:xfrm>
-            <a:off x="3757549" y="1223468"/>
-            <a:ext cx="2395003" cy="770614"/>
-          </a:xfrm>
-          <a:prstGeom prst="rect">
-            <a:avLst/>
-          </a:prstGeom>
-        </p:spPr>
-      </p:pic>
-      <p:sp>
-        <p:nvSpPr>
-          <p:cNvPr id="11" name="Google Shape;308;p16">
-            <a:extLst>
-              <a:ext uri="{FF2B5EF4-FFF2-40B4-BE49-F238E27FC236}">
-                <a16:creationId xmlns:a16="http://schemas.microsoft.com/office/drawing/2014/main" id="{6D8B495C-A9FD-914F-80D3-14D357A2EAB5}"/>
-              </a:ext>
-            </a:extLst>
-          </p:cNvPr>
-          <p:cNvSpPr txBox="1"/>
-          <p:nvPr/>
-        </p:nvSpPr>
-        <p:spPr>
-          <a:xfrm>
-            <a:off x="3354044" y="1232484"/>
-            <a:ext cx="381303" cy="656590"/>
-          </a:xfrm>
-          <a:prstGeom prst="rect">
-            <a:avLst/>
-          </a:prstGeom>
-          <a:noFill/>
-          <a:ln>
-            <a:noFill/>
-          </a:ln>
-        </p:spPr>
-        <p:txBody>
-          <a:bodyPr spcFirstLastPara="1" wrap="square" lIns="50800" tIns="50800" rIns="50800" bIns="50800" anchor="ctr" anchorCtr="0">
-            <a:spAutoFit/>
-          </a:bodyPr>
-          <a:lstStyle/>
-          <a:p>
-            <a:pPr marL="0" marR="0" lvl="0" indent="0" algn="ctr" rtl="0">
-              <a:lnSpc>
-                <a:spcPct val="100000"/>
-              </a:lnSpc>
-              <a:spcBef>
-                <a:spcPts val="0"/>
-              </a:spcBef>
-              <a:spcAft>
-                <a:spcPts val="0"/>
-              </a:spcAft>
-              <a:buClr>
-                <a:srgbClr val="FFFFFF"/>
-              </a:buClr>
-              <a:buSzPts val="3600"/>
-              <a:buFont typeface="Open Sans Light"/>
-              <a:buNone/>
-            </a:pPr>
-            <a:r>
-              <a:rPr lang="en-US" sz="3600" b="0" i="0" u="none" strike="noStrike" cap="none" dirty="0">
-                <a:solidFill>
-                  <a:schemeClr val="tx1"/>
-                </a:solidFill>
-                <a:latin typeface="Helvetica Neue" panose="02000503000000020004" pitchFamily="2" charset="0"/>
-                <a:ea typeface="Helvetica Neue" panose="02000503000000020004" pitchFamily="2" charset="0"/>
-                <a:cs typeface="Helvetica Neue" panose="02000503000000020004" pitchFamily="2" charset="0"/>
-                <a:sym typeface="Open Sans Light"/>
-              </a:rPr>
-              <a:t>+</a:t>
-            </a:r>
-            <a:endParaRPr dirty="0">
-              <a:solidFill>
-                <a:schemeClr val="tx1"/>
-              </a:solidFill>
-              <a:latin typeface="Helvetica Neue" panose="02000503000000020004" pitchFamily="2" charset="0"/>
-              <a:ea typeface="Helvetica Neue" panose="02000503000000020004" pitchFamily="2" charset="0"/>
-              <a:cs typeface="Helvetica Neue" panose="02000503000000020004" pitchFamily="2" charset="0"/>
-            </a:endParaRPr>
-          </a:p>
-        </p:txBody>
-      </p:sp>
-    </p:spTree>
-  </p:cSld>
-  <p:clrMapOvr>
-    <a:masterClrMapping/>
-  </p:clrMapOvr>
-</p:sld>
-</file>
-
-<file path=ppt/slides/slide6.xml><?xml version="1.0" encoding="utf-8"?>
-<p:sld xmlns:a="http://schemas.openxmlformats.org/drawingml/2006/main" xmlns:r="http://schemas.openxmlformats.org/officeDocument/2006/relationships" xmlns:p="http://schemas.openxmlformats.org/presentationml/2006/main">
-  <p:cSld>
-    <p:spTree>
-      <p:nvGrpSpPr>
-        <p:cNvPr id="1" name="Shape 286"/>
-        <p:cNvGrpSpPr/>
-        <p:nvPr/>
-      </p:nvGrpSpPr>
-      <p:grpSpPr>
-        <a:xfrm>
-          <a:off x="0" y="0"/>
-          <a:ext cx="0" cy="0"/>
-          <a:chOff x="0" y="0"/>
-          <a:chExt cx="0" cy="0"/>
-        </a:xfrm>
-      </p:grpSpPr>
-      <p:sp>
-        <p:nvSpPr>
-          <p:cNvPr id="287" name="Google Shape;287;p14"/>
-          <p:cNvSpPr txBox="1"/>
-          <p:nvPr/>
-        </p:nvSpPr>
-        <p:spPr>
-          <a:xfrm>
-            <a:off x="1178373" y="5245258"/>
-            <a:ext cx="12216835" cy="636688"/>
-          </a:xfrm>
-          <a:prstGeom prst="rect">
-            <a:avLst/>
-          </a:prstGeom>
-          <a:noFill/>
-          <a:ln>
-            <a:noFill/>
-          </a:ln>
-        </p:spPr>
-        <p:txBody>
-          <a:bodyPr spcFirstLastPara="1" wrap="square" lIns="71425" tIns="71425" rIns="71425" bIns="71425" anchor="t" anchorCtr="0">
-            <a:spAutoFit/>
-          </a:bodyPr>
-          <a:lstStyle/>
-          <a:p>
-            <a:pPr marL="0" marR="0" lvl="0" indent="0" algn="l" rtl="0">
-              <a:lnSpc>
-                <a:spcPct val="100000"/>
-              </a:lnSpc>
-              <a:spcBef>
-                <a:spcPts val="0"/>
-              </a:spcBef>
-              <a:spcAft>
-                <a:spcPts val="0"/>
-              </a:spcAft>
-              <a:buClr>
-                <a:srgbClr val="000000"/>
-              </a:buClr>
-              <a:buSzPts val="3200"/>
-              <a:buFont typeface="Arial"/>
-              <a:buNone/>
-            </a:pPr>
-            <a:r>
-              <a:rPr lang="ru-RU" sz="3200" b="0" i="0" u="none" strike="noStrike" cap="none" dirty="0">
-                <a:solidFill>
-                  <a:srgbClr val="000000"/>
-                </a:solidFill>
-                <a:latin typeface="Helvetica Neue" panose="02000503000000020004" pitchFamily="2" charset="0"/>
-                <a:ea typeface="Helvetica Neue" panose="02000503000000020004" pitchFamily="2" charset="0"/>
-                <a:cs typeface="Helvetica Neue" panose="02000503000000020004" pitchFamily="2" charset="0"/>
-                <a:sym typeface="Arial"/>
-              </a:rPr>
-              <a:t>Практически везде…</a:t>
-            </a:r>
-            <a:endParaRPr dirty="0">
-              <a:latin typeface="Helvetica Neue" panose="02000503000000020004" pitchFamily="2" charset="0"/>
-              <a:ea typeface="Helvetica Neue" panose="02000503000000020004" pitchFamily="2" charset="0"/>
-              <a:cs typeface="Helvetica Neue" panose="02000503000000020004" pitchFamily="2" charset="0"/>
-            </a:endParaRPr>
-          </a:p>
-        </p:txBody>
-      </p:sp>
-      <p:sp>
-        <p:nvSpPr>
-          <p:cNvPr id="288" name="Google Shape;288;p14"/>
-          <p:cNvSpPr txBox="1"/>
-          <p:nvPr/>
-        </p:nvSpPr>
-        <p:spPr>
-          <a:xfrm>
-            <a:off x="1195306" y="6708076"/>
-            <a:ext cx="9372498" cy="4674718"/>
-          </a:xfrm>
-          <a:prstGeom prst="rect">
-            <a:avLst/>
-          </a:prstGeom>
-          <a:noFill/>
-          <a:ln>
-            <a:noFill/>
-          </a:ln>
-        </p:spPr>
-        <p:txBody>
-          <a:bodyPr spcFirstLastPara="1" wrap="square" lIns="71425" tIns="71425" rIns="71425" bIns="71425" anchor="t" anchorCtr="0">
-            <a:spAutoFit/>
-          </a:bodyPr>
-          <a:lstStyle/>
-          <a:p>
-            <a:pPr marL="228600" marR="0" lvl="0" indent="-228600" algn="l" rtl="0">
-              <a:lnSpc>
-                <a:spcPct val="200000"/>
-              </a:lnSpc>
-              <a:spcBef>
-                <a:spcPts val="0"/>
-              </a:spcBef>
-              <a:spcAft>
-                <a:spcPts val="0"/>
-              </a:spcAft>
-              <a:buClr>
-                <a:srgbClr val="657195"/>
-              </a:buClr>
-              <a:buSzPts val="2400"/>
-              <a:buFont typeface="Helvetica Neue"/>
-              <a:buChar char="•"/>
-            </a:pPr>
-            <a:r>
-              <a:rPr lang="en-US" sz="3200" b="0" i="0" u="none" strike="noStrike" cap="none" dirty="0">
-                <a:solidFill>
-                  <a:srgbClr val="657195"/>
-                </a:solidFill>
-                <a:latin typeface="Helvetica Neue" panose="02000503000000020004" pitchFamily="2" charset="0"/>
-                <a:ea typeface="Helvetica Neue" panose="02000503000000020004" pitchFamily="2" charset="0"/>
-                <a:cs typeface="Helvetica Neue" panose="02000503000000020004" pitchFamily="2" charset="0"/>
-                <a:sym typeface="Arial"/>
-              </a:rPr>
-              <a:t>Desktop-</a:t>
-            </a:r>
-            <a:r>
-              <a:rPr lang="ru-RU" sz="3200" b="0" i="0" u="none" strike="noStrike" cap="none" dirty="0">
-                <a:solidFill>
-                  <a:srgbClr val="657195"/>
-                </a:solidFill>
-                <a:latin typeface="Helvetica Neue" panose="02000503000000020004" pitchFamily="2" charset="0"/>
-                <a:ea typeface="Helvetica Neue" panose="02000503000000020004" pitchFamily="2" charset="0"/>
-                <a:cs typeface="Helvetica Neue" panose="02000503000000020004" pitchFamily="2" charset="0"/>
-                <a:sym typeface="Arial"/>
-              </a:rPr>
-              <a:t>программы</a:t>
-            </a:r>
-            <a:endParaRPr sz="1800" dirty="0">
-              <a:latin typeface="Helvetica Neue" panose="02000503000000020004" pitchFamily="2" charset="0"/>
-              <a:ea typeface="Helvetica Neue" panose="02000503000000020004" pitchFamily="2" charset="0"/>
-              <a:cs typeface="Helvetica Neue" panose="02000503000000020004" pitchFamily="2" charset="0"/>
-            </a:endParaRPr>
-          </a:p>
-          <a:p>
-            <a:pPr marL="228600" marR="0" lvl="0" indent="-228600" algn="l" rtl="0">
-              <a:lnSpc>
-                <a:spcPct val="200000"/>
-              </a:lnSpc>
-              <a:spcBef>
-                <a:spcPts val="0"/>
-              </a:spcBef>
-              <a:spcAft>
-                <a:spcPts val="0"/>
-              </a:spcAft>
-              <a:buClr>
-                <a:srgbClr val="657195"/>
-              </a:buClr>
-              <a:buSzPts val="2400"/>
-              <a:buFont typeface="Helvetica Neue"/>
-              <a:buChar char="•"/>
-            </a:pPr>
-            <a:r>
-              <a:rPr lang="ru-RU" sz="3200" b="0" i="0" u="none" strike="noStrike" cap="none" dirty="0">
-                <a:solidFill>
-                  <a:srgbClr val="657195"/>
-                </a:solidFill>
-                <a:latin typeface="Helvetica Neue" panose="02000503000000020004" pitchFamily="2" charset="0"/>
-                <a:ea typeface="Helvetica Neue" panose="02000503000000020004" pitchFamily="2" charset="0"/>
-                <a:cs typeface="Helvetica Neue" panose="02000503000000020004" pitchFamily="2" charset="0"/>
-                <a:sym typeface="Arial"/>
-              </a:rPr>
-              <a:t>Веб-сайты и приложения</a:t>
-            </a:r>
-            <a:endParaRPr sz="1800" dirty="0">
-              <a:latin typeface="Helvetica Neue" panose="02000503000000020004" pitchFamily="2" charset="0"/>
-              <a:ea typeface="Helvetica Neue" panose="02000503000000020004" pitchFamily="2" charset="0"/>
-              <a:cs typeface="Helvetica Neue" panose="02000503000000020004" pitchFamily="2" charset="0"/>
-            </a:endParaRPr>
-          </a:p>
-          <a:p>
-            <a:pPr marL="106679" marR="0" lvl="0" indent="0" algn="l" rtl="0">
-              <a:lnSpc>
-                <a:spcPct val="200000"/>
-              </a:lnSpc>
-              <a:spcBef>
-                <a:spcPts val="0"/>
-              </a:spcBef>
-              <a:spcAft>
-                <a:spcPts val="0"/>
-              </a:spcAft>
-              <a:buClr>
-                <a:srgbClr val="657195"/>
-              </a:buClr>
-              <a:buSzPts val="2400"/>
-              <a:buFont typeface="Helvetica Neue"/>
-              <a:buNone/>
-            </a:pPr>
-            <a:endParaRPr sz="3200" b="0" i="0" u="none" strike="noStrike" cap="none" dirty="0">
-              <a:solidFill>
-                <a:srgbClr val="657195"/>
-              </a:solidFill>
-              <a:latin typeface="Helvetica Neue" panose="02000503000000020004" pitchFamily="2" charset="0"/>
-              <a:ea typeface="Helvetica Neue" panose="02000503000000020004" pitchFamily="2" charset="0"/>
-              <a:cs typeface="Helvetica Neue" panose="02000503000000020004" pitchFamily="2" charset="0"/>
-              <a:sym typeface="Arial"/>
-            </a:endParaRPr>
-          </a:p>
-          <a:p>
-            <a:pPr marL="228600" marR="0" lvl="0" indent="-228600" algn="l" rtl="0">
-              <a:lnSpc>
-                <a:spcPct val="120000"/>
-              </a:lnSpc>
-              <a:spcBef>
-                <a:spcPts val="0"/>
-              </a:spcBef>
-              <a:spcAft>
-                <a:spcPts val="0"/>
-              </a:spcAft>
-              <a:buClr>
-                <a:srgbClr val="657195"/>
-              </a:buClr>
-              <a:buSzPts val="2400"/>
-              <a:buFont typeface="Helvetica Neue"/>
-              <a:buChar char="•"/>
-            </a:pPr>
-            <a:r>
-              <a:rPr lang="ru-RU" sz="3200" b="0" i="0" u="none" strike="noStrike" cap="none" dirty="0">
-                <a:solidFill>
-                  <a:srgbClr val="657195"/>
-                </a:solidFill>
-                <a:latin typeface="Helvetica Neue" panose="02000503000000020004" pitchFamily="2" charset="0"/>
-                <a:ea typeface="Helvetica Neue" panose="02000503000000020004" pitchFamily="2" charset="0"/>
-                <a:cs typeface="Helvetica Neue" panose="02000503000000020004" pitchFamily="2" charset="0"/>
-                <a:sym typeface="Arial"/>
-              </a:rPr>
-              <a:t>Мобильные приложения</a:t>
-            </a:r>
-            <a:endParaRPr sz="1800" dirty="0">
-              <a:latin typeface="Helvetica Neue" panose="02000503000000020004" pitchFamily="2" charset="0"/>
-              <a:ea typeface="Helvetica Neue" panose="02000503000000020004" pitchFamily="2" charset="0"/>
-              <a:cs typeface="Helvetica Neue" panose="02000503000000020004" pitchFamily="2" charset="0"/>
-            </a:endParaRPr>
-          </a:p>
-          <a:p>
-            <a:pPr marL="228600" marR="0" lvl="0" indent="-228600" algn="l" rtl="0">
-              <a:lnSpc>
-                <a:spcPct val="200000"/>
-              </a:lnSpc>
-              <a:spcBef>
-                <a:spcPts val="0"/>
-              </a:spcBef>
-              <a:spcAft>
-                <a:spcPts val="0"/>
-              </a:spcAft>
-              <a:buClr>
-                <a:srgbClr val="657195"/>
-              </a:buClr>
-              <a:buSzPts val="2400"/>
-              <a:buFont typeface="Helvetica Neue"/>
-              <a:buChar char="•"/>
-            </a:pPr>
-            <a:r>
-              <a:rPr lang="ru-RU" sz="3200" b="0" i="0" u="none" strike="noStrike" cap="none" dirty="0">
-                <a:solidFill>
-                  <a:srgbClr val="657195"/>
-                </a:solidFill>
-                <a:latin typeface="Helvetica Neue" panose="02000503000000020004" pitchFamily="2" charset="0"/>
-                <a:ea typeface="Helvetica Neue" panose="02000503000000020004" pitchFamily="2" charset="0"/>
-                <a:cs typeface="Helvetica Neue" panose="02000503000000020004" pitchFamily="2" charset="0"/>
-                <a:sym typeface="Arial"/>
-              </a:rPr>
-              <a:t>Автоматизированное тестирование</a:t>
-            </a:r>
-            <a:endParaRPr sz="1800" dirty="0">
-              <a:latin typeface="Helvetica Neue" panose="02000503000000020004" pitchFamily="2" charset="0"/>
-              <a:ea typeface="Helvetica Neue" panose="02000503000000020004" pitchFamily="2" charset="0"/>
-              <a:cs typeface="Helvetica Neue" panose="02000503000000020004" pitchFamily="2" charset="0"/>
-            </a:endParaRPr>
-          </a:p>
-        </p:txBody>
-      </p:sp>
-      <p:sp>
-        <p:nvSpPr>
-          <p:cNvPr id="290" name="Google Shape;290;p14"/>
-          <p:cNvSpPr txBox="1"/>
-          <p:nvPr/>
-        </p:nvSpPr>
-        <p:spPr>
-          <a:xfrm>
-            <a:off x="1178374" y="2333206"/>
-            <a:ext cx="16375421" cy="2852679"/>
-          </a:xfrm>
-          <a:prstGeom prst="rect">
-            <a:avLst/>
-          </a:prstGeom>
-          <a:noFill/>
-          <a:ln>
-            <a:noFill/>
-          </a:ln>
-        </p:spPr>
-        <p:txBody>
-          <a:bodyPr spcFirstLastPara="1" wrap="square" lIns="71425" tIns="71425" rIns="71425" bIns="71425" anchor="ctr" anchorCtr="0">
-            <a:spAutoFit/>
-          </a:bodyPr>
-          <a:lstStyle/>
-          <a:p>
-            <a:pPr marL="0" marR="0" lvl="0" indent="0" algn="l" rtl="0">
-              <a:lnSpc>
-                <a:spcPct val="220000"/>
-              </a:lnSpc>
-              <a:spcBef>
-                <a:spcPts val="0"/>
-              </a:spcBef>
-              <a:spcAft>
-                <a:spcPts val="0"/>
-              </a:spcAft>
-              <a:buClr>
-                <a:srgbClr val="000000"/>
-              </a:buClr>
-              <a:buSzPts val="8000"/>
-              <a:buFont typeface="Arial"/>
-              <a:buNone/>
-            </a:pPr>
-            <a:r>
-              <a:rPr lang="ru-RU" sz="8000" b="0" i="0" u="none" strike="noStrike" cap="none" dirty="0">
-                <a:solidFill>
-                  <a:srgbClr val="000000"/>
-                </a:solidFill>
-                <a:latin typeface="Helvetica Neue" panose="02000503000000020004" pitchFamily="2" charset="0"/>
-                <a:ea typeface="Helvetica Neue" panose="02000503000000020004" pitchFamily="2" charset="0"/>
-                <a:cs typeface="Helvetica Neue" panose="02000503000000020004" pitchFamily="2" charset="0"/>
-                <a:sym typeface="Arial"/>
-              </a:rPr>
-              <a:t>Где применить?</a:t>
-            </a:r>
-            <a:endParaRPr dirty="0">
-              <a:latin typeface="Helvetica Neue" panose="02000503000000020004" pitchFamily="2" charset="0"/>
-              <a:ea typeface="Helvetica Neue" panose="02000503000000020004" pitchFamily="2" charset="0"/>
-              <a:cs typeface="Helvetica Neue" panose="02000503000000020004" pitchFamily="2" charset="0"/>
-            </a:endParaRPr>
-          </a:p>
-        </p:txBody>
-      </p:sp>
-      <p:pic>
-        <p:nvPicPr>
-          <p:cNvPr id="293" name="Google Shape;293;p14" descr="skillbox black.png"/>
-          <p:cNvPicPr preferRelativeResize="0"/>
-          <p:nvPr/>
-        </p:nvPicPr>
-        <p:blipFill rotWithShape="1">
-          <a:blip r:embed="rId3">
-            <a:alphaModFix/>
-          </a:blip>
-          <a:srcRect/>
-          <a:stretch/>
-        </p:blipFill>
-        <p:spPr>
-          <a:xfrm>
-            <a:off x="1266959" y="1306593"/>
-            <a:ext cx="2032002" cy="457202"/>
-          </a:xfrm>
-          <a:prstGeom prst="rect">
-            <a:avLst/>
-          </a:prstGeom>
-          <a:noFill/>
-          <a:ln>
-            <a:noFill/>
-          </a:ln>
-        </p:spPr>
-      </p:pic>
-      <p:pic>
-        <p:nvPicPr>
-          <p:cNvPr id="294" name="Google Shape;294;p14" descr="Group 2.png"/>
-          <p:cNvPicPr preferRelativeResize="0"/>
-          <p:nvPr/>
-        </p:nvPicPr>
-        <p:blipFill rotWithShape="1">
-          <a:blip r:embed="rId4">
-            <a:alphaModFix/>
-          </a:blip>
-          <a:srcRect/>
-          <a:stretch/>
-        </p:blipFill>
-        <p:spPr>
-          <a:xfrm>
-            <a:off x="21058384" y="1278077"/>
-            <a:ext cx="2057402" cy="533402"/>
-          </a:xfrm>
-          <a:prstGeom prst="rect">
-            <a:avLst/>
-          </a:prstGeom>
-          <a:noFill/>
-          <a:ln>
-            <a:noFill/>
-          </a:ln>
-        </p:spPr>
-      </p:pic>
-      <p:pic>
-        <p:nvPicPr>
-          <p:cNvPr id="10" name="Picture 9">
-            <a:extLst>
-              <a:ext uri="{FF2B5EF4-FFF2-40B4-BE49-F238E27FC236}">
-                <a16:creationId xmlns:a16="http://schemas.microsoft.com/office/drawing/2014/main" id="{3878F09D-E766-E34E-9886-32D50FEEE38D}"/>
-              </a:ext>
-            </a:extLst>
-          </p:cNvPr>
-          <p:cNvPicPr>
-            <a:picLocks noChangeAspect="1"/>
-          </p:cNvPicPr>
-          <p:nvPr/>
-        </p:nvPicPr>
-        <p:blipFill>
-          <a:blip r:embed="rId5">
-            <a:extLst>
-              <a:ext uri="{28A0092B-C50C-407E-A947-70E740481C1C}">
-                <a14:useLocalDpi xmlns:a14="http://schemas.microsoft.com/office/drawing/2010/main" val="0"/>
-              </a:ext>
-            </a:extLst>
-          </a:blip>
-          <a:stretch>
-            <a:fillRect/>
-          </a:stretch>
-        </p:blipFill>
-        <p:spPr>
-          <a:xfrm>
-            <a:off x="3757549" y="1223468"/>
-            <a:ext cx="2395003" cy="770614"/>
-          </a:xfrm>
-          <a:prstGeom prst="rect">
-            <a:avLst/>
-          </a:prstGeom>
-        </p:spPr>
-      </p:pic>
-      <p:sp>
-        <p:nvSpPr>
-          <p:cNvPr id="11" name="Google Shape;308;p16">
-            <a:extLst>
-              <a:ext uri="{FF2B5EF4-FFF2-40B4-BE49-F238E27FC236}">
-                <a16:creationId xmlns:a16="http://schemas.microsoft.com/office/drawing/2014/main" id="{6D8B495C-A9FD-914F-80D3-14D357A2EAB5}"/>
-              </a:ext>
-            </a:extLst>
-          </p:cNvPr>
-          <p:cNvSpPr txBox="1"/>
-          <p:nvPr/>
-        </p:nvSpPr>
-        <p:spPr>
-          <a:xfrm>
-            <a:off x="3354044" y="1232484"/>
-            <a:ext cx="381303" cy="656590"/>
-          </a:xfrm>
-          <a:prstGeom prst="rect">
-            <a:avLst/>
-          </a:prstGeom>
-          <a:noFill/>
-          <a:ln>
-            <a:noFill/>
-          </a:ln>
-        </p:spPr>
-        <p:txBody>
-          <a:bodyPr spcFirstLastPara="1" wrap="square" lIns="50800" tIns="50800" rIns="50800" bIns="50800" anchor="ctr" anchorCtr="0">
-            <a:spAutoFit/>
-          </a:bodyPr>
-          <a:lstStyle/>
-          <a:p>
-            <a:pPr marL="0" marR="0" lvl="0" indent="0" algn="ctr" rtl="0">
-              <a:lnSpc>
-                <a:spcPct val="100000"/>
-              </a:lnSpc>
-              <a:spcBef>
-                <a:spcPts val="0"/>
-              </a:spcBef>
-              <a:spcAft>
-                <a:spcPts val="0"/>
-              </a:spcAft>
-              <a:buClr>
-                <a:srgbClr val="FFFFFF"/>
-              </a:buClr>
-              <a:buSzPts val="3600"/>
-              <a:buFont typeface="Open Sans Light"/>
-              <a:buNone/>
-            </a:pPr>
-            <a:r>
-              <a:rPr lang="en-US" sz="3600" b="0" i="0" u="none" strike="noStrike" cap="none" dirty="0">
-                <a:solidFill>
-                  <a:schemeClr val="tx1"/>
-                </a:solidFill>
-                <a:latin typeface="Helvetica Neue" panose="02000503000000020004" pitchFamily="2" charset="0"/>
-                <a:ea typeface="Helvetica Neue" panose="02000503000000020004" pitchFamily="2" charset="0"/>
-                <a:cs typeface="Helvetica Neue" panose="02000503000000020004" pitchFamily="2" charset="0"/>
-                <a:sym typeface="Open Sans Light"/>
-              </a:rPr>
-              <a:t>+</a:t>
-            </a:r>
-            <a:endParaRPr dirty="0">
-              <a:solidFill>
-                <a:schemeClr val="tx1"/>
-              </a:solidFill>
-              <a:latin typeface="Helvetica Neue" panose="02000503000000020004" pitchFamily="2" charset="0"/>
-              <a:ea typeface="Helvetica Neue" panose="02000503000000020004" pitchFamily="2" charset="0"/>
-              <a:cs typeface="Helvetica Neue" panose="02000503000000020004" pitchFamily="2" charset="0"/>
-            </a:endParaRPr>
-          </a:p>
-        </p:txBody>
-      </p:sp>
-      <p:sp>
-        <p:nvSpPr>
-          <p:cNvPr id="9" name="Google Shape;288;p14">
-            <a:extLst>
-              <a:ext uri="{FF2B5EF4-FFF2-40B4-BE49-F238E27FC236}">
-                <a16:creationId xmlns:a16="http://schemas.microsoft.com/office/drawing/2014/main" id="{0EA73D72-1D64-0942-8775-43690C622E8A}"/>
-              </a:ext>
-            </a:extLst>
-          </p:cNvPr>
-          <p:cNvSpPr txBox="1"/>
-          <p:nvPr/>
-        </p:nvSpPr>
-        <p:spPr>
-          <a:xfrm>
-            <a:off x="12714587" y="6708076"/>
-            <a:ext cx="9372498" cy="4674718"/>
-          </a:xfrm>
-          <a:prstGeom prst="rect">
-            <a:avLst/>
-          </a:prstGeom>
-          <a:noFill/>
-          <a:ln>
-            <a:noFill/>
-          </a:ln>
-        </p:spPr>
-        <p:txBody>
-          <a:bodyPr spcFirstLastPara="1" wrap="square" lIns="71425" tIns="71425" rIns="71425" bIns="71425" anchor="t" anchorCtr="0">
-            <a:spAutoFit/>
-          </a:bodyPr>
-          <a:lstStyle/>
-          <a:p>
-            <a:pPr marL="228600" marR="0" lvl="0" indent="-228600" algn="l" rtl="0">
-              <a:lnSpc>
-                <a:spcPct val="200000"/>
-              </a:lnSpc>
-              <a:spcBef>
-                <a:spcPts val="0"/>
-              </a:spcBef>
-              <a:spcAft>
-                <a:spcPts val="0"/>
-              </a:spcAft>
-              <a:buClr>
-                <a:srgbClr val="657195"/>
-              </a:buClr>
-              <a:buSzPts val="2400"/>
-              <a:buFont typeface="Helvetica Neue"/>
-              <a:buChar char="•"/>
-            </a:pPr>
-            <a:r>
-              <a:rPr lang="ru-RU" sz="3200" b="0" i="0" u="none" strike="noStrike" cap="none" dirty="0">
-                <a:solidFill>
-                  <a:srgbClr val="657195"/>
-                </a:solidFill>
-                <a:latin typeface="Helvetica Neue" panose="02000503000000020004" pitchFamily="2" charset="0"/>
-                <a:ea typeface="Helvetica Neue" panose="02000503000000020004" pitchFamily="2" charset="0"/>
-                <a:cs typeface="Helvetica Neue" panose="02000503000000020004" pitchFamily="2" charset="0"/>
-                <a:sym typeface="Arial"/>
-              </a:rPr>
-              <a:t>Обработка и анализ данных</a:t>
-            </a:r>
-            <a:endParaRPr sz="1800" dirty="0">
-              <a:latin typeface="Helvetica Neue" panose="02000503000000020004" pitchFamily="2" charset="0"/>
-              <a:ea typeface="Helvetica Neue" panose="02000503000000020004" pitchFamily="2" charset="0"/>
-              <a:cs typeface="Helvetica Neue" panose="02000503000000020004" pitchFamily="2" charset="0"/>
-            </a:endParaRPr>
-          </a:p>
-          <a:p>
-            <a:pPr marL="228600" marR="0" lvl="0" indent="-228600" algn="l" rtl="0">
-              <a:lnSpc>
-                <a:spcPct val="200000"/>
-              </a:lnSpc>
-              <a:spcBef>
-                <a:spcPts val="0"/>
-              </a:spcBef>
-              <a:spcAft>
-                <a:spcPts val="0"/>
-              </a:spcAft>
-              <a:buClr>
-                <a:srgbClr val="657195"/>
-              </a:buClr>
-              <a:buSzPts val="2400"/>
-              <a:buFont typeface="Helvetica Neue"/>
-              <a:buChar char="•"/>
-            </a:pPr>
-            <a:r>
-              <a:rPr lang="ru-RU" sz="3200" b="0" i="0" u="none" strike="noStrike" cap="none" dirty="0">
-                <a:solidFill>
-                  <a:srgbClr val="657195"/>
-                </a:solidFill>
-                <a:latin typeface="Helvetica Neue" panose="02000503000000020004" pitchFamily="2" charset="0"/>
-                <a:ea typeface="Helvetica Neue" panose="02000503000000020004" pitchFamily="2" charset="0"/>
-                <a:cs typeface="Helvetica Neue" panose="02000503000000020004" pitchFamily="2" charset="0"/>
-                <a:sym typeface="Arial"/>
-              </a:rPr>
-              <a:t>Автоматизация операционных систем</a:t>
-            </a:r>
-            <a:endParaRPr sz="1800" dirty="0">
-              <a:latin typeface="Helvetica Neue" panose="02000503000000020004" pitchFamily="2" charset="0"/>
-              <a:ea typeface="Helvetica Neue" panose="02000503000000020004" pitchFamily="2" charset="0"/>
-              <a:cs typeface="Helvetica Neue" panose="02000503000000020004" pitchFamily="2" charset="0"/>
-            </a:endParaRPr>
-          </a:p>
-          <a:p>
-            <a:pPr marL="106679" marR="0" lvl="0" indent="0" algn="l" rtl="0">
-              <a:lnSpc>
-                <a:spcPct val="200000"/>
-              </a:lnSpc>
-              <a:spcBef>
-                <a:spcPts val="0"/>
-              </a:spcBef>
-              <a:spcAft>
-                <a:spcPts val="0"/>
-              </a:spcAft>
-              <a:buClr>
-                <a:srgbClr val="657195"/>
-              </a:buClr>
-              <a:buSzPts val="2400"/>
-              <a:buFont typeface="Helvetica Neue"/>
-              <a:buNone/>
-            </a:pPr>
-            <a:endParaRPr sz="3200" b="0" i="0" u="none" strike="noStrike" cap="none" dirty="0">
-              <a:solidFill>
-                <a:srgbClr val="657195"/>
-              </a:solidFill>
-              <a:latin typeface="Helvetica Neue" panose="02000503000000020004" pitchFamily="2" charset="0"/>
-              <a:ea typeface="Helvetica Neue" panose="02000503000000020004" pitchFamily="2" charset="0"/>
-              <a:cs typeface="Helvetica Neue" panose="02000503000000020004" pitchFamily="2" charset="0"/>
-              <a:sym typeface="Arial"/>
-            </a:endParaRPr>
-          </a:p>
-          <a:p>
-            <a:pPr marL="228600" marR="0" lvl="0" indent="-228600" algn="l" rtl="0">
-              <a:lnSpc>
-                <a:spcPct val="120000"/>
-              </a:lnSpc>
-              <a:spcBef>
-                <a:spcPts val="0"/>
-              </a:spcBef>
-              <a:spcAft>
-                <a:spcPts val="0"/>
-              </a:spcAft>
-              <a:buClr>
-                <a:srgbClr val="657195"/>
-              </a:buClr>
-              <a:buSzPts val="2400"/>
-              <a:buFont typeface="Helvetica Neue"/>
-              <a:buChar char="•"/>
-            </a:pPr>
-            <a:r>
-              <a:rPr lang="ru-RU" sz="3200" b="0" i="0" u="none" strike="noStrike" cap="none" dirty="0">
-                <a:solidFill>
-                  <a:srgbClr val="657195"/>
-                </a:solidFill>
-                <a:latin typeface="Helvetica Neue" panose="02000503000000020004" pitchFamily="2" charset="0"/>
-                <a:ea typeface="Helvetica Neue" panose="02000503000000020004" pitchFamily="2" charset="0"/>
-                <a:cs typeface="Helvetica Neue" panose="02000503000000020004" pitchFamily="2" charset="0"/>
-                <a:sym typeface="Arial"/>
-              </a:rPr>
-              <a:t>Пакеты </a:t>
-            </a:r>
-            <a:r>
-              <a:rPr lang="en-US" sz="3200" b="0" i="0" u="none" strike="noStrike" cap="none" dirty="0">
-                <a:solidFill>
-                  <a:srgbClr val="657195"/>
-                </a:solidFill>
-                <a:latin typeface="Helvetica Neue" panose="02000503000000020004" pitchFamily="2" charset="0"/>
-                <a:ea typeface="Helvetica Neue" panose="02000503000000020004" pitchFamily="2" charset="0"/>
-                <a:cs typeface="Helvetica Neue" panose="02000503000000020004" pitchFamily="2" charset="0"/>
-                <a:sym typeface="Arial"/>
-              </a:rPr>
-              <a:t>3D </a:t>
-            </a:r>
-            <a:r>
-              <a:rPr lang="ru-RU" sz="3200" b="0" i="0" u="none" strike="noStrike" cap="none" dirty="0">
-                <a:solidFill>
-                  <a:srgbClr val="657195"/>
-                </a:solidFill>
-                <a:latin typeface="Helvetica Neue" panose="02000503000000020004" pitchFamily="2" charset="0"/>
-                <a:ea typeface="Helvetica Neue" panose="02000503000000020004" pitchFamily="2" charset="0"/>
-                <a:cs typeface="Helvetica Neue" panose="02000503000000020004" pitchFamily="2" charset="0"/>
-                <a:sym typeface="Arial"/>
-              </a:rPr>
-              <a:t>моделирования</a:t>
-            </a:r>
-            <a:endParaRPr sz="1800" dirty="0">
-              <a:latin typeface="Helvetica Neue" panose="02000503000000020004" pitchFamily="2" charset="0"/>
-              <a:ea typeface="Helvetica Neue" panose="02000503000000020004" pitchFamily="2" charset="0"/>
-              <a:cs typeface="Helvetica Neue" panose="02000503000000020004" pitchFamily="2" charset="0"/>
-            </a:endParaRPr>
-          </a:p>
-          <a:p>
-            <a:pPr marL="228600" marR="0" lvl="0" indent="-228600" algn="l" rtl="0">
-              <a:lnSpc>
-                <a:spcPct val="200000"/>
-              </a:lnSpc>
-              <a:spcBef>
-                <a:spcPts val="0"/>
-              </a:spcBef>
-              <a:spcAft>
-                <a:spcPts val="0"/>
-              </a:spcAft>
-              <a:buClr>
-                <a:srgbClr val="657195"/>
-              </a:buClr>
-              <a:buSzPts val="2400"/>
-              <a:buFont typeface="Helvetica Neue"/>
-              <a:buChar char="•"/>
-            </a:pPr>
-            <a:r>
-              <a:rPr lang="ru-RU" sz="3200" b="0" i="0" u="none" strike="noStrike" cap="none" dirty="0">
-                <a:solidFill>
-                  <a:srgbClr val="657195"/>
-                </a:solidFill>
-                <a:latin typeface="Helvetica Neue" panose="02000503000000020004" pitchFamily="2" charset="0"/>
-                <a:ea typeface="Helvetica Neue" panose="02000503000000020004" pitchFamily="2" charset="0"/>
-                <a:cs typeface="Helvetica Neue" panose="02000503000000020004" pitchFamily="2" charset="0"/>
-                <a:sym typeface="Arial"/>
-              </a:rPr>
-              <a:t>Разработка компьютерных игр</a:t>
-            </a:r>
-            <a:endParaRPr sz="1800" dirty="0">
-              <a:latin typeface="Helvetica Neue" panose="02000503000000020004" pitchFamily="2" charset="0"/>
-              <a:ea typeface="Helvetica Neue" panose="02000503000000020004" pitchFamily="2" charset="0"/>
-              <a:cs typeface="Helvetica Neue" panose="02000503000000020004" pitchFamily="2" charset="0"/>
-            </a:endParaRPr>
-          </a:p>
-        </p:txBody>
-      </p:sp>
-    </p:spTree>
-    <p:extLst>
-      <p:ext uri="{BB962C8B-B14F-4D97-AF65-F5344CB8AC3E}">
-        <p14:creationId xmlns:p14="http://schemas.microsoft.com/office/powerpoint/2010/main" val="558290458"/>
-      </p:ext>
-    </p:extLst>
-  </p:cSld>
-  <p:clrMapOvr>
-    <a:masterClrMapping/>
-  </p:clrMapOvr>
-</p:sld>
-</file>
-
-<file path=ppt/slides/slide7.xml><?xml version="1.0" encoding="utf-8"?>
-<p:sld xmlns:a="http://schemas.openxmlformats.org/drawingml/2006/main" xmlns:r="http://schemas.openxmlformats.org/officeDocument/2006/relationships" xmlns:p="http://schemas.openxmlformats.org/presentationml/2006/main">
-  <p:cSld>
-    <p:spTree>
-      <p:nvGrpSpPr>
-        <p:cNvPr id="1" name="Shape 286"/>
-        <p:cNvGrpSpPr/>
-        <p:nvPr/>
-      </p:nvGrpSpPr>
-      <p:grpSpPr>
-        <a:xfrm>
-          <a:off x="0" y="0"/>
-          <a:ext cx="0" cy="0"/>
-          <a:chOff x="0" y="0"/>
-          <a:chExt cx="0" cy="0"/>
-        </a:xfrm>
-      </p:grpSpPr>
-      <p:sp>
-        <p:nvSpPr>
-          <p:cNvPr id="287" name="Google Shape;287;p14"/>
-          <p:cNvSpPr txBox="1"/>
-          <p:nvPr/>
-        </p:nvSpPr>
-        <p:spPr>
-          <a:xfrm>
-            <a:off x="1178373" y="5245258"/>
-            <a:ext cx="12216835" cy="636688"/>
-          </a:xfrm>
-          <a:prstGeom prst="rect">
-            <a:avLst/>
-          </a:prstGeom>
-          <a:noFill/>
-          <a:ln>
-            <a:noFill/>
-          </a:ln>
-        </p:spPr>
-        <p:txBody>
-          <a:bodyPr spcFirstLastPara="1" wrap="square" lIns="71425" tIns="71425" rIns="71425" bIns="71425" anchor="t" anchorCtr="0">
-            <a:spAutoFit/>
-          </a:bodyPr>
-          <a:lstStyle/>
-          <a:p>
-            <a:pPr marL="0" marR="0" lvl="0" indent="0" algn="l" rtl="0">
-              <a:lnSpc>
-                <a:spcPct val="100000"/>
-              </a:lnSpc>
-              <a:spcBef>
-                <a:spcPts val="0"/>
-              </a:spcBef>
-              <a:spcAft>
-                <a:spcPts val="0"/>
-              </a:spcAft>
-              <a:buClr>
-                <a:srgbClr val="000000"/>
-              </a:buClr>
-              <a:buSzPts val="3200"/>
-              <a:buFont typeface="Arial"/>
-              <a:buNone/>
-            </a:pPr>
-            <a:r>
-              <a:rPr lang="ru-RU" sz="3200" b="0" i="0" u="none" strike="noStrike" cap="none" dirty="0">
-                <a:solidFill>
-                  <a:srgbClr val="000000"/>
-                </a:solidFill>
-                <a:latin typeface="Helvetica Neue" panose="02000503000000020004" pitchFamily="2" charset="0"/>
-                <a:ea typeface="Helvetica Neue" panose="02000503000000020004" pitchFamily="2" charset="0"/>
-                <a:cs typeface="Helvetica Neue" panose="02000503000000020004" pitchFamily="2" charset="0"/>
-                <a:sym typeface="Arial"/>
-              </a:rPr>
-              <a:t>Индекс </a:t>
-            </a:r>
-            <a:r>
-              <a:rPr lang="en-US" sz="3200" b="0" i="0" u="none" strike="noStrike" cap="none" dirty="0">
-                <a:solidFill>
-                  <a:srgbClr val="000000"/>
-                </a:solidFill>
-                <a:latin typeface="Helvetica Neue" panose="02000503000000020004" pitchFamily="2" charset="0"/>
-                <a:ea typeface="Helvetica Neue" panose="02000503000000020004" pitchFamily="2" charset="0"/>
-                <a:cs typeface="Helvetica Neue" panose="02000503000000020004" pitchFamily="2" charset="0"/>
-                <a:sym typeface="Arial"/>
-              </a:rPr>
-              <a:t>TIOBE – </a:t>
-            </a:r>
-            <a:r>
-              <a:rPr lang="ru-RU" sz="3200" b="0" i="0" u="none" strike="noStrike" cap="none" dirty="0">
-                <a:solidFill>
-                  <a:srgbClr val="000000"/>
-                </a:solidFill>
-                <a:latin typeface="Helvetica Neue" panose="02000503000000020004" pitchFamily="2" charset="0"/>
-                <a:ea typeface="Helvetica Neue" panose="02000503000000020004" pitchFamily="2" charset="0"/>
-                <a:cs typeface="Helvetica Neue" panose="02000503000000020004" pitchFamily="2" charset="0"/>
-                <a:sym typeface="Arial"/>
-              </a:rPr>
-              <a:t>оценка по многим факторам</a:t>
-            </a:r>
-            <a:endParaRPr dirty="0">
-              <a:latin typeface="Helvetica Neue" panose="02000503000000020004" pitchFamily="2" charset="0"/>
-              <a:ea typeface="Helvetica Neue" panose="02000503000000020004" pitchFamily="2" charset="0"/>
-              <a:cs typeface="Helvetica Neue" panose="02000503000000020004" pitchFamily="2" charset="0"/>
-            </a:endParaRPr>
-          </a:p>
-        </p:txBody>
-      </p:sp>
-      <p:sp>
-        <p:nvSpPr>
-          <p:cNvPr id="290" name="Google Shape;290;p14"/>
-          <p:cNvSpPr txBox="1"/>
-          <p:nvPr/>
-        </p:nvSpPr>
-        <p:spPr>
-          <a:xfrm>
-            <a:off x="1178374" y="2333206"/>
-            <a:ext cx="16375421" cy="2852679"/>
-          </a:xfrm>
-          <a:prstGeom prst="rect">
-            <a:avLst/>
-          </a:prstGeom>
-          <a:noFill/>
-          <a:ln>
-            <a:noFill/>
-          </a:ln>
-        </p:spPr>
-        <p:txBody>
-          <a:bodyPr spcFirstLastPara="1" wrap="square" lIns="71425" tIns="71425" rIns="71425" bIns="71425" anchor="ctr" anchorCtr="0">
-            <a:spAutoFit/>
-          </a:bodyPr>
-          <a:lstStyle/>
-          <a:p>
-            <a:pPr marL="0" marR="0" lvl="0" indent="0" algn="l" rtl="0">
-              <a:lnSpc>
-                <a:spcPct val="220000"/>
-              </a:lnSpc>
-              <a:spcBef>
-                <a:spcPts val="0"/>
-              </a:spcBef>
-              <a:spcAft>
-                <a:spcPts val="0"/>
-              </a:spcAft>
-              <a:buClr>
-                <a:srgbClr val="000000"/>
-              </a:buClr>
-              <a:buSzPts val="8000"/>
-              <a:buFont typeface="Arial"/>
-              <a:buNone/>
-            </a:pPr>
-            <a:r>
-              <a:rPr lang="ru-RU" sz="8000" b="0" i="0" u="none" strike="noStrike" cap="none" dirty="0">
-                <a:solidFill>
-                  <a:srgbClr val="000000"/>
-                </a:solidFill>
-                <a:latin typeface="Helvetica Neue" panose="02000503000000020004" pitchFamily="2" charset="0"/>
-                <a:ea typeface="Helvetica Neue" panose="02000503000000020004" pitchFamily="2" charset="0"/>
-                <a:cs typeface="Helvetica Neue" panose="02000503000000020004" pitchFamily="2" charset="0"/>
-                <a:sym typeface="Arial"/>
-              </a:rPr>
-              <a:t>Что с рейтингом?</a:t>
-            </a:r>
-            <a:endParaRPr dirty="0">
-              <a:latin typeface="Helvetica Neue" panose="02000503000000020004" pitchFamily="2" charset="0"/>
-              <a:ea typeface="Helvetica Neue" panose="02000503000000020004" pitchFamily="2" charset="0"/>
-              <a:cs typeface="Helvetica Neue" panose="02000503000000020004" pitchFamily="2" charset="0"/>
-            </a:endParaRPr>
-          </a:p>
-        </p:txBody>
-      </p:sp>
-      <p:pic>
-        <p:nvPicPr>
-          <p:cNvPr id="293" name="Google Shape;293;p14" descr="skillbox black.png"/>
-          <p:cNvPicPr preferRelativeResize="0"/>
-          <p:nvPr/>
-        </p:nvPicPr>
-        <p:blipFill rotWithShape="1">
-          <a:blip r:embed="rId3">
-            <a:alphaModFix/>
-          </a:blip>
-          <a:srcRect/>
-          <a:stretch/>
-        </p:blipFill>
-        <p:spPr>
-          <a:xfrm>
-            <a:off x="1266959" y="1306593"/>
-            <a:ext cx="2032002" cy="457202"/>
-          </a:xfrm>
-          <a:prstGeom prst="rect">
-            <a:avLst/>
-          </a:prstGeom>
-          <a:noFill/>
-          <a:ln>
-            <a:noFill/>
-          </a:ln>
-        </p:spPr>
-      </p:pic>
-      <p:pic>
-        <p:nvPicPr>
-          <p:cNvPr id="294" name="Google Shape;294;p14" descr="Group 2.png"/>
-          <p:cNvPicPr preferRelativeResize="0"/>
-          <p:nvPr/>
-        </p:nvPicPr>
-        <p:blipFill rotWithShape="1">
-          <a:blip r:embed="rId4">
-            <a:alphaModFix/>
-          </a:blip>
-          <a:srcRect/>
-          <a:stretch/>
-        </p:blipFill>
-        <p:spPr>
-          <a:xfrm>
-            <a:off x="21058384" y="1278077"/>
-            <a:ext cx="2057402" cy="533402"/>
-          </a:xfrm>
-          <a:prstGeom prst="rect">
-            <a:avLst/>
-          </a:prstGeom>
-          <a:noFill/>
-          <a:ln>
-            <a:noFill/>
-          </a:ln>
-        </p:spPr>
-      </p:pic>
-      <p:pic>
-        <p:nvPicPr>
-          <p:cNvPr id="10" name="Picture 9">
-            <a:extLst>
-              <a:ext uri="{FF2B5EF4-FFF2-40B4-BE49-F238E27FC236}">
-                <a16:creationId xmlns:a16="http://schemas.microsoft.com/office/drawing/2014/main" id="{3878F09D-E766-E34E-9886-32D50FEEE38D}"/>
-              </a:ext>
-            </a:extLst>
-          </p:cNvPr>
-          <p:cNvPicPr>
-            <a:picLocks noChangeAspect="1"/>
-          </p:cNvPicPr>
-          <p:nvPr/>
-        </p:nvPicPr>
-        <p:blipFill>
-          <a:blip r:embed="rId5">
-            <a:extLst>
-              <a:ext uri="{28A0092B-C50C-407E-A947-70E740481C1C}">
-                <a14:useLocalDpi xmlns:a14="http://schemas.microsoft.com/office/drawing/2010/main" val="0"/>
-              </a:ext>
-            </a:extLst>
-          </a:blip>
-          <a:stretch>
-            <a:fillRect/>
-          </a:stretch>
-        </p:blipFill>
-        <p:spPr>
-          <a:xfrm>
-            <a:off x="3757549" y="1223468"/>
-            <a:ext cx="2395003" cy="770614"/>
-          </a:xfrm>
-          <a:prstGeom prst="rect">
-            <a:avLst/>
-          </a:prstGeom>
-        </p:spPr>
-      </p:pic>
-      <p:sp>
-        <p:nvSpPr>
-          <p:cNvPr id="11" name="Google Shape;308;p16">
-            <a:extLst>
-              <a:ext uri="{FF2B5EF4-FFF2-40B4-BE49-F238E27FC236}">
-                <a16:creationId xmlns:a16="http://schemas.microsoft.com/office/drawing/2014/main" id="{6D8B495C-A9FD-914F-80D3-14D357A2EAB5}"/>
-              </a:ext>
-            </a:extLst>
-          </p:cNvPr>
-          <p:cNvSpPr txBox="1"/>
-          <p:nvPr/>
-        </p:nvSpPr>
-        <p:spPr>
-          <a:xfrm>
-            <a:off x="3354044" y="1232484"/>
-            <a:ext cx="381303" cy="656590"/>
-          </a:xfrm>
-          <a:prstGeom prst="rect">
-            <a:avLst/>
-          </a:prstGeom>
-          <a:noFill/>
-          <a:ln>
-            <a:noFill/>
-          </a:ln>
-        </p:spPr>
-        <p:txBody>
-          <a:bodyPr spcFirstLastPara="1" wrap="square" lIns="50800" tIns="50800" rIns="50800" bIns="50800" anchor="ctr" anchorCtr="0">
-            <a:spAutoFit/>
-          </a:bodyPr>
-          <a:lstStyle/>
-          <a:p>
-            <a:pPr marL="0" marR="0" lvl="0" indent="0" algn="ctr" rtl="0">
-              <a:lnSpc>
-                <a:spcPct val="100000"/>
-              </a:lnSpc>
-              <a:spcBef>
-                <a:spcPts val="0"/>
-              </a:spcBef>
-              <a:spcAft>
-                <a:spcPts val="0"/>
-              </a:spcAft>
-              <a:buClr>
-                <a:srgbClr val="FFFFFF"/>
-              </a:buClr>
-              <a:buSzPts val="3600"/>
-              <a:buFont typeface="Open Sans Light"/>
-              <a:buNone/>
-            </a:pPr>
-            <a:r>
-              <a:rPr lang="en-US" sz="3600" b="0" i="0" u="none" strike="noStrike" cap="none" dirty="0">
-                <a:solidFill>
-                  <a:schemeClr val="tx1"/>
-                </a:solidFill>
-                <a:latin typeface="Helvetica Neue" panose="02000503000000020004" pitchFamily="2" charset="0"/>
-                <a:ea typeface="Helvetica Neue" panose="02000503000000020004" pitchFamily="2" charset="0"/>
-                <a:cs typeface="Helvetica Neue" panose="02000503000000020004" pitchFamily="2" charset="0"/>
-                <a:sym typeface="Open Sans Light"/>
-              </a:rPr>
-              <a:t>+</a:t>
-            </a:r>
-            <a:endParaRPr dirty="0">
-              <a:solidFill>
-                <a:schemeClr val="tx1"/>
-              </a:solidFill>
-              <a:latin typeface="Helvetica Neue" panose="02000503000000020004" pitchFamily="2" charset="0"/>
-              <a:ea typeface="Helvetica Neue" panose="02000503000000020004" pitchFamily="2" charset="0"/>
-              <a:cs typeface="Helvetica Neue" panose="02000503000000020004" pitchFamily="2" charset="0"/>
-            </a:endParaRPr>
-          </a:p>
-        </p:txBody>
-      </p:sp>
-      <p:pic>
-        <p:nvPicPr>
-          <p:cNvPr id="9" name="Picture 8">
-            <a:extLst>
-              <a:ext uri="{FF2B5EF4-FFF2-40B4-BE49-F238E27FC236}">
-                <a16:creationId xmlns:a16="http://schemas.microsoft.com/office/drawing/2014/main" id="{71A2641E-49A2-6942-BE6F-903EF79EDC28}"/>
-              </a:ext>
-            </a:extLst>
-          </p:cNvPr>
-          <p:cNvPicPr>
-            <a:picLocks noChangeAspect="1"/>
-          </p:cNvPicPr>
-          <p:nvPr/>
-        </p:nvPicPr>
-        <p:blipFill>
-          <a:blip r:embed="rId6"/>
-          <a:stretch>
-            <a:fillRect/>
-          </a:stretch>
-        </p:blipFill>
-        <p:spPr>
-          <a:xfrm>
-            <a:off x="2247862" y="7834054"/>
-            <a:ext cx="20063016" cy="2995445"/>
-          </a:xfrm>
-          <a:prstGeom prst="rect">
-            <a:avLst/>
-          </a:prstGeom>
-        </p:spPr>
-      </p:pic>
-    </p:spTree>
-    <p:extLst>
-      <p:ext uri="{BB962C8B-B14F-4D97-AF65-F5344CB8AC3E}">
-        <p14:creationId xmlns:p14="http://schemas.microsoft.com/office/powerpoint/2010/main" val="302812800"/>
-      </p:ext>
-    </p:extLst>
-  </p:cSld>
-  <p:clrMapOvr>
-    <a:masterClrMapping/>
-  </p:clrMapOvr>
-</p:sld>
-</file>
-
-<file path=ppt/slides/slide8.xml><?xml version="1.0" encoding="utf-8"?>
-<p:sld xmlns:a="http://schemas.openxmlformats.org/drawingml/2006/main" xmlns:r="http://schemas.openxmlformats.org/officeDocument/2006/relationships" xmlns:p="http://schemas.openxmlformats.org/presentationml/2006/main">
-  <p:cSld>
-    <p:spTree>
-      <p:nvGrpSpPr>
-        <p:cNvPr id="1" name="Shape 286"/>
-        <p:cNvGrpSpPr/>
-        <p:nvPr/>
-      </p:nvGrpSpPr>
-      <p:grpSpPr>
-        <a:xfrm>
-          <a:off x="0" y="0"/>
-          <a:ext cx="0" cy="0"/>
-          <a:chOff x="0" y="0"/>
-          <a:chExt cx="0" cy="0"/>
-        </a:xfrm>
-      </p:grpSpPr>
-      <p:sp>
-        <p:nvSpPr>
-          <p:cNvPr id="287" name="Google Shape;287;p14"/>
-          <p:cNvSpPr txBox="1"/>
-          <p:nvPr/>
-        </p:nvSpPr>
-        <p:spPr>
-          <a:xfrm>
-            <a:off x="1178373" y="5245258"/>
-            <a:ext cx="12216835" cy="636688"/>
-          </a:xfrm>
-          <a:prstGeom prst="rect">
-            <a:avLst/>
-          </a:prstGeom>
-          <a:noFill/>
-          <a:ln>
-            <a:noFill/>
-          </a:ln>
-        </p:spPr>
-        <p:txBody>
-          <a:bodyPr spcFirstLastPara="1" wrap="square" lIns="71425" tIns="71425" rIns="71425" bIns="71425" anchor="t" anchorCtr="0">
-            <a:spAutoFit/>
-          </a:bodyPr>
-          <a:lstStyle/>
-          <a:p>
-            <a:pPr marL="0" marR="0" lvl="0" indent="0" algn="l" rtl="0">
-              <a:lnSpc>
-                <a:spcPct val="100000"/>
-              </a:lnSpc>
-              <a:spcBef>
-                <a:spcPts val="0"/>
-              </a:spcBef>
-              <a:spcAft>
-                <a:spcPts val="0"/>
-              </a:spcAft>
-              <a:buClr>
-                <a:srgbClr val="000000"/>
-              </a:buClr>
-              <a:buSzPts val="3200"/>
-              <a:buFont typeface="Arial"/>
-              <a:buNone/>
-            </a:pPr>
-            <a:r>
-              <a:rPr lang="ru-RU" sz="3200" b="0" i="0" u="none" strike="noStrike" cap="none" dirty="0">
-                <a:solidFill>
-                  <a:srgbClr val="000000"/>
-                </a:solidFill>
-                <a:latin typeface="Helvetica Neue" panose="02000503000000020004" pitchFamily="2" charset="0"/>
-                <a:ea typeface="Helvetica Neue" panose="02000503000000020004" pitchFamily="2" charset="0"/>
-                <a:cs typeface="Helvetica Neue" panose="02000503000000020004" pitchFamily="2" charset="0"/>
-                <a:sym typeface="Arial"/>
-              </a:rPr>
-              <a:t>Статистика </a:t>
-            </a:r>
-            <a:r>
-              <a:rPr lang="en-US" sz="3200" b="1" i="0" u="none" strike="noStrike" cap="none" dirty="0" err="1">
-                <a:solidFill>
-                  <a:srgbClr val="000000"/>
-                </a:solidFill>
-                <a:latin typeface="Helvetica Neue" panose="02000503000000020004" pitchFamily="2" charset="0"/>
-                <a:ea typeface="Helvetica Neue" panose="02000503000000020004" pitchFamily="2" charset="0"/>
-                <a:cs typeface="Helvetica Neue" panose="02000503000000020004" pitchFamily="2" charset="0"/>
-                <a:sym typeface="Arial"/>
-              </a:rPr>
-              <a:t>career.habr.ru</a:t>
-            </a:r>
-            <a:endParaRPr b="1" dirty="0">
-              <a:latin typeface="Helvetica Neue" panose="02000503000000020004" pitchFamily="2" charset="0"/>
-              <a:ea typeface="Helvetica Neue" panose="02000503000000020004" pitchFamily="2" charset="0"/>
-              <a:cs typeface="Helvetica Neue" panose="02000503000000020004" pitchFamily="2" charset="0"/>
-            </a:endParaRPr>
-          </a:p>
-        </p:txBody>
-      </p:sp>
-      <p:sp>
-        <p:nvSpPr>
-          <p:cNvPr id="290" name="Google Shape;290;p14"/>
-          <p:cNvSpPr txBox="1"/>
-          <p:nvPr/>
-        </p:nvSpPr>
-        <p:spPr>
-          <a:xfrm>
-            <a:off x="1178374" y="2333206"/>
-            <a:ext cx="16375421" cy="2852679"/>
-          </a:xfrm>
-          <a:prstGeom prst="rect">
-            <a:avLst/>
-          </a:prstGeom>
-          <a:noFill/>
-          <a:ln>
-            <a:noFill/>
-          </a:ln>
-        </p:spPr>
-        <p:txBody>
-          <a:bodyPr spcFirstLastPara="1" wrap="square" lIns="71425" tIns="71425" rIns="71425" bIns="71425" anchor="ctr" anchorCtr="0">
-            <a:spAutoFit/>
-          </a:bodyPr>
-          <a:lstStyle/>
-          <a:p>
-            <a:pPr marL="0" marR="0" lvl="0" indent="0" algn="l" rtl="0">
-              <a:lnSpc>
-                <a:spcPct val="220000"/>
-              </a:lnSpc>
-              <a:spcBef>
-                <a:spcPts val="0"/>
-              </a:spcBef>
-              <a:spcAft>
-                <a:spcPts val="0"/>
-              </a:spcAft>
-              <a:buClr>
-                <a:srgbClr val="000000"/>
-              </a:buClr>
-              <a:buSzPts val="8000"/>
-              <a:buFont typeface="Arial"/>
-              <a:buNone/>
-            </a:pPr>
-            <a:r>
-              <a:rPr lang="ru-RU" sz="8000" b="0" i="0" u="none" strike="noStrike" cap="none" dirty="0">
-                <a:solidFill>
-                  <a:srgbClr val="000000"/>
-                </a:solidFill>
-                <a:latin typeface="Helvetica Neue" panose="02000503000000020004" pitchFamily="2" charset="0"/>
-                <a:ea typeface="Helvetica Neue" panose="02000503000000020004" pitchFamily="2" charset="0"/>
-                <a:cs typeface="Helvetica Neue" panose="02000503000000020004" pitchFamily="2" charset="0"/>
-                <a:sym typeface="Arial"/>
-              </a:rPr>
-              <a:t>Что с работой?</a:t>
-            </a:r>
-            <a:endParaRPr dirty="0">
-              <a:latin typeface="Helvetica Neue" panose="02000503000000020004" pitchFamily="2" charset="0"/>
-              <a:ea typeface="Helvetica Neue" panose="02000503000000020004" pitchFamily="2" charset="0"/>
-              <a:cs typeface="Helvetica Neue" panose="02000503000000020004" pitchFamily="2" charset="0"/>
-            </a:endParaRPr>
-          </a:p>
-        </p:txBody>
-      </p:sp>
-      <p:pic>
-        <p:nvPicPr>
-          <p:cNvPr id="293" name="Google Shape;293;p14" descr="skillbox black.png"/>
-          <p:cNvPicPr preferRelativeResize="0"/>
-          <p:nvPr/>
-        </p:nvPicPr>
-        <p:blipFill rotWithShape="1">
-          <a:blip r:embed="rId3">
-            <a:alphaModFix/>
-          </a:blip>
-          <a:srcRect/>
-          <a:stretch/>
-        </p:blipFill>
-        <p:spPr>
-          <a:xfrm>
-            <a:off x="1266959" y="1306593"/>
-            <a:ext cx="2032002" cy="457202"/>
-          </a:xfrm>
-          <a:prstGeom prst="rect">
-            <a:avLst/>
-          </a:prstGeom>
-          <a:noFill/>
-          <a:ln>
-            <a:noFill/>
-          </a:ln>
-        </p:spPr>
-      </p:pic>
-      <p:pic>
-        <p:nvPicPr>
-          <p:cNvPr id="294" name="Google Shape;294;p14" descr="Group 2.png"/>
-          <p:cNvPicPr preferRelativeResize="0"/>
-          <p:nvPr/>
-        </p:nvPicPr>
-        <p:blipFill rotWithShape="1">
-          <a:blip r:embed="rId4">
-            <a:alphaModFix/>
-          </a:blip>
-          <a:srcRect/>
-          <a:stretch/>
-        </p:blipFill>
-        <p:spPr>
-          <a:xfrm>
-            <a:off x="21058384" y="1278077"/>
-            <a:ext cx="2057402" cy="533402"/>
-          </a:xfrm>
-          <a:prstGeom prst="rect">
-            <a:avLst/>
-          </a:prstGeom>
-          <a:noFill/>
-          <a:ln>
-            <a:noFill/>
-          </a:ln>
-        </p:spPr>
-      </p:pic>
-      <p:pic>
-        <p:nvPicPr>
-          <p:cNvPr id="10" name="Picture 9">
-            <a:extLst>
-              <a:ext uri="{FF2B5EF4-FFF2-40B4-BE49-F238E27FC236}">
-                <a16:creationId xmlns:a16="http://schemas.microsoft.com/office/drawing/2014/main" id="{3878F09D-E766-E34E-9886-32D50FEEE38D}"/>
-              </a:ext>
-            </a:extLst>
-          </p:cNvPr>
-          <p:cNvPicPr>
-            <a:picLocks noChangeAspect="1"/>
-          </p:cNvPicPr>
-          <p:nvPr/>
-        </p:nvPicPr>
-        <p:blipFill>
-          <a:blip r:embed="rId5">
-            <a:extLst>
-              <a:ext uri="{28A0092B-C50C-407E-A947-70E740481C1C}">
-                <a14:useLocalDpi xmlns:a14="http://schemas.microsoft.com/office/drawing/2010/main" val="0"/>
-              </a:ext>
-            </a:extLst>
-          </a:blip>
-          <a:stretch>
-            <a:fillRect/>
-          </a:stretch>
-        </p:blipFill>
-        <p:spPr>
-          <a:xfrm>
-            <a:off x="3757549" y="1223468"/>
-            <a:ext cx="2395003" cy="770614"/>
-          </a:xfrm>
-          <a:prstGeom prst="rect">
-            <a:avLst/>
-          </a:prstGeom>
-        </p:spPr>
-      </p:pic>
-      <p:sp>
-        <p:nvSpPr>
-          <p:cNvPr id="11" name="Google Shape;308;p16">
-            <a:extLst>
-              <a:ext uri="{FF2B5EF4-FFF2-40B4-BE49-F238E27FC236}">
-                <a16:creationId xmlns:a16="http://schemas.microsoft.com/office/drawing/2014/main" id="{6D8B495C-A9FD-914F-80D3-14D357A2EAB5}"/>
-              </a:ext>
-            </a:extLst>
-          </p:cNvPr>
-          <p:cNvSpPr txBox="1"/>
-          <p:nvPr/>
-        </p:nvSpPr>
-        <p:spPr>
-          <a:xfrm>
-            <a:off x="3354044" y="1232484"/>
-            <a:ext cx="381303" cy="656590"/>
-          </a:xfrm>
-          <a:prstGeom prst="rect">
-            <a:avLst/>
-          </a:prstGeom>
-          <a:noFill/>
-          <a:ln>
-            <a:noFill/>
-          </a:ln>
-        </p:spPr>
-        <p:txBody>
-          <a:bodyPr spcFirstLastPara="1" wrap="square" lIns="50800" tIns="50800" rIns="50800" bIns="50800" anchor="ctr" anchorCtr="0">
-            <a:spAutoFit/>
-          </a:bodyPr>
-          <a:lstStyle/>
-          <a:p>
-            <a:pPr marL="0" marR="0" lvl="0" indent="0" algn="ctr" rtl="0">
-              <a:lnSpc>
-                <a:spcPct val="100000"/>
-              </a:lnSpc>
-              <a:spcBef>
-                <a:spcPts val="0"/>
-              </a:spcBef>
-              <a:spcAft>
-                <a:spcPts val="0"/>
-              </a:spcAft>
-              <a:buClr>
-                <a:srgbClr val="FFFFFF"/>
-              </a:buClr>
-              <a:buSzPts val="3600"/>
-              <a:buFont typeface="Open Sans Light"/>
-              <a:buNone/>
-            </a:pPr>
-            <a:r>
-              <a:rPr lang="en-US" sz="3600" b="0" i="0" u="none" strike="noStrike" cap="none" dirty="0">
-                <a:solidFill>
-                  <a:schemeClr val="tx1"/>
-                </a:solidFill>
-                <a:latin typeface="Helvetica Neue" panose="02000503000000020004" pitchFamily="2" charset="0"/>
-                <a:ea typeface="Helvetica Neue" panose="02000503000000020004" pitchFamily="2" charset="0"/>
-                <a:cs typeface="Helvetica Neue" panose="02000503000000020004" pitchFamily="2" charset="0"/>
-                <a:sym typeface="Open Sans Light"/>
-              </a:rPr>
-              <a:t>+</a:t>
-            </a:r>
-            <a:endParaRPr dirty="0">
-              <a:solidFill>
-                <a:schemeClr val="tx1"/>
-              </a:solidFill>
-              <a:latin typeface="Helvetica Neue" panose="02000503000000020004" pitchFamily="2" charset="0"/>
-              <a:ea typeface="Helvetica Neue" panose="02000503000000020004" pitchFamily="2" charset="0"/>
-              <a:cs typeface="Helvetica Neue" panose="02000503000000020004" pitchFamily="2" charset="0"/>
-            </a:endParaRPr>
-          </a:p>
-        </p:txBody>
-      </p:sp>
-      <p:pic>
-        <p:nvPicPr>
-          <p:cNvPr id="9" name="Picture 8">
-            <a:extLst>
-              <a:ext uri="{FF2B5EF4-FFF2-40B4-BE49-F238E27FC236}">
-                <a16:creationId xmlns:a16="http://schemas.microsoft.com/office/drawing/2014/main" id="{739BDCC3-2CED-D640-BEEA-BED8CDAA42CB}"/>
-              </a:ext>
-            </a:extLst>
-          </p:cNvPr>
-          <p:cNvPicPr>
-            <a:picLocks noChangeAspect="1"/>
-          </p:cNvPicPr>
-          <p:nvPr/>
-        </p:nvPicPr>
-        <p:blipFill>
-          <a:blip r:embed="rId6">
-            <a:extLst>
-              <a:ext uri="{28A0092B-C50C-407E-A947-70E740481C1C}">
-                <a14:useLocalDpi xmlns:a14="http://schemas.microsoft.com/office/drawing/2010/main" val="0"/>
-              </a:ext>
-            </a:extLst>
-          </a:blip>
-          <a:stretch>
-            <a:fillRect/>
-          </a:stretch>
-        </p:blipFill>
-        <p:spPr>
-          <a:xfrm>
-            <a:off x="10290051" y="5079712"/>
-            <a:ext cx="12558074" cy="7450420"/>
-          </a:xfrm>
-          <a:prstGeom prst="rect">
-            <a:avLst/>
-          </a:prstGeom>
-        </p:spPr>
-      </p:pic>
-    </p:spTree>
-    <p:extLst>
-      <p:ext uri="{BB962C8B-B14F-4D97-AF65-F5344CB8AC3E}">
-        <p14:creationId xmlns:p14="http://schemas.microsoft.com/office/powerpoint/2010/main" val="2506285159"/>
-      </p:ext>
-    </p:extLst>
-  </p:cSld>
-  <p:clrMapOvr>
-    <a:masterClrMapping/>
-  </p:clrMapOvr>
-</p:sld>
-</file>
-
-<file path=ppt/slides/slide9.xml><?xml version="1.0" encoding="utf-8"?>
-<p:sld xmlns:a="http://schemas.openxmlformats.org/drawingml/2006/main" xmlns:r="http://schemas.openxmlformats.org/officeDocument/2006/relationships" xmlns:p="http://schemas.openxmlformats.org/presentationml/2006/main">
-  <p:cSld>
-    <p:bg>
-      <p:bgPr>
-        <a:solidFill>
-          <a:srgbClr val="4B0489"/>
-        </a:solidFill>
-        <a:effectLst/>
-      </p:bgPr>
-    </p:bg>
-    <p:spTree>
-      <p:nvGrpSpPr>
-        <p:cNvPr id="1" name="Shape 277"/>
-        <p:cNvGrpSpPr/>
-        <p:nvPr/>
-      </p:nvGrpSpPr>
-      <p:grpSpPr>
-        <a:xfrm>
-          <a:off x="0" y="0"/>
-          <a:ext cx="0" cy="0"/>
-          <a:chOff x="0" y="0"/>
-          <a:chExt cx="0" cy="0"/>
-        </a:xfrm>
-      </p:grpSpPr>
-      <p:sp>
-        <p:nvSpPr>
-          <p:cNvPr id="278" name="Google Shape;278;p13"/>
-          <p:cNvSpPr txBox="1"/>
-          <p:nvPr/>
-        </p:nvSpPr>
-        <p:spPr>
-          <a:xfrm>
-            <a:off x="1210963" y="2911088"/>
-            <a:ext cx="1903031" cy="584685"/>
-          </a:xfrm>
-          <a:prstGeom prst="rect">
-            <a:avLst/>
-          </a:prstGeom>
-          <a:noFill/>
-          <a:ln>
-            <a:noFill/>
-          </a:ln>
-        </p:spPr>
-        <p:txBody>
-          <a:bodyPr spcFirstLastPara="1" wrap="square" lIns="45675" tIns="45675" rIns="45675" bIns="45675" anchor="t" anchorCtr="0">
-            <a:spAutoFit/>
-          </a:bodyPr>
-          <a:lstStyle/>
-          <a:p>
-            <a:pPr lvl="0">
-              <a:buClr>
-                <a:srgbClr val="FD5E5E"/>
-              </a:buClr>
-              <a:buSzPts val="3200"/>
-            </a:pPr>
-            <a:r>
-              <a:rPr lang="ru-RU" sz="3200" b="0" i="0" u="none" strike="noStrike" cap="none" dirty="0">
-                <a:solidFill>
-                  <a:srgbClr val="FD5E5E"/>
-                </a:solidFill>
-                <a:latin typeface="Helvetica Neue" panose="02000503000000020004" pitchFamily="2" charset="0"/>
-                <a:ea typeface="Helvetica Neue" panose="02000503000000020004" pitchFamily="2" charset="0"/>
-                <a:cs typeface="Helvetica Neue" panose="02000503000000020004" pitchFamily="2" charset="0"/>
-                <a:sym typeface="Arial"/>
-              </a:rPr>
-              <a:t>Часть</a:t>
-            </a:r>
-            <a:r>
-              <a:rPr lang="en-US" sz="3200" b="0" i="0" u="none" strike="noStrike" cap="none" dirty="0">
-                <a:solidFill>
-                  <a:srgbClr val="FD5E5E"/>
-                </a:solidFill>
-                <a:latin typeface="Helvetica Neue" panose="02000503000000020004" pitchFamily="2" charset="0"/>
-                <a:ea typeface="Helvetica Neue" panose="02000503000000020004" pitchFamily="2" charset="0"/>
-                <a:cs typeface="Helvetica Neue" panose="02000503000000020004" pitchFamily="2" charset="0"/>
-                <a:sym typeface="Arial"/>
-              </a:rPr>
-              <a:t> </a:t>
-            </a:r>
-            <a:r>
-              <a:rPr lang="en-US" sz="3200" dirty="0">
-                <a:solidFill>
-                  <a:srgbClr val="FD5E5E"/>
-                </a:solidFill>
-                <a:latin typeface="Helvetica Neue" panose="02000503000000020004" pitchFamily="2" charset="0"/>
-                <a:ea typeface="Helvetica Neue" panose="02000503000000020004" pitchFamily="2" charset="0"/>
-                <a:cs typeface="Helvetica Neue" panose="02000503000000020004" pitchFamily="2" charset="0"/>
-              </a:rPr>
-              <a:t>I I</a:t>
-            </a:r>
-            <a:endParaRPr dirty="0">
-              <a:latin typeface="Helvetica Neue" panose="02000503000000020004" pitchFamily="2" charset="0"/>
-              <a:ea typeface="Helvetica Neue" panose="02000503000000020004" pitchFamily="2" charset="0"/>
-              <a:cs typeface="Helvetica Neue" panose="02000503000000020004" pitchFamily="2" charset="0"/>
-            </a:endParaRPr>
-          </a:p>
-        </p:txBody>
-      </p:sp>
-      <p:sp>
-        <p:nvSpPr>
-          <p:cNvPr id="279" name="Google Shape;279;p13"/>
-          <p:cNvSpPr txBox="1"/>
-          <p:nvPr/>
-        </p:nvSpPr>
-        <p:spPr>
-          <a:xfrm>
-            <a:off x="1104900" y="4119361"/>
-            <a:ext cx="13667414" cy="1683128"/>
-          </a:xfrm>
-          <a:prstGeom prst="rect">
-            <a:avLst/>
-          </a:prstGeom>
-          <a:noFill/>
-          <a:ln>
-            <a:noFill/>
-          </a:ln>
-        </p:spPr>
-        <p:txBody>
-          <a:bodyPr spcFirstLastPara="1" wrap="square" lIns="71425" tIns="71425" rIns="71425" bIns="71425" anchor="ctr" anchorCtr="0">
-            <a:spAutoFit/>
-          </a:bodyPr>
-          <a:lstStyle/>
-          <a:p>
-            <a:pPr marL="0" marR="0" lvl="0" indent="0" algn="l" rtl="0">
-              <a:lnSpc>
-                <a:spcPct val="100000"/>
-              </a:lnSpc>
-              <a:spcBef>
-                <a:spcPts val="0"/>
-              </a:spcBef>
-              <a:spcAft>
-                <a:spcPts val="0"/>
-              </a:spcAft>
-              <a:buClr>
-                <a:srgbClr val="FFFFFF"/>
-              </a:buClr>
-              <a:buSzPts val="10000"/>
-              <a:buFont typeface="Arial"/>
-              <a:buNone/>
-            </a:pPr>
-            <a:r>
-              <a:rPr lang="ru-RU" sz="10000" b="0" i="0" u="none" strike="noStrike" cap="none" dirty="0">
-                <a:solidFill>
-                  <a:srgbClr val="FFFFFF"/>
-                </a:solidFill>
-                <a:latin typeface="Helvetica Neue" panose="02000503000000020004" pitchFamily="2" charset="0"/>
-                <a:ea typeface="Helvetica Neue" panose="02000503000000020004" pitchFamily="2" charset="0"/>
-                <a:cs typeface="Helvetica Neue" panose="02000503000000020004" pitchFamily="2" charset="0"/>
-                <a:sym typeface="Arial"/>
-              </a:rPr>
-              <a:t>Знакомство с </a:t>
-            </a:r>
-            <a:r>
-              <a:rPr lang="en-US" sz="10000" b="0" i="0" u="none" strike="noStrike" cap="none" dirty="0">
-                <a:solidFill>
-                  <a:srgbClr val="FFFFFF"/>
-                </a:solidFill>
-                <a:latin typeface="Helvetica Neue" panose="02000503000000020004" pitchFamily="2" charset="0"/>
-                <a:ea typeface="Helvetica Neue" panose="02000503000000020004" pitchFamily="2" charset="0"/>
-                <a:cs typeface="Helvetica Neue" panose="02000503000000020004" pitchFamily="2" charset="0"/>
-                <a:sym typeface="Arial"/>
-              </a:rPr>
-              <a:t>Python</a:t>
-            </a:r>
-            <a:endParaRPr dirty="0">
-              <a:latin typeface="Helvetica Neue" panose="02000503000000020004" pitchFamily="2" charset="0"/>
-              <a:ea typeface="Helvetica Neue" panose="02000503000000020004" pitchFamily="2" charset="0"/>
-              <a:cs typeface="Helvetica Neue" panose="02000503000000020004" pitchFamily="2" charset="0"/>
-            </a:endParaRPr>
-          </a:p>
-        </p:txBody>
-      </p:sp>
-      <p:pic>
-        <p:nvPicPr>
-          <p:cNvPr id="282" name="Google Shape;282;p13" descr="skillbox White.png"/>
-          <p:cNvPicPr preferRelativeResize="0"/>
-          <p:nvPr/>
-        </p:nvPicPr>
-        <p:blipFill rotWithShape="1">
-          <a:blip r:embed="rId3">
-            <a:alphaModFix/>
-          </a:blip>
-          <a:srcRect/>
-          <a:stretch/>
-        </p:blipFill>
-        <p:spPr>
-          <a:xfrm>
-            <a:off x="1283893" y="1341577"/>
-            <a:ext cx="2032002" cy="457202"/>
-          </a:xfrm>
-          <a:prstGeom prst="rect">
-            <a:avLst/>
-          </a:prstGeom>
-          <a:noFill/>
-          <a:ln>
-            <a:noFill/>
-          </a:ln>
-        </p:spPr>
-      </p:pic>
-      <p:pic>
-        <p:nvPicPr>
-          <p:cNvPr id="7" name="Picture 6">
-            <a:extLst>
-              <a:ext uri="{FF2B5EF4-FFF2-40B4-BE49-F238E27FC236}">
-                <a16:creationId xmlns:a16="http://schemas.microsoft.com/office/drawing/2014/main" id="{5E9A0A62-450A-2F4A-990C-3E18C63F460F}"/>
-              </a:ext>
-            </a:extLst>
-          </p:cNvPr>
-          <p:cNvPicPr>
-            <a:picLocks noChangeAspect="1"/>
-          </p:cNvPicPr>
-          <p:nvPr/>
-        </p:nvPicPr>
-        <p:blipFill>
-          <a:blip r:embed="rId4">
-            <a:extLst>
-              <a:ext uri="{28A0092B-C50C-407E-A947-70E740481C1C}">
-                <a14:useLocalDpi xmlns:a14="http://schemas.microsoft.com/office/drawing/2010/main" val="0"/>
-              </a:ext>
-            </a:extLst>
-          </a:blip>
-          <a:stretch>
-            <a:fillRect/>
-          </a:stretch>
-        </p:blipFill>
-        <p:spPr>
-          <a:xfrm>
-            <a:off x="3773496" y="1222971"/>
-            <a:ext cx="2395001" cy="770614"/>
-          </a:xfrm>
-          <a:prstGeom prst="rect">
-            <a:avLst/>
-          </a:prstGeom>
-        </p:spPr>
-      </p:pic>
-      <p:sp>
-        <p:nvSpPr>
-          <p:cNvPr id="8" name="Google Shape;308;p16">
-            <a:extLst>
-              <a:ext uri="{FF2B5EF4-FFF2-40B4-BE49-F238E27FC236}">
-                <a16:creationId xmlns:a16="http://schemas.microsoft.com/office/drawing/2014/main" id="{C4DC42C2-E856-5E42-B898-008B052D8B7D}"/>
-              </a:ext>
-            </a:extLst>
-          </p:cNvPr>
-          <p:cNvSpPr txBox="1"/>
-          <p:nvPr/>
-        </p:nvSpPr>
-        <p:spPr>
-          <a:xfrm>
-            <a:off x="3354044" y="1232484"/>
-            <a:ext cx="381303" cy="656590"/>
-          </a:xfrm>
-          <a:prstGeom prst="rect">
-            <a:avLst/>
-          </a:prstGeom>
-          <a:noFill/>
-          <a:ln>
-            <a:noFill/>
-          </a:ln>
-        </p:spPr>
-        <p:txBody>
-          <a:bodyPr spcFirstLastPara="1" wrap="square" lIns="50800" tIns="50800" rIns="50800" bIns="50800" anchor="ctr" anchorCtr="0">
-            <a:spAutoFit/>
-          </a:bodyPr>
-          <a:lstStyle/>
-          <a:p>
-            <a:pPr marL="0" marR="0" lvl="0" indent="0" algn="ctr" rtl="0">
-              <a:lnSpc>
-                <a:spcPct val="100000"/>
-              </a:lnSpc>
-              <a:spcBef>
-                <a:spcPts val="0"/>
-              </a:spcBef>
-              <a:spcAft>
-                <a:spcPts val="0"/>
-              </a:spcAft>
-              <a:buClr>
-                <a:srgbClr val="FFFFFF"/>
-              </a:buClr>
-              <a:buSzPts val="3600"/>
-              <a:buFont typeface="Open Sans Light"/>
-              <a:buNone/>
-            </a:pPr>
-            <a:r>
-              <a:rPr lang="en-US" sz="3600" b="0" i="0" u="none" strike="noStrike" cap="none" dirty="0">
-                <a:solidFill>
-                  <a:srgbClr val="FFFFFF"/>
-                </a:solidFill>
-                <a:latin typeface="Helvetica Neue" panose="02000503000000020004" pitchFamily="2" charset="0"/>
-                <a:ea typeface="Helvetica Neue" panose="02000503000000020004" pitchFamily="2" charset="0"/>
-                <a:cs typeface="Helvetica Neue" panose="02000503000000020004" pitchFamily="2" charset="0"/>
-                <a:sym typeface="Open Sans Light"/>
-              </a:rPr>
-              <a:t>+</a:t>
-            </a:r>
-            <a:endParaRPr dirty="0">
-              <a:latin typeface="Helvetica Neue" panose="02000503000000020004" pitchFamily="2" charset="0"/>
-              <a:ea typeface="Helvetica Neue" panose="02000503000000020004" pitchFamily="2" charset="0"/>
-              <a:cs typeface="Helvetica Neue" panose="02000503000000020004" pitchFamily="2" charset="0"/>
-            </a:endParaRPr>
-          </a:p>
-        </p:txBody>
-      </p:sp>
-    </p:spTree>
-    <p:extLst>
-      <p:ext uri="{BB962C8B-B14F-4D97-AF65-F5344CB8AC3E}">
-        <p14:creationId xmlns:p14="http://schemas.microsoft.com/office/powerpoint/2010/main" val="617589527"/>
       </p:ext>
     </p:extLst>
   </p:cSld>
